--- a/docs/presentations/OBI-CLO-CL March 2013 Alignment/3-21-13_CLO-OBI_cell_culture_alignment.pptx
+++ b/docs/presentations/OBI-CLO-CL March 2013 Alignment/3-21-13_CLO-OBI_cell_culture_alignment.pptx
@@ -5,21 +5,26 @@
     <p:sldMasterId id="2147483648" r:id="rId1"/>
   </p:sldMasterIdLst>
   <p:notesMasterIdLst>
-    <p:notesMasterId r:id="rId14"/>
+    <p:notesMasterId r:id="rId19"/>
   </p:notesMasterIdLst>
   <p:sldIdLst>
-    <p:sldId id="260" r:id="rId2"/>
-    <p:sldId id="261" r:id="rId3"/>
-    <p:sldId id="256" r:id="rId4"/>
-    <p:sldId id="273" r:id="rId5"/>
-    <p:sldId id="268" r:id="rId6"/>
-    <p:sldId id="276" r:id="rId7"/>
-    <p:sldId id="275" r:id="rId8"/>
+    <p:sldId id="256" r:id="rId2"/>
+    <p:sldId id="257" r:id="rId3"/>
+    <p:sldId id="258" r:id="rId4"/>
+    <p:sldId id="259" r:id="rId5"/>
+    <p:sldId id="260" r:id="rId6"/>
+    <p:sldId id="261" r:id="rId7"/>
+    <p:sldId id="262" r:id="rId8"/>
     <p:sldId id="263" r:id="rId9"/>
-    <p:sldId id="281" r:id="rId10"/>
-    <p:sldId id="287" r:id="rId11"/>
-    <p:sldId id="288" r:id="rId12"/>
-    <p:sldId id="264" r:id="rId13"/>
+    <p:sldId id="264" r:id="rId10"/>
+    <p:sldId id="265" r:id="rId11"/>
+    <p:sldId id="266" r:id="rId12"/>
+    <p:sldId id="267" r:id="rId13"/>
+    <p:sldId id="268" r:id="rId14"/>
+    <p:sldId id="269" r:id="rId15"/>
+    <p:sldId id="270" r:id="rId16"/>
+    <p:sldId id="271" r:id="rId17"/>
+    <p:sldId id="272" r:id="rId18"/>
   </p:sldIdLst>
   <p:sldSz cx="9144000" cy="6858000" type="screen4x3"/>
   <p:notesSz cx="6858000" cy="9144000"/>
@@ -203,7 +208,7 @@
           <a:p>
             <a:fld id="{47D95FC2-9D13-44BD-B3D4-DA30446B4CE9}" type="datetimeFigureOut">
               <a:rPr lang="en-US" smtClean="0"/>
-              <a:t>3/20/2013</a:t>
+              <a:t>3/22/2013</a:t>
             </a:fld>
             <a:endParaRPr lang="en-US"/>
           </a:p>
@@ -515,228 +520,266 @@
           <a:bodyPr/>
           <a:lstStyle/>
           <a:p>
-            <a:pPr marL="0" marR="0" lvl="1" indent="0" algn="l" defTabSz="914400" rtl="0" eaLnBrk="1" fontAlgn="auto" latinLnBrk="0" hangingPunct="1">
-              <a:lnSpc>
-                <a:spcPct val="100000"/>
-              </a:lnSpc>
-              <a:spcBef>
-                <a:spcPts val="0"/>
-              </a:spcBef>
-              <a:spcAft>
-                <a:spcPts val="0"/>
-              </a:spcAft>
-              <a:buClrTx/>
-              <a:buSzTx/>
-              <a:buFontTx/>
-              <a:buNone/>
-              <a:tabLst/>
-              <a:defRPr/>
-            </a:pPr>
+            <a:r>
+              <a:rPr lang="en-US" sz="1200" kern="1200" baseline="0" dirty="0" smtClean="0">
+                <a:solidFill>
+                  <a:schemeClr val="tx1"/>
+                </a:solidFill>
+                <a:effectLst/>
+                <a:latin typeface="+mn-lt"/>
+                <a:ea typeface="+mn-ea"/>
+                <a:cs typeface="+mn-cs"/>
+              </a:rPr>
+              <a:t>The 2011 CLO paper given as reference for use cases is</a:t>
+            </a:r>
+            <a:r>
+              <a:rPr lang="en-US" sz="1200" kern="1200" dirty="0" smtClean="0">
+                <a:solidFill>
+                  <a:schemeClr val="tx1"/>
+                </a:solidFill>
+                <a:effectLst/>
+                <a:latin typeface="+mn-lt"/>
+                <a:ea typeface="+mn-ea"/>
+                <a:cs typeface="+mn-cs"/>
+              </a:rPr>
+              <a:t> from when CLO represented cell lines as collections - as the paper defines them,  "colonies of cells artificially developed and grown under controlled conditions".  I think people are really interested in whether there are specific use cases modeling cell line cells was needed/better, that would explain the motivation for CLO changing to modeling single cells rather then cell lines.  In fact, the other example you give – representing contamination – would actually require consideration of collections of cells (a single cell is not contaminated)</a:t>
+            </a:r>
+          </a:p>
+          <a:p>
+            <a:endParaRPr lang="en-US" sz="1200" kern="1200" dirty="0" smtClean="0">
+              <a:solidFill>
+                <a:schemeClr val="tx1"/>
+              </a:solidFill>
+              <a:effectLst/>
+              <a:latin typeface="+mn-lt"/>
+              <a:ea typeface="+mn-ea"/>
+              <a:cs typeface="+mn-cs"/>
+            </a:endParaRPr>
+          </a:p>
+          <a:p>
+            <a:endParaRPr lang="en-US" sz="1200" kern="1200" dirty="0" smtClean="0">
+              <a:solidFill>
+                <a:schemeClr val="tx1"/>
+              </a:solidFill>
+              <a:effectLst/>
+              <a:latin typeface="+mn-lt"/>
+              <a:ea typeface="+mn-ea"/>
+              <a:cs typeface="+mn-cs"/>
+            </a:endParaRPr>
+          </a:p>
+          <a:p>
+            <a:r>
+              <a:rPr lang="en-US" sz="1200" kern="1200" dirty="0" smtClean="0">
+                <a:solidFill>
+                  <a:schemeClr val="tx1"/>
+                </a:solidFill>
+                <a:effectLst/>
+                <a:latin typeface="+mn-lt"/>
+                <a:ea typeface="+mn-ea"/>
+                <a:cs typeface="+mn-cs"/>
+              </a:rPr>
+              <a:t>------</a:t>
+            </a:r>
+          </a:p>
+          <a:p>
+            <a:endParaRPr lang="en-US" sz="1200" kern="1200" dirty="0" smtClean="0">
+              <a:solidFill>
+                <a:schemeClr val="tx1"/>
+              </a:solidFill>
+              <a:effectLst/>
+              <a:latin typeface="+mn-lt"/>
+              <a:ea typeface="+mn-ea"/>
+              <a:cs typeface="+mn-cs"/>
+            </a:endParaRPr>
+          </a:p>
+          <a:p>
+            <a:r>
+              <a:rPr lang="en-US" sz="1200" kern="1200" dirty="0" smtClean="0">
+                <a:solidFill>
+                  <a:schemeClr val="tx1"/>
+                </a:solidFill>
+                <a:effectLst/>
+                <a:latin typeface="+mn-lt"/>
+                <a:ea typeface="+mn-ea"/>
+                <a:cs typeface="+mn-cs"/>
+              </a:rPr>
+              <a:t>"a permanently established cell culture that will proliferate indefinitely given appropriate fresh medium and space."</a:t>
+            </a:r>
+            <a:endParaRPr lang="en-US" dirty="0"/>
+          </a:p>
+        </p:txBody>
+      </p:sp>
+      <p:sp>
+        <p:nvSpPr>
+          <p:cNvPr id="4" name="Slide Number Placeholder 3"/>
+          <p:cNvSpPr>
+            <a:spLocks noGrp="1"/>
+          </p:cNvSpPr>
+          <p:nvPr>
+            <p:ph type="sldNum" sz="quarter" idx="10"/>
+          </p:nvPr>
+        </p:nvSpPr>
+        <p:spPr/>
+        <p:txBody>
+          <a:bodyPr/>
+          <a:lstStyle/>
+          <a:p>
+            <a:fld id="{BE1C86D5-7ABF-401E-96AB-07EFE2B053C7}" type="slidenum">
+              <a:rPr lang="en-US" smtClean="0"/>
+              <a:t>2</a:t>
+            </a:fld>
+            <a:endParaRPr lang="en-US"/>
+          </a:p>
+        </p:txBody>
+      </p:sp>
+    </p:spTree>
+    <p:extLst>
+      <p:ext uri="{BB962C8B-B14F-4D97-AF65-F5344CB8AC3E}">
+        <p14:creationId xmlns:p14="http://schemas.microsoft.com/office/powerpoint/2010/main" val="1546860671"/>
+      </p:ext>
+    </p:extLst>
+  </p:cSld>
+  <p:clrMapOvr>
+    <a:masterClrMapping/>
+  </p:clrMapOvr>
+</p:notes>
+</file>
+
+<file path=ppt/notesSlides/notesSlide10.xml><?xml version="1.0" encoding="utf-8"?>
+<p:notes xmlns:a="http://schemas.openxmlformats.org/drawingml/2006/main" xmlns:r="http://schemas.openxmlformats.org/officeDocument/2006/relationships" xmlns:p="http://schemas.openxmlformats.org/presentationml/2006/main">
+  <p:cSld>
+    <p:spTree>
+      <p:nvGrpSpPr>
+        <p:cNvPr id="1" name=""/>
+        <p:cNvGrpSpPr/>
+        <p:nvPr/>
+      </p:nvGrpSpPr>
+      <p:grpSpPr>
+        <a:xfrm>
+          <a:off x="0" y="0"/>
+          <a:ext cx="0" cy="0"/>
+          <a:chOff x="0" y="0"/>
+          <a:chExt cx="0" cy="0"/>
+        </a:xfrm>
+      </p:grpSpPr>
+      <p:sp>
+        <p:nvSpPr>
+          <p:cNvPr id="2" name="Slide Image Placeholder 1"/>
+          <p:cNvSpPr>
+            <a:spLocks noGrp="1" noRot="1" noChangeAspect="1"/>
+          </p:cNvSpPr>
+          <p:nvPr>
+            <p:ph type="sldImg"/>
+          </p:nvPr>
+        </p:nvSpPr>
+        <p:spPr/>
+      </p:sp>
+      <p:sp>
+        <p:nvSpPr>
+          <p:cNvPr id="3" name="Notes Placeholder 2"/>
+          <p:cNvSpPr>
+            <a:spLocks noGrp="1"/>
+          </p:cNvSpPr>
+          <p:nvPr>
+            <p:ph type="body" idx="1"/>
+          </p:nvPr>
+        </p:nvSpPr>
+        <p:spPr/>
+        <p:txBody>
+          <a:bodyPr/>
+          <a:lstStyle/>
+          <a:p>
             <a:r>
               <a:rPr lang="en-US" dirty="0" smtClean="0"/>
-              <a:t>. . . . </a:t>
+              <a:t>cant rely on forums and non-authoritative definitions – these are</a:t>
             </a:r>
             <a:r>
               <a:rPr lang="en-US" baseline="0" dirty="0" smtClean="0"/>
-              <a:t> of what things exist and how they are related (</a:t>
-            </a:r>
-            <a:r>
-              <a:rPr lang="en-US" dirty="0" smtClean="0"/>
-              <a:t>may be easiest to start with our understanding of cell cultures and lines and move</a:t>
-            </a:r>
-            <a:r>
-              <a:rPr lang="en-US" baseline="0" dirty="0" smtClean="0"/>
-              <a:t> on to cells on next slide</a:t>
-            </a:r>
-            <a:r>
-              <a:rPr lang="en-US" dirty="0" smtClean="0"/>
-              <a:t>)</a:t>
-            </a:r>
-          </a:p>
-          <a:p>
-            <a:pPr marL="0" marR="0" lvl="1" indent="0" algn="l" defTabSz="914400" rtl="0" eaLnBrk="1" fontAlgn="auto" latinLnBrk="0" hangingPunct="1">
-              <a:lnSpc>
-                <a:spcPct val="100000"/>
-              </a:lnSpc>
-              <a:spcBef>
-                <a:spcPts val="0"/>
-              </a:spcBef>
-              <a:spcAft>
-                <a:spcPts val="0"/>
-              </a:spcAft>
-              <a:buClrTx/>
-              <a:buSzTx/>
-              <a:buFontTx/>
-              <a:buNone/>
-              <a:tabLst/>
-              <a:defRPr/>
-            </a:pPr>
-            <a:endParaRPr lang="en-US" dirty="0" smtClean="0"/>
-          </a:p>
-          <a:p>
-            <a:pPr marL="0" marR="0" lvl="1" indent="0" algn="l" defTabSz="914400" rtl="0" eaLnBrk="1" fontAlgn="auto" latinLnBrk="0" hangingPunct="1">
-              <a:lnSpc>
-                <a:spcPct val="100000"/>
-              </a:lnSpc>
-              <a:spcBef>
-                <a:spcPts val="0"/>
-              </a:spcBef>
-              <a:spcAft>
-                <a:spcPts val="0"/>
-              </a:spcAft>
-              <a:buClrTx/>
-              <a:buSzTx/>
-              <a:buFontTx/>
-              <a:buNone/>
-              <a:tabLst/>
-              <a:defRPr/>
-            </a:pPr>
-            <a:r>
-              <a:rPr lang="en-US" dirty="0" smtClean="0"/>
-              <a:t>Cell culture has two exhaustive, disjoint subtypes: primary cell culture, cell line</a:t>
-            </a:r>
-          </a:p>
-          <a:p>
-            <a:pPr marL="0" marR="0" lvl="1" indent="0" algn="l" defTabSz="914400" rtl="0" eaLnBrk="1" fontAlgn="auto" latinLnBrk="0" hangingPunct="1">
-              <a:lnSpc>
-                <a:spcPct val="100000"/>
-              </a:lnSpc>
-              <a:spcBef>
-                <a:spcPts val="0"/>
-              </a:spcBef>
-              <a:spcAft>
-                <a:spcPts val="0"/>
-              </a:spcAft>
-              <a:buClrTx/>
-              <a:buSzTx/>
-              <a:buFontTx/>
-              <a:buNone/>
-              <a:tabLst/>
-              <a:defRPr/>
-            </a:pPr>
-            <a:endParaRPr lang="en-US" dirty="0" smtClean="0"/>
-          </a:p>
-          <a:p>
-            <a:pPr marL="0" marR="0" lvl="1" indent="0" algn="l" defTabSz="914400" rtl="0" eaLnBrk="1" fontAlgn="auto" latinLnBrk="0" hangingPunct="1">
-              <a:lnSpc>
-                <a:spcPct val="100000"/>
-              </a:lnSpc>
-              <a:spcBef>
-                <a:spcPts val="0"/>
-              </a:spcBef>
-              <a:spcAft>
-                <a:spcPts val="0"/>
-              </a:spcAft>
-              <a:buClrTx/>
-              <a:buSzTx/>
-              <a:buFontTx/>
-              <a:buNone/>
-              <a:tabLst/>
-              <a:defRPr/>
-            </a:pPr>
-            <a:r>
-              <a:rPr lang="en-US" dirty="0" smtClean="0"/>
-              <a:t>Diagram shows inputs and outputs of processes from</a:t>
-            </a:r>
-            <a:r>
-              <a:rPr lang="en-US" baseline="0" dirty="0" smtClean="0"/>
-              <a:t> the explanation of a founder cell to the establishment and modification of immortal cell lines</a:t>
-            </a:r>
-          </a:p>
-          <a:p>
-            <a:pPr marL="0" marR="0" lvl="1" indent="0" algn="l" defTabSz="914400" rtl="0" eaLnBrk="1" fontAlgn="auto" latinLnBrk="0" hangingPunct="1">
-              <a:lnSpc>
-                <a:spcPct val="100000"/>
-              </a:lnSpc>
-              <a:spcBef>
-                <a:spcPts val="0"/>
-              </a:spcBef>
-              <a:spcAft>
-                <a:spcPts val="0"/>
-              </a:spcAft>
-              <a:buClrTx/>
-              <a:buSzTx/>
-              <a:buFontTx/>
-              <a:buNone/>
-              <a:tabLst/>
-              <a:defRPr/>
-            </a:pPr>
-            <a:endParaRPr lang="en-US" dirty="0" smtClean="0"/>
-          </a:p>
-          <a:p>
-            <a:pPr marL="0" marR="0" lvl="1" indent="0" algn="l" defTabSz="914400" rtl="0" eaLnBrk="1" fontAlgn="auto" latinLnBrk="0" hangingPunct="1">
-              <a:lnSpc>
-                <a:spcPct val="100000"/>
-              </a:lnSpc>
-              <a:spcBef>
-                <a:spcPts val="0"/>
-              </a:spcBef>
-              <a:spcAft>
-                <a:spcPts val="0"/>
-              </a:spcAft>
-              <a:buClrTx/>
-              <a:buSzTx/>
-              <a:buFontTx/>
-              <a:buNone/>
-              <a:tabLst/>
-              <a:defRPr/>
-            </a:pPr>
-            <a:r>
-              <a:rPr lang="en-US" dirty="0" smtClean="0"/>
-              <a:t>Key points here to be sure wee all agree on:</a:t>
-            </a:r>
-          </a:p>
-          <a:p>
-            <a:pPr marL="171450" marR="0" lvl="1" indent="-171450" algn="l" defTabSz="914400" rtl="0" eaLnBrk="1" fontAlgn="auto" latinLnBrk="0" hangingPunct="1">
-              <a:lnSpc>
-                <a:spcPct val="100000"/>
-              </a:lnSpc>
-              <a:spcBef>
-                <a:spcPts val="0"/>
-              </a:spcBef>
-              <a:spcAft>
-                <a:spcPts val="0"/>
-              </a:spcAft>
-              <a:buClrTx/>
-              <a:buSzTx/>
-              <a:buFontTx/>
-              <a:buChar char="-"/>
-              <a:tabLst/>
-              <a:defRPr/>
-            </a:pPr>
-            <a:r>
-              <a:rPr lang="en-US" dirty="0" smtClean="0"/>
-              <a:t>is that a culture or line is a lineage </a:t>
-            </a:r>
-          </a:p>
-          <a:p>
-            <a:pPr marL="171450" marR="0" lvl="1" indent="-171450" algn="l" defTabSz="914400" rtl="0" eaLnBrk="1" fontAlgn="auto" latinLnBrk="0" hangingPunct="1">
-              <a:lnSpc>
-                <a:spcPct val="100000"/>
-              </a:lnSpc>
-              <a:spcBef>
-                <a:spcPts val="0"/>
-              </a:spcBef>
-              <a:spcAft>
-                <a:spcPts val="0"/>
-              </a:spcAft>
-              <a:buClrTx/>
-              <a:buSzTx/>
-              <a:buFontTx/>
-              <a:buChar char="-"/>
-              <a:tabLst/>
-              <a:defRPr/>
-            </a:pPr>
-            <a:r>
-              <a:rPr lang="en-US" dirty="0" smtClean="0"/>
-              <a:t>.</a:t>
-            </a:r>
-            <a:r>
-              <a:rPr lang="en-US" baseline="0" dirty="0" smtClean="0"/>
-              <a:t> . . </a:t>
-            </a:r>
-            <a:endParaRPr lang="en-US" dirty="0" smtClean="0"/>
-          </a:p>
+              <a:t> varied and ambiguous and only highlight the problem that terms such as cell line are inconsistently used and understood.  Need to rely on experts and authoritative sources such as cell culture methods books</a:t>
+            </a:r>
+            <a:endParaRPr lang="en-US" dirty="0"/>
+          </a:p>
+        </p:txBody>
+      </p:sp>
+      <p:sp>
+        <p:nvSpPr>
+          <p:cNvPr id="4" name="Slide Number Placeholder 3"/>
+          <p:cNvSpPr>
+            <a:spLocks noGrp="1"/>
+          </p:cNvSpPr>
+          <p:nvPr>
+            <p:ph type="sldNum" sz="quarter" idx="10"/>
+          </p:nvPr>
+        </p:nvSpPr>
+        <p:spPr/>
+        <p:txBody>
+          <a:bodyPr/>
+          <a:lstStyle/>
+          <a:p>
+            <a:fld id="{BE1C86D5-7ABF-401E-96AB-07EFE2B053C7}" type="slidenum">
+              <a:rPr lang="en-US" smtClean="0"/>
+              <a:t>15</a:t>
+            </a:fld>
+            <a:endParaRPr lang="en-US"/>
+          </a:p>
+        </p:txBody>
+      </p:sp>
+    </p:spTree>
+    <p:extLst>
+      <p:ext uri="{BB962C8B-B14F-4D97-AF65-F5344CB8AC3E}">
+        <p14:creationId xmlns:p14="http://schemas.microsoft.com/office/powerpoint/2010/main" val="3160575013"/>
+      </p:ext>
+    </p:extLst>
+  </p:cSld>
+  <p:clrMapOvr>
+    <a:masterClrMapping/>
+  </p:clrMapOvr>
+</p:notes>
+</file>
+
+<file path=ppt/notesSlides/notesSlide11.xml><?xml version="1.0" encoding="utf-8"?>
+<p:notes xmlns:a="http://schemas.openxmlformats.org/drawingml/2006/main" xmlns:r="http://schemas.openxmlformats.org/officeDocument/2006/relationships" xmlns:p="http://schemas.openxmlformats.org/presentationml/2006/main">
+  <p:cSld>
+    <p:spTree>
+      <p:nvGrpSpPr>
+        <p:cNvPr id="1" name=""/>
+        <p:cNvGrpSpPr/>
+        <p:nvPr/>
+      </p:nvGrpSpPr>
+      <p:grpSpPr>
+        <a:xfrm>
+          <a:off x="0" y="0"/>
+          <a:ext cx="0" cy="0"/>
+          <a:chOff x="0" y="0"/>
+          <a:chExt cx="0" cy="0"/>
+        </a:xfrm>
+      </p:grpSpPr>
+      <p:sp>
+        <p:nvSpPr>
+          <p:cNvPr id="2" name="Slide Image Placeholder 1"/>
+          <p:cNvSpPr>
+            <a:spLocks noGrp="1" noRot="1" noChangeAspect="1"/>
+          </p:cNvSpPr>
+          <p:nvPr>
+            <p:ph type="sldImg"/>
+          </p:nvPr>
+        </p:nvSpPr>
+        <p:spPr/>
+      </p:sp>
+      <p:sp>
+        <p:nvSpPr>
+          <p:cNvPr id="3" name="Notes Placeholder 2"/>
+          <p:cNvSpPr>
+            <a:spLocks noGrp="1"/>
+          </p:cNvSpPr>
+          <p:nvPr>
+            <p:ph type="body" idx="1"/>
+          </p:nvPr>
+        </p:nvSpPr>
+        <p:spPr/>
+        <p:txBody>
+          <a:bodyPr/>
+          <a:lstStyle/>
           <a:p>
             <a:pPr marL="0" marR="0" indent="0" algn="l" defTabSz="914400" rtl="0" eaLnBrk="1" fontAlgn="auto" latinLnBrk="0" hangingPunct="1">
               <a:lnSpc>
@@ -755,8 +798,137 @@
               <a:tabLst/>
               <a:defRPr/>
             </a:pPr>
-            <a:endParaRPr lang="en-US" dirty="0" smtClean="0"/>
-          </a:p>
+            <a:r>
+              <a:rPr lang="en-US" sz="1200" b="1" u="sng" kern="1200" dirty="0" smtClean="0">
+                <a:solidFill>
+                  <a:schemeClr val="tx1"/>
+                </a:solidFill>
+                <a:effectLst/>
+                <a:latin typeface="+mn-lt"/>
+                <a:ea typeface="+mn-ea"/>
+                <a:cs typeface="+mn-cs"/>
+              </a:rPr>
+              <a:t>Another methods book supporting this view</a:t>
+            </a:r>
+            <a:r>
+              <a:rPr lang="en-US" sz="1200" kern="1200" dirty="0" smtClean="0">
+                <a:solidFill>
+                  <a:schemeClr val="tx1"/>
+                </a:solidFill>
+                <a:effectLst/>
+                <a:latin typeface="+mn-lt"/>
+                <a:ea typeface="+mn-ea"/>
+                <a:cs typeface="+mn-cs"/>
+              </a:rPr>
+              <a:t>: </a:t>
+            </a:r>
+            <a:r>
+              <a:rPr lang="en-US" sz="1200" kern="1200" dirty="0" smtClean="0">
+                <a:solidFill>
+                  <a:schemeClr val="tx1"/>
+                </a:solidFill>
+                <a:effectLst/>
+                <a:latin typeface="+mn-lt"/>
+                <a:ea typeface="+mn-ea"/>
+                <a:cs typeface="+mn-cs"/>
+                <a:hlinkClick r:id="rId3"/>
+              </a:rPr>
+              <a:t>http://books.google.com/books?id=3GHwAAAAMAAJ&amp;q=%22cell+line%22#search_anchor</a:t>
+            </a:r>
+            <a:endParaRPr lang="en-US" sz="1200" kern="1200" dirty="0" smtClean="0">
+              <a:solidFill>
+                <a:schemeClr val="tx1"/>
+              </a:solidFill>
+              <a:effectLst/>
+              <a:latin typeface="+mn-lt"/>
+              <a:ea typeface="+mn-ea"/>
+              <a:cs typeface="+mn-cs"/>
+            </a:endParaRPr>
+          </a:p>
+          <a:p>
+            <a:endParaRPr lang="en-US" dirty="0"/>
+          </a:p>
+        </p:txBody>
+      </p:sp>
+      <p:sp>
+        <p:nvSpPr>
+          <p:cNvPr id="4" name="Slide Number Placeholder 3"/>
+          <p:cNvSpPr>
+            <a:spLocks noGrp="1"/>
+          </p:cNvSpPr>
+          <p:nvPr>
+            <p:ph type="sldNum" sz="quarter" idx="10"/>
+          </p:nvPr>
+        </p:nvSpPr>
+        <p:spPr/>
+        <p:txBody>
+          <a:bodyPr/>
+          <a:lstStyle/>
+          <a:p>
+            <a:fld id="{BE1C86D5-7ABF-401E-96AB-07EFE2B053C7}" type="slidenum">
+              <a:rPr lang="en-US" smtClean="0"/>
+              <a:t>16</a:t>
+            </a:fld>
+            <a:endParaRPr lang="en-US"/>
+          </a:p>
+        </p:txBody>
+      </p:sp>
+    </p:spTree>
+    <p:extLst>
+      <p:ext uri="{BB962C8B-B14F-4D97-AF65-F5344CB8AC3E}">
+        <p14:creationId xmlns:p14="http://schemas.microsoft.com/office/powerpoint/2010/main" val="3513041267"/>
+      </p:ext>
+    </p:extLst>
+  </p:cSld>
+  <p:clrMapOvr>
+    <a:masterClrMapping/>
+  </p:clrMapOvr>
+</p:notes>
+</file>
+
+<file path=ppt/notesSlides/notesSlide12.xml><?xml version="1.0" encoding="utf-8"?>
+<p:notes xmlns:a="http://schemas.openxmlformats.org/drawingml/2006/main" xmlns:r="http://schemas.openxmlformats.org/officeDocument/2006/relationships" xmlns:p="http://schemas.openxmlformats.org/presentationml/2006/main">
+  <p:cSld>
+    <p:spTree>
+      <p:nvGrpSpPr>
+        <p:cNvPr id="1" name=""/>
+        <p:cNvGrpSpPr/>
+        <p:nvPr/>
+      </p:nvGrpSpPr>
+      <p:grpSpPr>
+        <a:xfrm>
+          <a:off x="0" y="0"/>
+          <a:ext cx="0" cy="0"/>
+          <a:chOff x="0" y="0"/>
+          <a:chExt cx="0" cy="0"/>
+        </a:xfrm>
+      </p:grpSpPr>
+      <p:sp>
+        <p:nvSpPr>
+          <p:cNvPr id="2" name="Slide Image Placeholder 1"/>
+          <p:cNvSpPr>
+            <a:spLocks noGrp="1" noRot="1" noChangeAspect="1"/>
+          </p:cNvSpPr>
+          <p:nvPr>
+            <p:ph type="sldImg"/>
+          </p:nvPr>
+        </p:nvSpPr>
+        <p:spPr/>
+      </p:sp>
+      <p:sp>
+        <p:nvSpPr>
+          <p:cNvPr id="3" name="Notes Placeholder 2"/>
+          <p:cNvSpPr>
+            <a:spLocks noGrp="1"/>
+          </p:cNvSpPr>
+          <p:nvPr>
+            <p:ph type="body" idx="1"/>
+          </p:nvPr>
+        </p:nvSpPr>
+        <p:spPr/>
+        <p:txBody>
+          <a:bodyPr/>
+          <a:lstStyle/>
           <a:p>
             <a:pPr marL="0" marR="0" indent="0" algn="l" defTabSz="914400" rtl="0" eaLnBrk="1" fontAlgn="auto" latinLnBrk="0" hangingPunct="1">
               <a:lnSpc>
@@ -775,30 +947,28 @@
               <a:tabLst/>
               <a:defRPr/>
             </a:pPr>
-            <a:endParaRPr lang="en-US" dirty="0" smtClean="0"/>
-          </a:p>
-          <a:p>
-            <a:pPr marL="0" marR="0" indent="0" algn="l" defTabSz="914400" rtl="0" eaLnBrk="1" fontAlgn="auto" latinLnBrk="0" hangingPunct="1">
-              <a:lnSpc>
-                <a:spcPct val="100000"/>
-              </a:lnSpc>
-              <a:spcBef>
-                <a:spcPts val="0"/>
-              </a:spcBef>
-              <a:spcAft>
-                <a:spcPts val="0"/>
-              </a:spcAft>
-              <a:buClrTx/>
-              <a:buSzTx/>
-              <a:buFontTx/>
-              <a:buNone/>
-              <a:tabLst/>
-              <a:defRPr/>
-            </a:pPr>
-            <a:r>
-              <a:rPr lang="en-US" dirty="0" smtClean="0"/>
-              <a:t>cell line = a collection of cultured cells tracing back to a single biological source that represents any and all subsequent passages of cells following the establishment of the line, up to a point where it is modified in such a way as to establish a new cell line.</a:t>
-            </a:r>
+            <a:r>
+              <a:rPr lang="en-US" sz="1200" kern="1200" dirty="0" smtClean="0">
+                <a:solidFill>
+                  <a:schemeClr val="tx1"/>
+                </a:solidFill>
+                <a:effectLst/>
+                <a:latin typeface="+mn-lt"/>
+                <a:ea typeface="+mn-ea"/>
+                <a:cs typeface="+mn-cs"/>
+                <a:hlinkClick r:id="rId3"/>
+              </a:rPr>
+              <a:t>http://www.invitrogen.com/site/us/en/home/References/gibco-cell-culture-basics/introduction-to-cell-culture.html</a:t>
+            </a:r>
+            <a:endParaRPr lang="en-US" sz="1200" kern="1200" dirty="0" smtClean="0">
+              <a:solidFill>
+                <a:schemeClr val="tx1"/>
+              </a:solidFill>
+              <a:effectLst/>
+              <a:latin typeface="+mn-lt"/>
+              <a:ea typeface="+mn-ea"/>
+              <a:cs typeface="+mn-cs"/>
+            </a:endParaRPr>
           </a:p>
           <a:p>
             <a:endParaRPr lang="en-US" dirty="0"/>
@@ -822,7 +992,7 @@
           <a:p>
             <a:fld id="{BE1C86D5-7ABF-401E-96AB-07EFE2B053C7}" type="slidenum">
               <a:rPr lang="en-US" smtClean="0"/>
-              <a:t>3</a:t>
+              <a:t>17</a:t>
             </a:fld>
             <a:endParaRPr lang="en-US"/>
           </a:p>
@@ -831,7 +1001,7 @@
     </p:spTree>
     <p:extLst>
       <p:ext uri="{BB962C8B-B14F-4D97-AF65-F5344CB8AC3E}">
-        <p14:creationId xmlns:p14="http://schemas.microsoft.com/office/powerpoint/2010/main" val="3466641493"/>
+        <p14:creationId xmlns:p14="http://schemas.microsoft.com/office/powerpoint/2010/main" val="2937259613"/>
       </p:ext>
     </p:extLst>
   </p:cSld>
@@ -885,42 +1055,208 @@
           <a:bodyPr/>
           <a:lstStyle/>
           <a:p>
+            <a:pPr marL="0" marR="0" lvl="1" indent="0" algn="l" defTabSz="914400" rtl="0" eaLnBrk="1" fontAlgn="auto" latinLnBrk="0" hangingPunct="1">
+              <a:lnSpc>
+                <a:spcPct val="100000"/>
+              </a:lnSpc>
+              <a:spcBef>
+                <a:spcPts val="0"/>
+              </a:spcBef>
+              <a:spcAft>
+                <a:spcPts val="0"/>
+              </a:spcAft>
+              <a:buClrTx/>
+              <a:buSzTx/>
+              <a:buFontTx/>
+              <a:buNone/>
+              <a:tabLst/>
+              <a:defRPr/>
+            </a:pPr>
+            <a:r>
+              <a:rPr lang="en-US" baseline="0" dirty="0" smtClean="0"/>
+              <a:t>What </a:t>
+            </a:r>
+            <a:r>
+              <a:rPr lang="en-US" baseline="0" dirty="0" smtClean="0"/>
+              <a:t>things exist and how they are </a:t>
+            </a:r>
+            <a:r>
+              <a:rPr lang="en-US" baseline="0" dirty="0" smtClean="0"/>
+              <a:t>related. </a:t>
+            </a:r>
             <a:r>
               <a:rPr lang="en-US" dirty="0" smtClean="0"/>
-              <a:t>Cells enter the picture as parts of cell cultures and lines. </a:t>
+              <a:t>Origination and chains of derivation are essential for understanding and distinguishing</a:t>
             </a:r>
             <a:r>
               <a:rPr lang="en-US" baseline="0" dirty="0" smtClean="0"/>
-              <a:t>Trivially, cells are inputs/outputs of the same processes as their collections.</a:t>
-            </a:r>
-          </a:p>
-          <a:p>
-            <a:endParaRPr lang="en-US" baseline="0" dirty="0" smtClean="0"/>
-          </a:p>
-          <a:p>
+              <a:t> these fundamental concepts, so I think a diagram like this is helpful.</a:t>
+            </a:r>
+          </a:p>
+          <a:p>
+            <a:pPr marL="0" marR="0" lvl="1" indent="0" algn="l" defTabSz="914400" rtl="0" eaLnBrk="1" fontAlgn="auto" latinLnBrk="0" hangingPunct="1">
+              <a:lnSpc>
+                <a:spcPct val="100000"/>
+              </a:lnSpc>
+              <a:spcBef>
+                <a:spcPts val="0"/>
+              </a:spcBef>
+              <a:spcAft>
+                <a:spcPts val="0"/>
+              </a:spcAft>
+              <a:buClrTx/>
+              <a:buSzTx/>
+              <a:buFontTx/>
+              <a:buNone/>
+              <a:tabLst/>
+              <a:defRPr/>
+            </a:pPr>
+            <a:endParaRPr lang="en-US" b="1" dirty="0" smtClean="0">
+              <a:solidFill>
+                <a:srgbClr val="C00000"/>
+              </a:solidFill>
+              <a:effectLst>
+                <a:outerShdw blurRad="38100" dist="38100" dir="2700000" algn="tl">
+                  <a:srgbClr val="000000">
+                    <a:alpha val="43137"/>
+                  </a:srgbClr>
+                </a:outerShdw>
+              </a:effectLst>
+            </a:endParaRPr>
+          </a:p>
+          <a:p>
+            <a:pPr marL="0" marR="0" lvl="1" indent="0" algn="l" defTabSz="914400" rtl="0" eaLnBrk="1" fontAlgn="auto" latinLnBrk="0" hangingPunct="1">
+              <a:lnSpc>
+                <a:spcPct val="100000"/>
+              </a:lnSpc>
+              <a:spcBef>
+                <a:spcPts val="0"/>
+              </a:spcBef>
+              <a:spcAft>
+                <a:spcPts val="0"/>
+              </a:spcAft>
+              <a:buClrTx/>
+              <a:buSzTx/>
+              <a:buFontTx/>
+              <a:buNone/>
+              <a:tabLst/>
+              <a:defRPr/>
+            </a:pPr>
+            <a:r>
+              <a:rPr lang="en-US" dirty="0" smtClean="0"/>
+              <a:t>Diagram </a:t>
+            </a:r>
+            <a:r>
+              <a:rPr lang="en-US" dirty="0" smtClean="0"/>
+              <a:t>shows inputs and outputs of processes from</a:t>
+            </a:r>
             <a:r>
               <a:rPr lang="en-US" baseline="0" dirty="0" smtClean="0"/>
-              <a:t>Again, some key points to recognize and agree on are that . . . </a:t>
-            </a:r>
-          </a:p>
-          <a:p>
-            <a:endParaRPr lang="en-US" baseline="0" dirty="0" smtClean="0"/>
-          </a:p>
-          <a:p>
-            <a:r>
-              <a:rPr lang="en-US" baseline="0" dirty="0" smtClean="0"/>
-              <a:t>cell culture and cell line cells are necessarily cultured cells (to clarify, being cultured is different than having been passaged).</a:t>
-            </a:r>
-          </a:p>
-          <a:p>
-            <a:endParaRPr lang="en-US" baseline="0" dirty="0" smtClean="0"/>
-          </a:p>
-          <a:p>
-            <a:r>
-              <a:rPr lang="en-US" baseline="0" dirty="0" smtClean="0"/>
-              <a:t>cell line cells </a:t>
-            </a:r>
-            <a:endParaRPr lang="en-US" dirty="0"/>
+              <a:t> the explanation of a founder cell to the establishment and modification of immortal cell lines</a:t>
+            </a:r>
+          </a:p>
+          <a:p>
+            <a:pPr marL="0" marR="0" lvl="1" indent="0" algn="l" defTabSz="914400" rtl="0" eaLnBrk="1" fontAlgn="auto" latinLnBrk="0" hangingPunct="1">
+              <a:lnSpc>
+                <a:spcPct val="100000"/>
+              </a:lnSpc>
+              <a:spcBef>
+                <a:spcPts val="0"/>
+              </a:spcBef>
+              <a:spcAft>
+                <a:spcPts val="0"/>
+              </a:spcAft>
+              <a:buClrTx/>
+              <a:buSzTx/>
+              <a:buFontTx/>
+              <a:buNone/>
+              <a:tabLst/>
+              <a:defRPr/>
+            </a:pPr>
+            <a:endParaRPr lang="en-US" dirty="0" smtClean="0"/>
+          </a:p>
+          <a:p>
+            <a:pPr marL="0" marR="0" lvl="1" indent="0" algn="l" defTabSz="914400" rtl="0" eaLnBrk="1" fontAlgn="auto" latinLnBrk="0" hangingPunct="1">
+              <a:lnSpc>
+                <a:spcPct val="100000"/>
+              </a:lnSpc>
+              <a:spcBef>
+                <a:spcPts val="0"/>
+              </a:spcBef>
+              <a:spcAft>
+                <a:spcPts val="0"/>
+              </a:spcAft>
+              <a:buClrTx/>
+              <a:buSzTx/>
+              <a:buFontTx/>
+              <a:buNone/>
+              <a:tabLst/>
+              <a:defRPr/>
+            </a:pPr>
+            <a:r>
+              <a:rPr lang="en-US" dirty="0" smtClean="0"/>
+              <a:t>Cell culture has two exhaustive, disjoint subtypes: primary cell culture, cell line</a:t>
+            </a:r>
+          </a:p>
+          <a:p>
+            <a:pPr marL="0" marR="0" lvl="1" indent="0" algn="l" defTabSz="914400" rtl="0" eaLnBrk="1" fontAlgn="auto" latinLnBrk="0" hangingPunct="1">
+              <a:lnSpc>
+                <a:spcPct val="100000"/>
+              </a:lnSpc>
+              <a:spcBef>
+                <a:spcPts val="0"/>
+              </a:spcBef>
+              <a:spcAft>
+                <a:spcPts val="0"/>
+              </a:spcAft>
+              <a:buClrTx/>
+              <a:buSzTx/>
+              <a:buFontTx/>
+              <a:buNone/>
+              <a:tabLst/>
+              <a:defRPr/>
+            </a:pPr>
+            <a:endParaRPr lang="en-US" dirty="0" smtClean="0"/>
+          </a:p>
+          <a:p>
+            <a:pPr marL="0" marR="0" lvl="1" indent="0" algn="l" defTabSz="914400" rtl="0" eaLnBrk="1" fontAlgn="auto" latinLnBrk="0" hangingPunct="1">
+              <a:lnSpc>
+                <a:spcPct val="100000"/>
+              </a:lnSpc>
+              <a:spcBef>
+                <a:spcPts val="0"/>
+              </a:spcBef>
+              <a:spcAft>
+                <a:spcPts val="0"/>
+              </a:spcAft>
+              <a:buClrTx/>
+              <a:buSzTx/>
+              <a:buFontTx/>
+              <a:buNone/>
+              <a:tabLst/>
+              <a:defRPr/>
+            </a:pPr>
+            <a:r>
+              <a:rPr lang="en-US" dirty="0" smtClean="0"/>
+              <a:t>Below this are key </a:t>
+            </a:r>
+            <a:r>
+              <a:rPr lang="en-US" dirty="0" smtClean="0"/>
+              <a:t>points here to be sure </a:t>
+            </a:r>
+            <a:r>
+              <a:rPr lang="en-US" dirty="0" smtClean="0"/>
+              <a:t>we </a:t>
+            </a:r>
+            <a:r>
+              <a:rPr lang="en-US" dirty="0" smtClean="0"/>
+              <a:t>all agree on</a:t>
+            </a:r>
+            <a:r>
+              <a:rPr lang="en-US" dirty="0" smtClean="0"/>
+              <a:t>:</a:t>
+            </a:r>
+            <a:endParaRPr lang="en-US" dirty="0" smtClean="0"/>
           </a:p>
         </p:txBody>
       </p:sp>
@@ -941,7 +1277,7 @@
           <a:p>
             <a:fld id="{BE1C86D5-7ABF-401E-96AB-07EFE2B053C7}" type="slidenum">
               <a:rPr lang="en-US" smtClean="0"/>
-              <a:t>4</a:t>
+              <a:t>3</a:t>
             </a:fld>
             <a:endParaRPr lang="en-US"/>
           </a:p>
@@ -950,7 +1286,7 @@
     </p:spTree>
     <p:extLst>
       <p:ext uri="{BB962C8B-B14F-4D97-AF65-F5344CB8AC3E}">
-        <p14:creationId xmlns:p14="http://schemas.microsoft.com/office/powerpoint/2010/main" val="1358081022"/>
+        <p14:creationId xmlns:p14="http://schemas.microsoft.com/office/powerpoint/2010/main" val="3466641493"/>
       </p:ext>
     </p:extLst>
   </p:cSld>
@@ -1005,14 +1341,35 @@
           <a:lstStyle/>
           <a:p>
             <a:r>
-              <a:rPr lang="en-US" dirty="0" smtClean="0"/>
-              <a:t>Do we want to be precise and specify that a single passage creates a line form a primary culture.</a:t>
-            </a:r>
-            <a:r>
               <a:rPr lang="en-US" baseline="0" dirty="0" smtClean="0"/>
-              <a:t> Or be less precise to allow application of different criteria  in different situations</a:t>
-            </a:r>
-            <a:endParaRPr lang="en-US" dirty="0"/>
+              <a:t>Below diagram are some key </a:t>
+            </a:r>
+            <a:r>
+              <a:rPr lang="en-US" baseline="0" dirty="0" smtClean="0"/>
+              <a:t>points to recognize and agree </a:t>
+            </a:r>
+            <a:r>
+              <a:rPr lang="en-US" baseline="0" dirty="0" smtClean="0"/>
+              <a:t>on.</a:t>
+            </a:r>
+          </a:p>
+          <a:p>
+            <a:endParaRPr lang="en-US" baseline="0" dirty="0" smtClean="0"/>
+          </a:p>
+          <a:p>
+            <a:r>
+              <a:rPr lang="en-US" baseline="0" dirty="0" smtClean="0"/>
+              <a:t>primary cultured cells </a:t>
+            </a:r>
+            <a:r>
+              <a:rPr lang="en-US" baseline="0" dirty="0" smtClean="0"/>
+              <a:t>and cell line cells are necessarily cultured cells (to clarify, being cultured is different than having been passaged</a:t>
+            </a:r>
+            <a:r>
+              <a:rPr lang="en-US" baseline="0" dirty="0" smtClean="0"/>
+              <a:t>).</a:t>
+            </a:r>
+            <a:endParaRPr lang="en-US" baseline="0" dirty="0" smtClean="0"/>
           </a:p>
         </p:txBody>
       </p:sp>
@@ -1033,7 +1390,7 @@
           <a:p>
             <a:fld id="{BE1C86D5-7ABF-401E-96AB-07EFE2B053C7}" type="slidenum">
               <a:rPr lang="en-US" smtClean="0"/>
-              <a:t>6</a:t>
+              <a:t>4</a:t>
             </a:fld>
             <a:endParaRPr lang="en-US"/>
           </a:p>
@@ -1042,7 +1399,7 @@
     </p:spTree>
     <p:extLst>
       <p:ext uri="{BB962C8B-B14F-4D97-AF65-F5344CB8AC3E}">
-        <p14:creationId xmlns:p14="http://schemas.microsoft.com/office/powerpoint/2010/main" val="3647924955"/>
+        <p14:creationId xmlns:p14="http://schemas.microsoft.com/office/powerpoint/2010/main" val="1358081022"/>
       </p:ext>
     </p:extLst>
   </p:cSld>
@@ -1097,26 +1454,33 @@
           <a:lstStyle/>
           <a:p>
             <a:r>
-              <a:rPr lang="en-US" sz="1200" dirty="0" smtClean="0"/>
-              <a:t>Accommodates all aspects of model discussed so far</a:t>
-            </a:r>
-          </a:p>
-          <a:p>
-            <a:r>
-              <a:rPr lang="en-US" sz="1200" dirty="0" smtClean="0"/>
-              <a:t>Aims to meet needs of OBI, CLO, ERO, ReO, . . . </a:t>
-            </a:r>
-          </a:p>
-          <a:p>
-            <a:r>
-              <a:rPr lang="en-US" sz="1200" dirty="0" smtClean="0"/>
-              <a:t>Includes modeling that will eventually live elsewhere (CLO, ERO?)</a:t>
-            </a:r>
-          </a:p>
-          <a:p>
-            <a:endParaRPr lang="en-US" sz="1200" dirty="0" smtClean="0"/>
-          </a:p>
-          <a:p>
+              <a:rPr lang="en-US" dirty="0" smtClean="0"/>
+              <a:t>Do we want to be precise and specify that a single passage creates a line form a primary culture.</a:t>
+            </a:r>
+            <a:r>
+              <a:rPr lang="en-US" baseline="0" dirty="0" smtClean="0"/>
+              <a:t> Or be less precise to </a:t>
+            </a:r>
+            <a:r>
+              <a:rPr lang="en-US" baseline="0" dirty="0" smtClean="0"/>
+              <a:t>allow ambiguous definition of this transition, and/or </a:t>
+            </a:r>
+            <a:r>
+              <a:rPr lang="en-US" baseline="0" dirty="0" smtClean="0"/>
+              <a:t>application of different criteria </a:t>
+            </a:r>
+            <a:r>
+              <a:rPr lang="en-US" baseline="0" dirty="0" smtClean="0"/>
+              <a:t>in </a:t>
+            </a:r>
+            <a:r>
+              <a:rPr lang="en-US" baseline="0" dirty="0" smtClean="0"/>
+              <a:t>different </a:t>
+            </a:r>
+            <a:r>
+              <a:rPr lang="en-US" baseline="0" dirty="0" smtClean="0"/>
+              <a:t>situations?</a:t>
+            </a:r>
             <a:endParaRPr lang="en-US" dirty="0"/>
           </a:p>
         </p:txBody>
@@ -1138,7 +1502,7 @@
           <a:p>
             <a:fld id="{BE1C86D5-7ABF-401E-96AB-07EFE2B053C7}" type="slidenum">
               <a:rPr lang="en-US" smtClean="0"/>
-              <a:t>8</a:t>
+              <a:t>6</a:t>
             </a:fld>
             <a:endParaRPr lang="en-US"/>
           </a:p>
@@ -1147,7 +1511,7 @@
     </p:spTree>
     <p:extLst>
       <p:ext uri="{BB962C8B-B14F-4D97-AF65-F5344CB8AC3E}">
-        <p14:creationId xmlns:p14="http://schemas.microsoft.com/office/powerpoint/2010/main" val="1185615168"/>
+        <p14:creationId xmlns:p14="http://schemas.microsoft.com/office/powerpoint/2010/main" val="3647924955"/>
       </p:ext>
     </p:extLst>
   </p:cSld>
@@ -1201,87 +1565,7 @@
           <a:bodyPr/>
           <a:lstStyle/>
           <a:p>
-            <a:r>
-              <a:rPr lang="en-US" sz="2000" b="1" dirty="0" smtClean="0"/>
-              <a:t>Every cultured cell is part_of some cell culture</a:t>
-            </a:r>
-          </a:p>
-          <a:p>
-            <a:pPr marL="742950" lvl="1" indent="-230188">
-              <a:buFont typeface="Arial" pitchFamily="34" charset="0"/>
-              <a:buChar char="•"/>
-            </a:pPr>
-            <a:r>
-              <a:rPr lang="en-US" dirty="0" smtClean="0"/>
-              <a:t>because a cultured cell does not exist until a culture is established</a:t>
-            </a:r>
-          </a:p>
-          <a:p>
-            <a:r>
-              <a:rPr lang="en-US" sz="2000" b="1" dirty="0" smtClean="0"/>
-              <a:t>A cell culture sample necessarily has_part some cultured cell . . . but a cultured cell is not necessarily part of a cell culture sample</a:t>
-            </a:r>
-          </a:p>
-          <a:p>
-            <a:pPr marL="742950" lvl="1" indent="-230188">
-              <a:buFont typeface="Arial" pitchFamily="34" charset="0"/>
-              <a:buChar char="•"/>
-            </a:pPr>
-            <a:r>
-              <a:rPr lang="en-US" dirty="0" smtClean="0"/>
-              <a:t>e.g. a single, isolated cultured cell is part of a cell culture, but not a cell culture sample</a:t>
-            </a:r>
-          </a:p>
-          <a:p>
-            <a:pPr marL="512762" lvl="1" indent="0">
-              <a:buFont typeface="Arial" pitchFamily="34" charset="0"/>
-              <a:buNone/>
-            </a:pPr>
-            <a:endParaRPr lang="en-US" sz="2000" b="1" dirty="0" smtClean="0"/>
-          </a:p>
-          <a:p>
-            <a:r>
-              <a:rPr lang="en-US" sz="2000" b="1" dirty="0" smtClean="0"/>
-              <a:t>Other possible ways to demarcate what comprises a sample:</a:t>
-            </a:r>
-          </a:p>
-          <a:p>
-            <a:r>
-              <a:rPr lang="en-US" sz="2000" b="0" dirty="0" smtClean="0"/>
-              <a:t>all cells of a line at a particular passage number? generation number?</a:t>
-            </a:r>
-            <a:r>
-              <a:rPr lang="en-US" sz="2000" b="0" baseline="0" dirty="0" smtClean="0"/>
-              <a:t> (</a:t>
-            </a:r>
-            <a:r>
-              <a:rPr lang="en-US" sz="2000" b="0" dirty="0" smtClean="0"/>
-              <a:t>will exist  across different locations and times)</a:t>
-            </a:r>
-          </a:p>
-          <a:p>
-            <a:r>
-              <a:rPr lang="en-US" sz="2000" b="0" dirty="0" smtClean="0"/>
-              <a:t>all cells of a line in a single lab?</a:t>
-            </a:r>
-          </a:p>
-          <a:p>
-            <a:r>
-              <a:rPr lang="en-US" sz="2000" b="0" dirty="0" smtClean="0"/>
-              <a:t>all cells of a line in a single dish/container?</a:t>
-            </a:r>
-          </a:p>
-          <a:p>
-            <a:r>
-              <a:rPr lang="en-US" sz="2000" b="0" dirty="0" smtClean="0"/>
-              <a:t>no demarcation rules at all (any conceivable portion of a given line)</a:t>
-            </a:r>
-          </a:p>
-          <a:p>
-            <a:r>
-              <a:rPr lang="en-US" sz="2000" b="0" dirty="0" smtClean="0"/>
-              <a:t>other possibly useful  ways for defining what constitutes a sample?</a:t>
-            </a:r>
+            <a:endParaRPr lang="en-US" dirty="0"/>
           </a:p>
         </p:txBody>
       </p:sp>
@@ -1302,7 +1586,7 @@
           <a:p>
             <a:fld id="{BE1C86D5-7ABF-401E-96AB-07EFE2B053C7}" type="slidenum">
               <a:rPr lang="en-US" smtClean="0"/>
-              <a:t>9</a:t>
+              <a:t>8</a:t>
             </a:fld>
             <a:endParaRPr lang="en-US"/>
           </a:p>
@@ -1311,7 +1595,7 @@
     </p:spTree>
     <p:extLst>
       <p:ext uri="{BB962C8B-B14F-4D97-AF65-F5344CB8AC3E}">
-        <p14:creationId xmlns:p14="http://schemas.microsoft.com/office/powerpoint/2010/main" val="4074844938"/>
+        <p14:creationId xmlns:p14="http://schemas.microsoft.com/office/powerpoint/2010/main" val="1185615168"/>
       </p:ext>
     </p:extLst>
   </p:cSld>
@@ -1365,52 +1649,220 @@
           <a:bodyPr/>
           <a:lstStyle/>
           <a:p>
-            <a:pPr rtl="0" fontAlgn="ctr"/>
-            <a:r>
-              <a:rPr lang="en-US" sz="1200" b="0" i="0" kern="1200" dirty="0" smtClean="0">
-                <a:solidFill>
-                  <a:schemeClr val="tx1"/>
-                </a:solidFill>
-                <a:effectLst/>
-                <a:latin typeface="+mn-lt"/>
-                <a:ea typeface="+mn-ea"/>
-                <a:cs typeface="+mn-cs"/>
-              </a:rPr>
-              <a:t>Label may depend on how we define this class (or classes)</a:t>
-            </a:r>
-          </a:p>
-          <a:p>
-            <a:pPr lvl="1" rtl="0" fontAlgn="ctr"/>
-            <a:r>
-              <a:rPr lang="en-US" sz="1200" b="0" i="0" kern="1200" dirty="0" smtClean="0">
-                <a:solidFill>
-                  <a:schemeClr val="tx1"/>
-                </a:solidFill>
-                <a:effectLst/>
-                <a:latin typeface="+mn-lt"/>
-                <a:ea typeface="+mn-ea"/>
-                <a:cs typeface="+mn-cs"/>
-              </a:rPr>
-              <a:t>cell line sample, portion, generation, </a:t>
-            </a:r>
-          </a:p>
-          <a:p>
-            <a:pPr lvl="1" rtl="0" fontAlgn="ctr"/>
-            <a:r>
-              <a:rPr lang="en-US" sz="1200" b="0" i="0" kern="1200" dirty="0" smtClean="0">
-                <a:solidFill>
-                  <a:schemeClr val="tx1"/>
-                </a:solidFill>
-                <a:effectLst/>
-                <a:latin typeface="+mn-lt"/>
-                <a:ea typeface="+mn-ea"/>
-                <a:cs typeface="+mn-cs"/>
-              </a:rPr>
-              <a:t>cell line cell population (Oliver)</a:t>
-            </a:r>
-          </a:p>
-          <a:p>
-            <a:pPr marL="0" marR="0" indent="0" algn="l" defTabSz="914400" rtl="0" eaLnBrk="1" fontAlgn="auto" latinLnBrk="0" hangingPunct="1">
+            <a:endParaRPr lang="en-US" dirty="0"/>
+          </a:p>
+        </p:txBody>
+      </p:sp>
+      <p:sp>
+        <p:nvSpPr>
+          <p:cNvPr id="4" name="Slide Number Placeholder 3"/>
+          <p:cNvSpPr>
+            <a:spLocks noGrp="1"/>
+          </p:cNvSpPr>
+          <p:nvPr>
+            <p:ph type="sldNum" sz="quarter" idx="10"/>
+          </p:nvPr>
+        </p:nvSpPr>
+        <p:spPr/>
+        <p:txBody>
+          <a:bodyPr/>
+          <a:lstStyle/>
+          <a:p>
+            <a:fld id="{BE1C86D5-7ABF-401E-96AB-07EFE2B053C7}" type="slidenum">
+              <a:rPr lang="en-US" smtClean="0"/>
+              <a:t>9</a:t>
+            </a:fld>
+            <a:endParaRPr lang="en-US"/>
+          </a:p>
+        </p:txBody>
+      </p:sp>
+    </p:spTree>
+    <p:extLst>
+      <p:ext uri="{BB962C8B-B14F-4D97-AF65-F5344CB8AC3E}">
+        <p14:creationId xmlns:p14="http://schemas.microsoft.com/office/powerpoint/2010/main" val="2962453312"/>
+      </p:ext>
+    </p:extLst>
+  </p:cSld>
+  <p:clrMapOvr>
+    <a:masterClrMapping/>
+  </p:clrMapOvr>
+</p:notes>
+</file>
+
+<file path=ppt/notesSlides/notesSlide7.xml><?xml version="1.0" encoding="utf-8"?>
+<p:notes xmlns:a="http://schemas.openxmlformats.org/drawingml/2006/main" xmlns:r="http://schemas.openxmlformats.org/officeDocument/2006/relationships" xmlns:p="http://schemas.openxmlformats.org/presentationml/2006/main">
+  <p:cSld>
+    <p:spTree>
+      <p:nvGrpSpPr>
+        <p:cNvPr id="1" name=""/>
+        <p:cNvGrpSpPr/>
+        <p:nvPr/>
+      </p:nvGrpSpPr>
+      <p:grpSpPr>
+        <a:xfrm>
+          <a:off x="0" y="0"/>
+          <a:ext cx="0" cy="0"/>
+          <a:chOff x="0" y="0"/>
+          <a:chExt cx="0" cy="0"/>
+        </a:xfrm>
+      </p:grpSpPr>
+      <p:sp>
+        <p:nvSpPr>
+          <p:cNvPr id="2" name="Slide Image Placeholder 1"/>
+          <p:cNvSpPr>
+            <a:spLocks noGrp="1" noRot="1" noChangeAspect="1"/>
+          </p:cNvSpPr>
+          <p:nvPr>
+            <p:ph type="sldImg"/>
+          </p:nvPr>
+        </p:nvSpPr>
+        <p:spPr/>
+      </p:sp>
+      <p:sp>
+        <p:nvSpPr>
+          <p:cNvPr id="3" name="Notes Placeholder 2"/>
+          <p:cNvSpPr>
+            <a:spLocks noGrp="1"/>
+          </p:cNvSpPr>
+          <p:nvPr>
+            <p:ph type="body" idx="1"/>
+          </p:nvPr>
+        </p:nvSpPr>
+        <p:spPr/>
+        <p:txBody>
+          <a:bodyPr/>
+          <a:lstStyle/>
+          <a:p>
+            <a:r>
+              <a:rPr lang="en-US" sz="2000" b="1" dirty="0" smtClean="0"/>
+              <a:t>Other </a:t>
+            </a:r>
+            <a:r>
+              <a:rPr lang="en-US" sz="2000" b="1" dirty="0" smtClean="0"/>
+              <a:t>possible ways to demarcate what comprises a sample:</a:t>
+            </a:r>
+          </a:p>
+          <a:p>
+            <a:r>
+              <a:rPr lang="en-US" sz="2000" b="0" dirty="0" smtClean="0"/>
+              <a:t>all cells of a line at a particular passage number? generation number?</a:t>
+            </a:r>
+            <a:r>
+              <a:rPr lang="en-US" sz="2000" b="0" baseline="0" dirty="0" smtClean="0"/>
+              <a:t> (</a:t>
+            </a:r>
+            <a:r>
+              <a:rPr lang="en-US" sz="2000" b="0" dirty="0" smtClean="0"/>
+              <a:t>will exist  across different locations and times)</a:t>
+            </a:r>
+          </a:p>
+          <a:p>
+            <a:r>
+              <a:rPr lang="en-US" sz="2000" b="0" dirty="0" smtClean="0"/>
+              <a:t>all cells of a line in a single lab?</a:t>
+            </a:r>
+          </a:p>
+          <a:p>
+            <a:r>
+              <a:rPr lang="en-US" sz="2000" b="0" dirty="0" smtClean="0"/>
+              <a:t>all cells of a line in a single dish/container?</a:t>
+            </a:r>
+          </a:p>
+          <a:p>
+            <a:r>
+              <a:rPr lang="en-US" sz="2000" b="0" dirty="0" smtClean="0"/>
+              <a:t>no demarcation rules at all (any conceivable portion of a given line)</a:t>
+            </a:r>
+          </a:p>
+          <a:p>
+            <a:r>
+              <a:rPr lang="en-US" sz="2000" b="0" dirty="0" smtClean="0"/>
+              <a:t>other possibly useful  ways for defining what constitutes a sample?</a:t>
+            </a:r>
+          </a:p>
+        </p:txBody>
+      </p:sp>
+      <p:sp>
+        <p:nvSpPr>
+          <p:cNvPr id="4" name="Slide Number Placeholder 3"/>
+          <p:cNvSpPr>
+            <a:spLocks noGrp="1"/>
+          </p:cNvSpPr>
+          <p:nvPr>
+            <p:ph type="sldNum" sz="quarter" idx="10"/>
+          </p:nvPr>
+        </p:nvSpPr>
+        <p:spPr/>
+        <p:txBody>
+          <a:bodyPr/>
+          <a:lstStyle/>
+          <a:p>
+            <a:fld id="{BE1C86D5-7ABF-401E-96AB-07EFE2B053C7}" type="slidenum">
+              <a:rPr lang="en-US" smtClean="0"/>
+              <a:t>10</a:t>
+            </a:fld>
+            <a:endParaRPr lang="en-US"/>
+          </a:p>
+        </p:txBody>
+      </p:sp>
+    </p:spTree>
+    <p:extLst>
+      <p:ext uri="{BB962C8B-B14F-4D97-AF65-F5344CB8AC3E}">
+        <p14:creationId xmlns:p14="http://schemas.microsoft.com/office/powerpoint/2010/main" val="4074844938"/>
+      </p:ext>
+    </p:extLst>
+  </p:cSld>
+  <p:clrMapOvr>
+    <a:masterClrMapping/>
+  </p:clrMapOvr>
+</p:notes>
+</file>
+
+<file path=ppt/notesSlides/notesSlide8.xml><?xml version="1.0" encoding="utf-8"?>
+<p:notes xmlns:a="http://schemas.openxmlformats.org/drawingml/2006/main" xmlns:r="http://schemas.openxmlformats.org/officeDocument/2006/relationships" xmlns:p="http://schemas.openxmlformats.org/presentationml/2006/main">
+  <p:cSld>
+    <p:spTree>
+      <p:nvGrpSpPr>
+        <p:cNvPr id="1" name=""/>
+        <p:cNvGrpSpPr/>
+        <p:nvPr/>
+      </p:nvGrpSpPr>
+      <p:grpSpPr>
+        <a:xfrm>
+          <a:off x="0" y="0"/>
+          <a:ext cx="0" cy="0"/>
+          <a:chOff x="0" y="0"/>
+          <a:chExt cx="0" cy="0"/>
+        </a:xfrm>
+      </p:grpSpPr>
+      <p:sp>
+        <p:nvSpPr>
+          <p:cNvPr id="2" name="Slide Image Placeholder 1"/>
+          <p:cNvSpPr>
+            <a:spLocks noGrp="1" noRot="1" noChangeAspect="1"/>
+          </p:cNvSpPr>
+          <p:nvPr>
+            <p:ph type="sldImg"/>
+          </p:nvPr>
+        </p:nvSpPr>
+        <p:spPr/>
+      </p:sp>
+      <p:sp>
+        <p:nvSpPr>
+          <p:cNvPr id="3" name="Notes Placeholder 2"/>
+          <p:cNvSpPr>
+            <a:spLocks noGrp="1"/>
+          </p:cNvSpPr>
+          <p:nvPr>
+            <p:ph type="body" idx="1"/>
+          </p:nvPr>
+        </p:nvSpPr>
+        <p:spPr/>
+        <p:txBody>
+          <a:bodyPr/>
+          <a:lstStyle/>
+          <a:p>
+            <a:pPr marL="0" marR="0" lvl="3" indent="0" algn="l" defTabSz="914400" rtl="0" eaLnBrk="1" fontAlgn="auto" latinLnBrk="0" hangingPunct="1">
               <a:lnSpc>
                 <a:spcPct val="100000"/>
               </a:lnSpc>
@@ -1427,46 +1879,41 @@
               <a:tabLst/>
               <a:defRPr/>
             </a:pPr>
-            <a:endParaRPr lang="en-US" dirty="0" smtClean="0"/>
-          </a:p>
-          <a:p>
-            <a:pPr rtl="0" fontAlgn="ctr"/>
-            <a:r>
-              <a:rPr lang="en-US" sz="1200" kern="1200" dirty="0" smtClean="0">
-                <a:solidFill>
-                  <a:schemeClr val="tx1"/>
-                </a:solidFill>
-                <a:effectLst/>
-                <a:latin typeface="+mn-lt"/>
-                <a:ea typeface="+mn-ea"/>
-                <a:cs typeface="+mn-cs"/>
-              </a:rPr>
-              <a:t>and do we really need a class representing a culture including media?  what is the need for this?  Will likely leave this to CLO to implement If they need it (OBI no want a possible fourth duplication of cell line hierarchy) </a:t>
-            </a:r>
-            <a:endParaRPr lang="en-US" dirty="0" smtClean="0">
-              <a:effectLst/>
-            </a:endParaRPr>
-          </a:p>
-          <a:p>
-            <a:pPr lvl="1" rtl="0" fontAlgn="ctr"/>
-            <a:r>
-              <a:rPr lang="en-US" sz="1200" kern="1200" dirty="0" smtClean="0">
-                <a:solidFill>
-                  <a:schemeClr val="tx1"/>
-                </a:solidFill>
-                <a:effectLst/>
-                <a:latin typeface="+mn-lt"/>
-                <a:ea typeface="+mn-ea"/>
-                <a:cs typeface="+mn-cs"/>
-              </a:rPr>
-              <a:t>we can link actively cultured cells to media and culture conditions through the maintaining cell culture process (ie actively cultured cells participate in some maintaining cell culture that has specified input some media type, or realizes some conditional specifications (O2 concentration,. temperature)</a:t>
-            </a:r>
-            <a:endParaRPr lang="en-US" dirty="0" smtClean="0">
-              <a:effectLst/>
-            </a:endParaRPr>
-          </a:p>
-          <a:p>
-            <a:pPr marL="0" marR="0" indent="0" algn="l" defTabSz="914400" rtl="0" eaLnBrk="1" fontAlgn="auto" latinLnBrk="0" hangingPunct="1">
+            <a:r>
+              <a:rPr lang="en-US" dirty="0" err="1" smtClean="0"/>
+              <a:t>estab</a:t>
+            </a:r>
+            <a:r>
+              <a:rPr lang="en-US" dirty="0" smtClean="0"/>
+              <a:t> cell culture definition uses ‘cell line’ – will this be problematic for CLO?  CLO could </a:t>
+            </a:r>
+            <a:r>
+              <a:rPr lang="en-US" dirty="0" err="1" smtClean="0"/>
+              <a:t>relabel</a:t>
+            </a:r>
+            <a:r>
+              <a:rPr lang="en-US" dirty="0" smtClean="0"/>
+              <a:t> as ‘establishing cell</a:t>
+            </a:r>
+            <a:r>
+              <a:rPr lang="en-US" baseline="0" dirty="0" smtClean="0"/>
+              <a:t> line cell’ or ‘creation of cell line cell’, and </a:t>
+            </a:r>
+            <a:r>
+              <a:rPr lang="en-US" dirty="0" smtClean="0"/>
+              <a:t>could define</a:t>
+            </a:r>
+            <a:r>
+              <a:rPr lang="en-US" baseline="0" dirty="0" smtClean="0"/>
+              <a:t> </a:t>
+            </a:r>
+            <a:r>
+              <a:rPr lang="en-US" dirty="0" smtClean="0"/>
+              <a:t>instead as:</a:t>
+            </a:r>
+          </a:p>
+          <a:p>
+            <a:pPr marL="0" marR="0" lvl="3" indent="0" algn="l" defTabSz="914400" rtl="0" eaLnBrk="1" fontAlgn="auto" latinLnBrk="0" hangingPunct="1">
               <a:lnSpc>
                 <a:spcPct val="100000"/>
               </a:lnSpc>
@@ -1483,7 +1930,10 @@
               <a:tabLst/>
               <a:defRPr/>
             </a:pPr>
-            <a:endParaRPr lang="en-US" dirty="0" smtClean="0"/>
+            <a:r>
+              <a:rPr lang="en-US" sz="1600" dirty="0" smtClean="0"/>
+              <a:t>“a process whereby a lineage of cell line cells is initiated through passaging of a primary cell culture to relative homogenous and stable composition, or through the experimental modification of an existing cell line to produce a new line with novel characteristics.</a:t>
+            </a:r>
           </a:p>
           <a:p>
             <a:endParaRPr lang="en-US" dirty="0"/>
@@ -1507,7 +1957,91 @@
           <a:p>
             <a:fld id="{BE1C86D5-7ABF-401E-96AB-07EFE2B053C7}" type="slidenum">
               <a:rPr lang="en-US" smtClean="0"/>
-              <a:t>12</a:t>
+              <a:t>11</a:t>
+            </a:fld>
+            <a:endParaRPr lang="en-US"/>
+          </a:p>
+        </p:txBody>
+      </p:sp>
+    </p:spTree>
+    <p:extLst>
+      <p:ext uri="{BB962C8B-B14F-4D97-AF65-F5344CB8AC3E}">
+        <p14:creationId xmlns:p14="http://schemas.microsoft.com/office/powerpoint/2010/main" val="1034717850"/>
+      </p:ext>
+    </p:extLst>
+  </p:cSld>
+  <p:clrMapOvr>
+    <a:masterClrMapping/>
+  </p:clrMapOvr>
+</p:notes>
+</file>
+
+<file path=ppt/notesSlides/notesSlide9.xml><?xml version="1.0" encoding="utf-8"?>
+<p:notes xmlns:a="http://schemas.openxmlformats.org/drawingml/2006/main" xmlns:r="http://schemas.openxmlformats.org/officeDocument/2006/relationships" xmlns:p="http://schemas.openxmlformats.org/presentationml/2006/main">
+  <p:cSld>
+    <p:spTree>
+      <p:nvGrpSpPr>
+        <p:cNvPr id="1" name=""/>
+        <p:cNvGrpSpPr/>
+        <p:nvPr/>
+      </p:nvGrpSpPr>
+      <p:grpSpPr>
+        <a:xfrm>
+          <a:off x="0" y="0"/>
+          <a:ext cx="0" cy="0"/>
+          <a:chOff x="0" y="0"/>
+          <a:chExt cx="0" cy="0"/>
+        </a:xfrm>
+      </p:grpSpPr>
+      <p:sp>
+        <p:nvSpPr>
+          <p:cNvPr id="2" name="Slide Image Placeholder 1"/>
+          <p:cNvSpPr>
+            <a:spLocks noGrp="1" noRot="1" noChangeAspect="1"/>
+          </p:cNvSpPr>
+          <p:nvPr>
+            <p:ph type="sldImg"/>
+          </p:nvPr>
+        </p:nvSpPr>
+        <p:spPr/>
+      </p:sp>
+      <p:sp>
+        <p:nvSpPr>
+          <p:cNvPr id="3" name="Notes Placeholder 2"/>
+          <p:cNvSpPr>
+            <a:spLocks noGrp="1"/>
+          </p:cNvSpPr>
+          <p:nvPr>
+            <p:ph type="body" idx="1"/>
+          </p:nvPr>
+        </p:nvSpPr>
+        <p:spPr/>
+        <p:txBody>
+          <a:bodyPr/>
+          <a:lstStyle/>
+          <a:p>
+            <a:endParaRPr lang="en-US" dirty="0"/>
+          </a:p>
+        </p:txBody>
+      </p:sp>
+      <p:sp>
+        <p:nvSpPr>
+          <p:cNvPr id="4" name="Slide Number Placeholder 3"/>
+          <p:cNvSpPr>
+            <a:spLocks noGrp="1"/>
+          </p:cNvSpPr>
+          <p:nvPr>
+            <p:ph type="sldNum" sz="quarter" idx="10"/>
+          </p:nvPr>
+        </p:nvSpPr>
+        <p:spPr/>
+        <p:txBody>
+          <a:bodyPr/>
+          <a:lstStyle/>
+          <a:p>
+            <a:fld id="{BE1C86D5-7ABF-401E-96AB-07EFE2B053C7}" type="slidenum">
+              <a:rPr lang="en-US" smtClean="0"/>
+              <a:t>13</a:t>
             </a:fld>
             <a:endParaRPr lang="en-US"/>
           </a:p>
@@ -1707,7 +2241,7 @@
           <a:p>
             <a:fld id="{8CFA0499-6E40-41A1-B951-B09C41BFDA5C}" type="datetimeFigureOut">
               <a:rPr lang="en-US" smtClean="0"/>
-              <a:t>3/20/2013</a:t>
+              <a:t>3/22/2013</a:t>
             </a:fld>
             <a:endParaRPr lang="en-US"/>
           </a:p>
@@ -1877,7 +2411,7 @@
           <a:p>
             <a:fld id="{8CFA0499-6E40-41A1-B951-B09C41BFDA5C}" type="datetimeFigureOut">
               <a:rPr lang="en-US" smtClean="0"/>
-              <a:t>3/20/2013</a:t>
+              <a:t>3/22/2013</a:t>
             </a:fld>
             <a:endParaRPr lang="en-US"/>
           </a:p>
@@ -2057,7 +2591,7 @@
           <a:p>
             <a:fld id="{8CFA0499-6E40-41A1-B951-B09C41BFDA5C}" type="datetimeFigureOut">
               <a:rPr lang="en-US" smtClean="0"/>
-              <a:t>3/20/2013</a:t>
+              <a:t>3/22/2013</a:t>
             </a:fld>
             <a:endParaRPr lang="en-US"/>
           </a:p>
@@ -2227,7 +2761,7 @@
           <a:p>
             <a:fld id="{8CFA0499-6E40-41A1-B951-B09C41BFDA5C}" type="datetimeFigureOut">
               <a:rPr lang="en-US" smtClean="0"/>
-              <a:t>3/20/2013</a:t>
+              <a:t>3/22/2013</a:t>
             </a:fld>
             <a:endParaRPr lang="en-US"/>
           </a:p>
@@ -2473,7 +3007,7 @@
           <a:p>
             <a:fld id="{8CFA0499-6E40-41A1-B951-B09C41BFDA5C}" type="datetimeFigureOut">
               <a:rPr lang="en-US" smtClean="0"/>
-              <a:t>3/20/2013</a:t>
+              <a:t>3/22/2013</a:t>
             </a:fld>
             <a:endParaRPr lang="en-US"/>
           </a:p>
@@ -2761,7 +3295,7 @@
           <a:p>
             <a:fld id="{8CFA0499-6E40-41A1-B951-B09C41BFDA5C}" type="datetimeFigureOut">
               <a:rPr lang="en-US" smtClean="0"/>
-              <a:t>3/20/2013</a:t>
+              <a:t>3/22/2013</a:t>
             </a:fld>
             <a:endParaRPr lang="en-US"/>
           </a:p>
@@ -3183,7 +3717,7 @@
           <a:p>
             <a:fld id="{8CFA0499-6E40-41A1-B951-B09C41BFDA5C}" type="datetimeFigureOut">
               <a:rPr lang="en-US" smtClean="0"/>
-              <a:t>3/20/2013</a:t>
+              <a:t>3/22/2013</a:t>
             </a:fld>
             <a:endParaRPr lang="en-US"/>
           </a:p>
@@ -3301,7 +3835,7 @@
           <a:p>
             <a:fld id="{8CFA0499-6E40-41A1-B951-B09C41BFDA5C}" type="datetimeFigureOut">
               <a:rPr lang="en-US" smtClean="0"/>
-              <a:t>3/20/2013</a:t>
+              <a:t>3/22/2013</a:t>
             </a:fld>
             <a:endParaRPr lang="en-US"/>
           </a:p>
@@ -3396,7 +3930,7 @@
           <a:p>
             <a:fld id="{8CFA0499-6E40-41A1-B951-B09C41BFDA5C}" type="datetimeFigureOut">
               <a:rPr lang="en-US" smtClean="0"/>
-              <a:t>3/20/2013</a:t>
+              <a:t>3/22/2013</a:t>
             </a:fld>
             <a:endParaRPr lang="en-US"/>
           </a:p>
@@ -3673,7 +4207,7 @@
           <a:p>
             <a:fld id="{8CFA0499-6E40-41A1-B951-B09C41BFDA5C}" type="datetimeFigureOut">
               <a:rPr lang="en-US" smtClean="0"/>
-              <a:t>3/20/2013</a:t>
+              <a:t>3/22/2013</a:t>
             </a:fld>
             <a:endParaRPr lang="en-US"/>
           </a:p>
@@ -3926,7 +4460,7 @@
           <a:p>
             <a:fld id="{8CFA0499-6E40-41A1-B951-B09C41BFDA5C}" type="datetimeFigureOut">
               <a:rPr lang="en-US" smtClean="0"/>
-              <a:t>3/20/2013</a:t>
+              <a:t>3/22/2013</a:t>
             </a:fld>
             <a:endParaRPr lang="en-US"/>
           </a:p>
@@ -4139,7 +4673,7 @@
           <a:p>
             <a:fld id="{8CFA0499-6E40-41A1-B951-B09C41BFDA5C}" type="datetimeFigureOut">
               <a:rPr lang="en-US" smtClean="0"/>
-              <a:t>3/20/2013</a:t>
+              <a:t>3/22/2013</a:t>
             </a:fld>
             <a:endParaRPr lang="en-US"/>
           </a:p>
@@ -4674,7 +5208,7 @@
     </p:spTree>
     <p:extLst>
       <p:ext uri="{BB962C8B-B14F-4D97-AF65-F5344CB8AC3E}">
-        <p14:creationId xmlns:p14="http://schemas.microsoft.com/office/powerpoint/2010/main" val="3375952411"/>
+        <p14:creationId xmlns:p14="http://schemas.microsoft.com/office/powerpoint/2010/main" val="4074068181"/>
       </p:ext>
     </p:extLst>
   </p:cSld>
@@ -4703,191 +5237,14 @@
       </p:grpSpPr>
       <p:sp>
         <p:nvSpPr>
-          <p:cNvPr id="2" name="Rectangle 1"/>
-          <p:cNvSpPr/>
+          <p:cNvPr id="2" name="TextBox 1"/>
+          <p:cNvSpPr txBox="1"/>
           <p:nvPr/>
         </p:nvSpPr>
         <p:spPr>
           <a:xfrm>
-            <a:off x="304800" y="1762735"/>
-            <a:ext cx="8382000" cy="3831818"/>
-          </a:xfrm>
-          <a:prstGeom prst="rect">
-            <a:avLst/>
-          </a:prstGeom>
-        </p:spPr>
-        <p:txBody>
-          <a:bodyPr wrap="square">
-            <a:spAutoFit/>
-          </a:bodyPr>
-          <a:lstStyle/>
-          <a:p>
-            <a:pPr marL="457200" lvl="2">
-              <a:spcBef>
-                <a:spcPts val="600"/>
-              </a:spcBef>
-            </a:pPr>
-            <a:r>
-              <a:rPr lang="en-US" sz="2000" b="1" dirty="0" smtClean="0"/>
-              <a:t>1.    </a:t>
-            </a:r>
-            <a:r>
-              <a:rPr lang="en-US" sz="2000" b="1" dirty="0" err="1" smtClean="0"/>
-              <a:t>OBI:‘establishing</a:t>
-            </a:r>
-            <a:r>
-              <a:rPr lang="en-US" sz="2000" b="1" dirty="0" smtClean="0"/>
-              <a:t> cell culture’ </a:t>
-            </a:r>
-            <a:r>
-              <a:rPr lang="en-US" sz="2000" dirty="0" smtClean="0"/>
-              <a:t>process hierarchy – a work in progress</a:t>
-            </a:r>
-          </a:p>
-          <a:p>
-            <a:pPr marL="800100" lvl="2" indent="-342900">
-              <a:spcBef>
-                <a:spcPts val="600"/>
-              </a:spcBef>
-              <a:buFont typeface="Arial" pitchFamily="34" charset="0"/>
-              <a:buChar char="•"/>
-            </a:pPr>
-            <a:endParaRPr lang="en-US" sz="2000" dirty="0"/>
-          </a:p>
-          <a:p>
-            <a:pPr marL="800100" lvl="2" indent="-342900">
-              <a:spcBef>
-                <a:spcPts val="600"/>
-              </a:spcBef>
-              <a:buFont typeface="Arial" pitchFamily="34" charset="0"/>
-              <a:buChar char="•"/>
-            </a:pPr>
-            <a:endParaRPr lang="en-US" sz="2000" dirty="0" smtClean="0"/>
-          </a:p>
-          <a:p>
-            <a:pPr marL="800100" lvl="2" indent="-342900">
-              <a:spcBef>
-                <a:spcPts val="600"/>
-              </a:spcBef>
-              <a:buFont typeface="Arial" pitchFamily="34" charset="0"/>
-              <a:buChar char="•"/>
-            </a:pPr>
-            <a:endParaRPr lang="en-US" sz="2000" dirty="0" smtClean="0"/>
-          </a:p>
-          <a:p>
-            <a:pPr marL="800100" lvl="2" indent="-342900">
-              <a:spcBef>
-                <a:spcPts val="600"/>
-              </a:spcBef>
-              <a:buFont typeface="Arial" pitchFamily="34" charset="0"/>
-              <a:buChar char="•"/>
-            </a:pPr>
-            <a:endParaRPr lang="en-US" sz="800" dirty="0" smtClean="0"/>
-          </a:p>
-          <a:p>
-            <a:pPr lvl="2" indent="-457200">
-              <a:spcBef>
-                <a:spcPts val="600"/>
-              </a:spcBef>
-              <a:buFontTx/>
-              <a:buAutoNum type="arabicPeriod" startAt="2"/>
-            </a:pPr>
-            <a:r>
-              <a:rPr lang="en-US" sz="2000" b="1" dirty="0" err="1" smtClean="0"/>
-              <a:t>CLO:‘cell</a:t>
-            </a:r>
-            <a:r>
-              <a:rPr lang="en-US" sz="2000" b="1" dirty="0" smtClean="0"/>
-              <a:t> culturing’ hierarchy </a:t>
-            </a:r>
-            <a:r>
-              <a:rPr lang="en-US" sz="2000" dirty="0" smtClean="0"/>
-              <a:t>– to be aligned with </a:t>
-            </a:r>
-            <a:r>
-              <a:rPr lang="en-US" sz="2000" b="1" dirty="0" smtClean="0"/>
-              <a:t>OBI: ‘maintaining cell culture’ </a:t>
-            </a:r>
-            <a:endParaRPr lang="en-US" sz="2000" dirty="0" smtClean="0"/>
-          </a:p>
-          <a:p>
-            <a:pPr lvl="2" indent="-457200">
-              <a:spcBef>
-                <a:spcPts val="600"/>
-              </a:spcBef>
-              <a:buAutoNum type="arabicPeriod" startAt="2"/>
-            </a:pPr>
-            <a:endParaRPr lang="en-US" sz="800" dirty="0" smtClean="0"/>
-          </a:p>
-          <a:p>
-            <a:pPr lvl="2" indent="-457200">
-              <a:spcBef>
-                <a:spcPts val="600"/>
-              </a:spcBef>
-              <a:buAutoNum type="arabicPeriod" startAt="2"/>
-            </a:pPr>
-            <a:endParaRPr lang="en-US" sz="800" dirty="0"/>
-          </a:p>
-          <a:p>
-            <a:pPr lvl="2" indent="-457200">
-              <a:spcBef>
-                <a:spcPts val="600"/>
-              </a:spcBef>
-              <a:buAutoNum type="arabicPeriod" startAt="2"/>
-            </a:pPr>
-            <a:endParaRPr lang="en-US" sz="800" dirty="0" smtClean="0"/>
-          </a:p>
-          <a:p>
-            <a:pPr lvl="2" indent="-457200">
-              <a:spcBef>
-                <a:spcPts val="600"/>
-              </a:spcBef>
-              <a:buAutoNum type="arabicPeriod" startAt="2"/>
-            </a:pPr>
-            <a:endParaRPr lang="en-US" sz="800" dirty="0"/>
-          </a:p>
-          <a:p>
-            <a:pPr lvl="2" indent="-457200">
-              <a:spcBef>
-                <a:spcPts val="600"/>
-              </a:spcBef>
-              <a:buAutoNum type="arabicPeriod" startAt="2"/>
-            </a:pPr>
-            <a:endParaRPr lang="en-US" sz="800" dirty="0" smtClean="0"/>
-          </a:p>
-          <a:p>
-            <a:pPr lvl="2" indent="-457200">
-              <a:spcBef>
-                <a:spcPts val="600"/>
-              </a:spcBef>
-              <a:buFontTx/>
-              <a:buAutoNum type="arabicPeriod" startAt="2"/>
-            </a:pPr>
-            <a:r>
-              <a:rPr lang="en-US" sz="2000" b="1" dirty="0" err="1" smtClean="0"/>
-              <a:t>CLO:‘cell</a:t>
-            </a:r>
-            <a:r>
-              <a:rPr lang="en-US" sz="2000" b="1" dirty="0" smtClean="0"/>
-              <a:t> line modification’ </a:t>
-            </a:r>
-            <a:r>
-              <a:rPr lang="en-US" sz="2000" dirty="0" smtClean="0"/>
-              <a:t>classes – to be modeled in OBI as well</a:t>
-            </a:r>
-          </a:p>
-        </p:txBody>
-      </p:sp>
-      <p:sp>
-        <p:nvSpPr>
-          <p:cNvPr id="3" name="TextBox 2"/>
-          <p:cNvSpPr txBox="1"/>
-          <p:nvPr/>
-        </p:nvSpPr>
-        <p:spPr>
-          <a:xfrm>
-            <a:off x="1066800" y="115956"/>
-            <a:ext cx="7014805" cy="646331"/>
+            <a:off x="137159" y="3962400"/>
+            <a:ext cx="8900591" cy="2693045"/>
           </a:xfrm>
           <a:prstGeom prst="rect">
             <a:avLst/>
@@ -4895,6 +5252,159 @@
           <a:noFill/>
         </p:spPr>
         <p:txBody>
+          <a:bodyPr wrap="square" rtlCol="0">
+            <a:spAutoFit/>
+          </a:bodyPr>
+          <a:lstStyle/>
+          <a:p>
+            <a:r>
+              <a:rPr lang="en-US" sz="2400" b="1" dirty="0"/>
+              <a:t>D</a:t>
+            </a:r>
+            <a:r>
+              <a:rPr lang="en-US" sz="2400" b="1" dirty="0" smtClean="0"/>
+              <a:t>efinitional criteria clearly demarcate a useful collection of cells in a sample</a:t>
+            </a:r>
+            <a:r>
+              <a:rPr lang="en-US" sz="2400" b="1" dirty="0"/>
+              <a:t>, </a:t>
+            </a:r>
+            <a:r>
+              <a:rPr lang="en-US" sz="2400" b="1" dirty="0" smtClean="0"/>
+              <a:t>which </a:t>
+            </a:r>
+            <a:r>
+              <a:rPr lang="en-US" sz="2400" b="1" baseline="0" dirty="0" smtClean="0"/>
+              <a:t>represents what researchers actually culture, experiment on, and share.</a:t>
+            </a:r>
+          </a:p>
+          <a:p>
+            <a:endParaRPr lang="en-US" sz="800" b="1" baseline="0" dirty="0" smtClean="0"/>
+          </a:p>
+          <a:p>
+            <a:pPr marL="565150" indent="-279400">
+              <a:buFont typeface="Arial" pitchFamily="34" charset="0"/>
+              <a:buChar char="•"/>
+              <a:defRPr/>
+            </a:pPr>
+            <a:r>
+              <a:rPr lang="en-US" sz="2200" dirty="0" smtClean="0"/>
+              <a:t>Will be a relatively </a:t>
+            </a:r>
+            <a:r>
+              <a:rPr lang="en-US" sz="2200" dirty="0"/>
+              <a:t>uniform population </a:t>
+            </a:r>
+            <a:r>
+              <a:rPr lang="en-US" sz="2200" dirty="0" smtClean="0"/>
+              <a:t>(similar </a:t>
+            </a:r>
+            <a:r>
+              <a:rPr lang="en-US" sz="2200" dirty="0"/>
+              <a:t>evolution/genetic drifts due to continuous co-culture)</a:t>
+            </a:r>
+          </a:p>
+          <a:p>
+            <a:pPr marL="565150" indent="-279400">
+              <a:buFont typeface="Arial" pitchFamily="34" charset="0"/>
+              <a:buChar char="•"/>
+              <a:defRPr/>
+            </a:pPr>
+            <a:r>
+              <a:rPr lang="en-US" sz="2200" dirty="0" smtClean="0"/>
+              <a:t>All cells necessarily </a:t>
+            </a:r>
+            <a:r>
+              <a:rPr lang="en-US" sz="2200" dirty="0"/>
+              <a:t>output from a single subculture or storage </a:t>
+            </a:r>
+            <a:r>
+              <a:rPr lang="en-US" sz="2200" dirty="0" smtClean="0"/>
+              <a:t>split . . . </a:t>
+            </a:r>
+            <a:endParaRPr lang="en-US" sz="2200" b="1" dirty="0"/>
+          </a:p>
+          <a:p>
+            <a:pPr marL="565150" indent="-279400">
+              <a:buFont typeface="Arial" pitchFamily="34" charset="0"/>
+              <a:buChar char="•"/>
+              <a:defRPr/>
+            </a:pPr>
+            <a:r>
+              <a:rPr lang="en-US" sz="2200" dirty="0" smtClean="0"/>
+              <a:t>and necessarily </a:t>
+            </a:r>
+            <a:r>
+              <a:rPr lang="en-US" sz="2200" dirty="0"/>
+              <a:t>have the same passage </a:t>
+            </a:r>
+            <a:r>
+              <a:rPr lang="en-US" sz="2200" dirty="0" smtClean="0"/>
+              <a:t>number</a:t>
+            </a:r>
+            <a:endParaRPr lang="en-US" sz="2200" dirty="0"/>
+          </a:p>
+        </p:txBody>
+      </p:sp>
+      <p:sp>
+        <p:nvSpPr>
+          <p:cNvPr id="4" name="TextBox 3"/>
+          <p:cNvSpPr txBox="1"/>
+          <p:nvPr/>
+        </p:nvSpPr>
+        <p:spPr>
+          <a:xfrm>
+            <a:off x="335280" y="762000"/>
+            <a:ext cx="8309610" cy="1569660"/>
+          </a:xfrm>
+          <a:prstGeom prst="rect">
+            <a:avLst/>
+          </a:prstGeom>
+          <a:solidFill>
+            <a:schemeClr val="bg1">
+              <a:lumMod val="85000"/>
+            </a:schemeClr>
+          </a:solidFill>
+        </p:spPr>
+        <p:txBody>
+          <a:bodyPr wrap="square" rtlCol="0">
+            <a:spAutoFit/>
+          </a:bodyPr>
+          <a:lstStyle/>
+          <a:p>
+            <a:pPr algn="ctr"/>
+            <a:r>
+              <a:rPr lang="en-US" sz="2400" b="1" dirty="0"/>
+              <a:t>C</a:t>
+            </a:r>
+            <a:r>
+              <a:rPr lang="en-US" sz="2400" b="1" dirty="0" smtClean="0"/>
+              <a:t>ell culture samples </a:t>
+            </a:r>
+            <a:r>
+              <a:rPr lang="en-US" sz="2400" dirty="0" smtClean="0"/>
+              <a:t>are collections of cells that represent a defined portion of a cell culture that has been continuously maintained together in culture (or has been removed from such a culture for storage or experimental application)</a:t>
+            </a:r>
+          </a:p>
+        </p:txBody>
+      </p:sp>
+      <p:sp>
+        <p:nvSpPr>
+          <p:cNvPr id="3" name="TextBox 2"/>
+          <p:cNvSpPr txBox="1"/>
+          <p:nvPr/>
+        </p:nvSpPr>
+        <p:spPr>
+          <a:xfrm>
+            <a:off x="1981200" y="115956"/>
+            <a:ext cx="5188856" cy="646331"/>
+          </a:xfrm>
+          <a:prstGeom prst="rect">
+            <a:avLst/>
+          </a:prstGeom>
+          <a:noFill/>
+        </p:spPr>
+        <p:txBody>
           <a:bodyPr wrap="none" rtlCol="0">
             <a:spAutoFit/>
           </a:bodyPr>
@@ -4902,7 +5412,7 @@
           <a:p>
             <a:r>
               <a:rPr lang="en-US" sz="3600" b="1" dirty="0" smtClean="0"/>
-              <a:t>Cell Culture Related Processes (OBI)</a:t>
+              <a:t>Cell Culture Samples (OBI)</a:t>
             </a:r>
             <a:endParaRPr lang="en-US" sz="3600" b="1" dirty="0"/>
           </a:p>
@@ -4910,14 +5420,14 @@
       </p:sp>
       <p:pic>
         <p:nvPicPr>
-          <p:cNvPr id="19458" name="Picture 2" descr="C:\Users\brushm\AppData\Roaming\PixelMetrics\CaptureWiz\Temp\22.jpg"/>
+          <p:cNvPr id="2062" name="Picture 14" descr="C:\Users\brushm\AppData\Roaming\PixelMetrics\CaptureWiz\Temp\21.jpg"/>
           <p:cNvPicPr>
             <a:picLocks noChangeAspect="1" noChangeArrowheads="1"/>
           </p:cNvPicPr>
           <p:nvPr/>
         </p:nvPicPr>
         <p:blipFill>
-          <a:blip r:embed="rId2">
+          <a:blip r:embed="rId3">
             <a:extLst>
               <a:ext uri="{28A0092B-C50C-407E-A947-70E740481C1C}">
                 <a14:useLocalDpi xmlns:a14="http://schemas.microsoft.com/office/drawing/2010/main" val="0"/>
@@ -4931,8 +5441,8 @@
         </p:blipFill>
         <p:spPr bwMode="auto">
           <a:xfrm>
-            <a:off x="2616453" y="2232271"/>
-            <a:ext cx="3708147" cy="1019742"/>
+            <a:off x="1067467" y="2514600"/>
+            <a:ext cx="6781133" cy="1318952"/>
           </a:xfrm>
           <a:prstGeom prst="rect">
             <a:avLst/>
@@ -4949,6 +5459,276 @@
           </a:extLst>
         </p:spPr>
       </p:pic>
+    </p:spTree>
+    <p:extLst>
+      <p:ext uri="{BB962C8B-B14F-4D97-AF65-F5344CB8AC3E}">
+        <p14:creationId xmlns:p14="http://schemas.microsoft.com/office/powerpoint/2010/main" val="986679011"/>
+      </p:ext>
+    </p:extLst>
+  </p:cSld>
+  <p:clrMapOvr>
+    <a:masterClrMapping/>
+  </p:clrMapOvr>
+</p:sld>
+</file>
+
+<file path=ppt/slides/slide11.xml><?xml version="1.0" encoding="utf-8"?>
+<p:sld xmlns:a="http://schemas.openxmlformats.org/drawingml/2006/main" xmlns:r="http://schemas.openxmlformats.org/officeDocument/2006/relationships" xmlns:p="http://schemas.openxmlformats.org/presentationml/2006/main">
+  <p:cSld>
+    <p:spTree>
+      <p:nvGrpSpPr>
+        <p:cNvPr id="1" name=""/>
+        <p:cNvGrpSpPr/>
+        <p:nvPr/>
+      </p:nvGrpSpPr>
+      <p:grpSpPr>
+        <a:xfrm>
+          <a:off x="0" y="0"/>
+          <a:ext cx="0" cy="0"/>
+          <a:chOff x="0" y="0"/>
+          <a:chExt cx="0" cy="0"/>
+        </a:xfrm>
+      </p:grpSpPr>
+      <p:sp>
+        <p:nvSpPr>
+          <p:cNvPr id="2" name="Rectangle 1"/>
+          <p:cNvSpPr/>
+          <p:nvPr/>
+        </p:nvSpPr>
+        <p:spPr>
+          <a:xfrm>
+            <a:off x="304800" y="1617851"/>
+            <a:ext cx="8382000" cy="4108817"/>
+          </a:xfrm>
+          <a:prstGeom prst="rect">
+            <a:avLst/>
+          </a:prstGeom>
+        </p:spPr>
+        <p:txBody>
+          <a:bodyPr wrap="square">
+            <a:spAutoFit/>
+          </a:bodyPr>
+          <a:lstStyle/>
+          <a:p>
+            <a:pPr marL="457200" lvl="2">
+              <a:spcBef>
+                <a:spcPts val="600"/>
+              </a:spcBef>
+            </a:pPr>
+            <a:r>
+              <a:rPr lang="en-US" sz="2000" b="1" dirty="0" smtClean="0"/>
+              <a:t>1.    </a:t>
+            </a:r>
+            <a:r>
+              <a:rPr lang="en-US" sz="2000" b="1" dirty="0" err="1" smtClean="0"/>
+              <a:t>OBI:‘</a:t>
+            </a:r>
+            <a:r>
+              <a:rPr lang="en-US" sz="2000" b="1" dirty="0" err="1" smtClean="0"/>
+              <a:t>establishing</a:t>
+            </a:r>
+            <a:r>
+              <a:rPr lang="en-US" sz="2000" b="1" dirty="0"/>
+              <a:t> </a:t>
+            </a:r>
+            <a:r>
+              <a:rPr lang="en-US" sz="2000" b="1" dirty="0" smtClean="0"/>
+              <a:t>cell line’ </a:t>
+            </a:r>
+            <a:r>
+              <a:rPr lang="en-US" sz="2000" dirty="0" smtClean="0"/>
+              <a:t>processes</a:t>
+            </a:r>
+            <a:endParaRPr lang="en-US" sz="2000" dirty="0" smtClean="0"/>
+          </a:p>
+          <a:p>
+            <a:pPr marL="1257300" lvl="3" indent="-342900">
+              <a:spcBef>
+                <a:spcPts val="600"/>
+              </a:spcBef>
+              <a:buFont typeface="Arial" pitchFamily="34" charset="0"/>
+              <a:buChar char="•"/>
+            </a:pPr>
+            <a:r>
+              <a:rPr lang="en-US" sz="1600" dirty="0" smtClean="0"/>
+              <a:t>OBI has an ‘establishing cell line’ class that should meet CLO needs for a ‘cell line generation/development’ class.</a:t>
+            </a:r>
+            <a:endParaRPr lang="en-US" sz="1600" dirty="0"/>
+          </a:p>
+          <a:p>
+            <a:pPr marL="1257300" lvl="3" indent="-342900">
+              <a:spcBef>
+                <a:spcPts val="600"/>
+              </a:spcBef>
+              <a:buFont typeface="Arial" pitchFamily="34" charset="0"/>
+              <a:buChar char="•"/>
+            </a:pPr>
+            <a:r>
+              <a:rPr lang="en-US" sz="1600" dirty="0"/>
+              <a:t>a process whereby a cell line is </a:t>
+            </a:r>
+            <a:r>
+              <a:rPr lang="en-US" sz="1600" dirty="0" smtClean="0"/>
+              <a:t>created through </a:t>
+            </a:r>
+            <a:r>
+              <a:rPr lang="en-US" sz="1600" dirty="0"/>
+              <a:t>passaging of a primary cell culture to relative homogenous and stable composition, or through </a:t>
+            </a:r>
+            <a:r>
+              <a:rPr lang="en-US" sz="1600" dirty="0" smtClean="0"/>
+              <a:t>the experimental </a:t>
+            </a:r>
+            <a:r>
+              <a:rPr lang="en-US" sz="1600" dirty="0"/>
+              <a:t>modification of an existing cell line to produce a new line with novel characteristics.</a:t>
+            </a:r>
+            <a:endParaRPr lang="en-US" sz="1600" dirty="0" smtClean="0"/>
+          </a:p>
+          <a:p>
+            <a:pPr marL="1714500" lvl="4" indent="-342900">
+              <a:spcBef>
+                <a:spcPts val="600"/>
+              </a:spcBef>
+              <a:buFont typeface="Arial" pitchFamily="34" charset="0"/>
+              <a:buChar char="•"/>
+            </a:pPr>
+            <a:r>
+              <a:rPr lang="en-US" sz="1600" dirty="0" smtClean="0"/>
+              <a:t>e.g</a:t>
+            </a:r>
+            <a:r>
+              <a:rPr lang="en-US" sz="1600" dirty="0"/>
+              <a:t>. immortalization, genetic modification, selection of some defined </a:t>
+            </a:r>
+            <a:r>
+              <a:rPr lang="en-US" sz="1600" dirty="0" smtClean="0"/>
+              <a:t>subset</a:t>
+            </a:r>
+            <a:br>
+              <a:rPr lang="en-US" sz="1600" dirty="0" smtClean="0"/>
+            </a:br>
+            <a:endParaRPr lang="en-US" sz="800" dirty="0" smtClean="0"/>
+          </a:p>
+          <a:p>
+            <a:pPr lvl="2" indent="-457200">
+              <a:spcBef>
+                <a:spcPts val="600"/>
+              </a:spcBef>
+              <a:buFontTx/>
+              <a:buAutoNum type="arabicPeriod" startAt="2"/>
+            </a:pPr>
+            <a:r>
+              <a:rPr lang="en-US" sz="2000" b="1" dirty="0" err="1" smtClean="0"/>
+              <a:t>CLO:‘cell</a:t>
+            </a:r>
+            <a:r>
+              <a:rPr lang="en-US" sz="2000" b="1" dirty="0" smtClean="0"/>
+              <a:t> culturing’ hierarchy </a:t>
+            </a:r>
+            <a:r>
+              <a:rPr lang="en-US" sz="2000" dirty="0" smtClean="0"/>
+              <a:t>– to be aligned with </a:t>
+            </a:r>
+            <a:r>
+              <a:rPr lang="en-US" sz="2000" b="1" dirty="0" smtClean="0"/>
+              <a:t>OBI: ‘maintaining cell culture’ </a:t>
+            </a:r>
+            <a:endParaRPr lang="en-US" sz="2000" dirty="0" smtClean="0"/>
+          </a:p>
+          <a:p>
+            <a:pPr lvl="2" indent="-457200">
+              <a:spcBef>
+                <a:spcPts val="600"/>
+              </a:spcBef>
+              <a:buAutoNum type="arabicPeriod" startAt="2"/>
+            </a:pPr>
+            <a:endParaRPr lang="en-US" sz="800" dirty="0" smtClean="0"/>
+          </a:p>
+          <a:p>
+            <a:pPr lvl="2" indent="-457200">
+              <a:spcBef>
+                <a:spcPts val="600"/>
+              </a:spcBef>
+              <a:buAutoNum type="arabicPeriod" startAt="2"/>
+            </a:pPr>
+            <a:endParaRPr lang="en-US" sz="800" dirty="0"/>
+          </a:p>
+          <a:p>
+            <a:pPr lvl="2" indent="-457200">
+              <a:spcBef>
+                <a:spcPts val="600"/>
+              </a:spcBef>
+              <a:buAutoNum type="arabicPeriod" startAt="2"/>
+            </a:pPr>
+            <a:endParaRPr lang="en-US" sz="800" dirty="0" smtClean="0"/>
+          </a:p>
+          <a:p>
+            <a:pPr lvl="2" indent="-457200">
+              <a:spcBef>
+                <a:spcPts val="600"/>
+              </a:spcBef>
+              <a:buAutoNum type="arabicPeriod" startAt="2"/>
+            </a:pPr>
+            <a:endParaRPr lang="en-US" sz="800" dirty="0"/>
+          </a:p>
+          <a:p>
+            <a:pPr lvl="2" indent="-457200">
+              <a:spcBef>
+                <a:spcPts val="600"/>
+              </a:spcBef>
+              <a:buFontTx/>
+              <a:buAutoNum type="arabicPeriod" startAt="2"/>
+            </a:pPr>
+            <a:r>
+              <a:rPr lang="en-US" sz="2000" b="1" dirty="0" err="1" smtClean="0"/>
+              <a:t>CLO</a:t>
+            </a:r>
+            <a:r>
+              <a:rPr lang="en-US" sz="2000" b="1" dirty="0" err="1" smtClean="0"/>
+              <a:t>:‘cell</a:t>
+            </a:r>
+            <a:r>
+              <a:rPr lang="en-US" sz="2000" b="1" dirty="0" smtClean="0"/>
+              <a:t> line modification’ </a:t>
+            </a:r>
+            <a:r>
+              <a:rPr lang="en-US" sz="2000" dirty="0" smtClean="0"/>
+              <a:t>classes – to be modeled in OBI as well</a:t>
+            </a:r>
+          </a:p>
+        </p:txBody>
+      </p:sp>
+      <p:sp>
+        <p:nvSpPr>
+          <p:cNvPr id="3" name="TextBox 2"/>
+          <p:cNvSpPr txBox="1"/>
+          <p:nvPr/>
+        </p:nvSpPr>
+        <p:spPr>
+          <a:xfrm>
+            <a:off x="1066800" y="115956"/>
+            <a:ext cx="7014805" cy="646331"/>
+          </a:xfrm>
+          <a:prstGeom prst="rect">
+            <a:avLst/>
+          </a:prstGeom>
+          <a:noFill/>
+        </p:spPr>
+        <p:txBody>
+          <a:bodyPr wrap="none" rtlCol="0">
+            <a:spAutoFit/>
+          </a:bodyPr>
+          <a:lstStyle/>
+          <a:p>
+            <a:r>
+              <a:rPr lang="en-US" sz="3600" b="1" dirty="0" smtClean="0"/>
+              <a:t>Cell Culture Related Processes (OBI)</a:t>
+            </a:r>
+            <a:endParaRPr lang="en-US" sz="3600" b="1" dirty="0"/>
+          </a:p>
+        </p:txBody>
+      </p:sp>
       <p:pic>
         <p:nvPicPr>
           <p:cNvPr id="19462" name="Picture 6" descr="C:\Users\brushm\AppData\Roaming\PixelMetrics\CaptureWiz\Temp\26.jpg"/>
@@ -4972,7 +5752,7 @@
         </p:blipFill>
         <p:spPr bwMode="auto">
           <a:xfrm>
-            <a:off x="2667000" y="5746953"/>
+            <a:off x="2667000" y="5791200"/>
             <a:ext cx="3352800" cy="730047"/>
           </a:xfrm>
           <a:prstGeom prst="rect">
@@ -5013,7 +5793,7 @@
         </p:blipFill>
         <p:spPr bwMode="auto">
           <a:xfrm>
-            <a:off x="2656562" y="4070553"/>
+            <a:off x="2656562" y="4343400"/>
             <a:ext cx="5649238" cy="914400"/>
           </a:xfrm>
           <a:prstGeom prst="rect">
@@ -5061,174 +5841,13 @@
               <a:rPr lang="en-US" sz="2600" dirty="0" smtClean="0"/>
               <a:t>Modeling of processes related to culturing cells and establishing / modifying cell lines</a:t>
             </a:r>
-            <a:endParaRPr lang="en-US" sz="2600" dirty="0" smtClean="0"/>
           </a:p>
         </p:txBody>
       </p:sp>
     </p:spTree>
     <p:extLst>
       <p:ext uri="{BB962C8B-B14F-4D97-AF65-F5344CB8AC3E}">
-        <p14:creationId xmlns:p14="http://schemas.microsoft.com/office/powerpoint/2010/main" val="215228285"/>
-      </p:ext>
-    </p:extLst>
-  </p:cSld>
-  <p:clrMapOvr>
-    <a:masterClrMapping/>
-  </p:clrMapOvr>
-</p:sld>
-</file>
-
-<file path=ppt/slides/slide11.xml><?xml version="1.0" encoding="utf-8"?>
-<p:sld xmlns:a="http://schemas.openxmlformats.org/drawingml/2006/main" xmlns:r="http://schemas.openxmlformats.org/officeDocument/2006/relationships" xmlns:p="http://schemas.openxmlformats.org/presentationml/2006/main">
-  <p:cSld>
-    <p:spTree>
-      <p:nvGrpSpPr>
-        <p:cNvPr id="1" name=""/>
-        <p:cNvGrpSpPr/>
-        <p:nvPr/>
-      </p:nvGrpSpPr>
-      <p:grpSpPr>
-        <a:xfrm>
-          <a:off x="0" y="0"/>
-          <a:ext cx="0" cy="0"/>
-          <a:chOff x="0" y="0"/>
-          <a:chExt cx="0" cy="0"/>
-        </a:xfrm>
-      </p:grpSpPr>
-      <p:sp>
-        <p:nvSpPr>
-          <p:cNvPr id="2" name="Rectangle 1"/>
-          <p:cNvSpPr/>
-          <p:nvPr/>
-        </p:nvSpPr>
-        <p:spPr>
-          <a:xfrm>
-            <a:off x="609600" y="1249740"/>
-            <a:ext cx="7696200" cy="5139869"/>
-          </a:xfrm>
-          <a:prstGeom prst="rect">
-            <a:avLst/>
-          </a:prstGeom>
-        </p:spPr>
-        <p:txBody>
-          <a:bodyPr wrap="square">
-            <a:spAutoFit/>
-          </a:bodyPr>
-          <a:lstStyle/>
-          <a:p>
-            <a:pPr lvl="1" indent="-457200">
-              <a:buFont typeface="Courier New" pitchFamily="49" charset="0"/>
-              <a:buChar char="o"/>
-            </a:pPr>
-            <a:r>
-              <a:rPr lang="en-US" sz="2800" dirty="0" smtClean="0"/>
-              <a:t>Are ‘actively cultured cell’/’active cell culture’ defined classes sufficient for what CLO needs? </a:t>
-            </a:r>
-          </a:p>
-          <a:p>
-            <a:pPr marL="0" lvl="1"/>
-            <a:endParaRPr lang="en-US" sz="2400" dirty="0" smtClean="0"/>
-          </a:p>
-          <a:p>
-            <a:pPr marL="685800" lvl="1"/>
-            <a:r>
-              <a:rPr lang="en-US" sz="2400" b="1" dirty="0" smtClean="0"/>
-              <a:t>‘actively cultured cell’ </a:t>
-            </a:r>
-            <a:r>
-              <a:rPr lang="en-US" sz="2400" dirty="0" smtClean="0"/>
-              <a:t>= a cultured cell that is actively being propagated or maintained in culture medium</a:t>
-            </a:r>
-          </a:p>
-          <a:p>
-            <a:pPr marL="685800" lvl="1"/>
-            <a:endParaRPr lang="en-US" sz="2400" dirty="0"/>
-          </a:p>
-          <a:p>
-            <a:pPr marL="685800" lvl="1"/>
-            <a:r>
-              <a:rPr lang="en-US" sz="2400" b="1" dirty="0" smtClean="0"/>
-              <a:t>’active cell culture sample’ </a:t>
-            </a:r>
-            <a:r>
-              <a:rPr lang="en-US" sz="2400" dirty="0" smtClean="0"/>
-              <a:t>= a cell culture sample that is actively being maintained or propagated in vitro</a:t>
-            </a:r>
-          </a:p>
-          <a:p>
-            <a:pPr marL="685800" lvl="1"/>
-            <a:r>
-              <a:rPr lang="en-US" sz="2400" dirty="0" smtClean="0"/>
-              <a:t>(does not include media)</a:t>
-            </a:r>
-          </a:p>
-          <a:p>
-            <a:pPr marL="0" lvl="1"/>
-            <a:endParaRPr lang="en-US" sz="2400" dirty="0" smtClean="0"/>
-          </a:p>
-          <a:p>
-            <a:pPr marL="0" lvl="1"/>
-            <a:endParaRPr lang="en-US" sz="2400" dirty="0"/>
-          </a:p>
-          <a:p>
-            <a:pPr lvl="1" indent="-457200">
-              <a:buFont typeface="Courier New" pitchFamily="49" charset="0"/>
-              <a:buChar char="o"/>
-            </a:pPr>
-            <a:r>
-              <a:rPr lang="en-US" sz="2800" dirty="0"/>
-              <a:t>D</a:t>
-            </a:r>
-            <a:r>
-              <a:rPr lang="en-US" sz="2800" dirty="0" smtClean="0"/>
-              <a:t>oes CLO need a class representing cells plus media?</a:t>
-            </a:r>
-            <a:endParaRPr lang="en-US" sz="2800" dirty="0" smtClean="0"/>
-          </a:p>
-        </p:txBody>
-      </p:sp>
-      <p:sp>
-        <p:nvSpPr>
-          <p:cNvPr id="3" name="TextBox 2"/>
-          <p:cNvSpPr txBox="1"/>
-          <p:nvPr/>
-        </p:nvSpPr>
-        <p:spPr>
-          <a:xfrm>
-            <a:off x="1527242" y="228600"/>
-            <a:ext cx="6092758" cy="646331"/>
-          </a:xfrm>
-          <a:prstGeom prst="rect">
-            <a:avLst/>
-          </a:prstGeom>
-          <a:noFill/>
-        </p:spPr>
-        <p:txBody>
-          <a:bodyPr wrap="none" rtlCol="0">
-            <a:spAutoFit/>
-          </a:bodyPr>
-          <a:lstStyle/>
-          <a:p>
-            <a:r>
-              <a:rPr lang="en-US" sz="3600" b="1" dirty="0" smtClean="0"/>
-              <a:t>‘Active’ </a:t>
-            </a:r>
-            <a:r>
-              <a:rPr lang="en-US" sz="3600" b="1" dirty="0"/>
-              <a:t>C</a:t>
-            </a:r>
-            <a:r>
-              <a:rPr lang="en-US" sz="3600" b="1" dirty="0" smtClean="0"/>
-              <a:t>ulture Classes for CLO</a:t>
-            </a:r>
-            <a:endParaRPr lang="en-US" sz="3600" b="1" dirty="0"/>
-          </a:p>
-        </p:txBody>
-      </p:sp>
-    </p:spTree>
-    <p:extLst>
-      <p:ext uri="{BB962C8B-B14F-4D97-AF65-F5344CB8AC3E}">
-        <p14:creationId xmlns:p14="http://schemas.microsoft.com/office/powerpoint/2010/main" val="628439710"/>
+        <p14:creationId xmlns:p14="http://schemas.microsoft.com/office/powerpoint/2010/main" val="2889183094"/>
       </p:ext>
     </p:extLst>
   </p:cSld>
@@ -5257,6 +5876,165 @@
       </p:grpSpPr>
       <p:sp>
         <p:nvSpPr>
+          <p:cNvPr id="2" name="Rectangle 1"/>
+          <p:cNvSpPr/>
+          <p:nvPr/>
+        </p:nvSpPr>
+        <p:spPr>
+          <a:xfrm>
+            <a:off x="609600" y="1249740"/>
+            <a:ext cx="7696200" cy="5139869"/>
+          </a:xfrm>
+          <a:prstGeom prst="rect">
+            <a:avLst/>
+          </a:prstGeom>
+        </p:spPr>
+        <p:txBody>
+          <a:bodyPr wrap="square">
+            <a:spAutoFit/>
+          </a:bodyPr>
+          <a:lstStyle/>
+          <a:p>
+            <a:pPr lvl="1" indent="-457200">
+              <a:buFont typeface="Courier New" pitchFamily="49" charset="0"/>
+              <a:buChar char="o"/>
+            </a:pPr>
+            <a:r>
+              <a:rPr lang="en-US" sz="2800" dirty="0" smtClean="0"/>
+              <a:t>Are ‘actively cultured cell’/’active cell culture’ defined classes sufficient for what CLO needs? </a:t>
+            </a:r>
+          </a:p>
+          <a:p>
+            <a:pPr marL="0" lvl="1"/>
+            <a:endParaRPr lang="en-US" sz="2400" dirty="0" smtClean="0"/>
+          </a:p>
+          <a:p>
+            <a:pPr marL="685800" lvl="1"/>
+            <a:r>
+              <a:rPr lang="en-US" sz="2400" b="1" dirty="0" smtClean="0"/>
+              <a:t>‘actively cultured cell’ </a:t>
+            </a:r>
+            <a:r>
+              <a:rPr lang="en-US" sz="2400" dirty="0" smtClean="0"/>
+              <a:t>= a cultured cell that is actively being propagated or maintained in culture medium</a:t>
+            </a:r>
+          </a:p>
+          <a:p>
+            <a:pPr marL="685800" lvl="1"/>
+            <a:endParaRPr lang="en-US" sz="2400" dirty="0"/>
+          </a:p>
+          <a:p>
+            <a:pPr marL="685800" lvl="1"/>
+            <a:r>
+              <a:rPr lang="en-US" sz="2400" b="1" dirty="0" smtClean="0"/>
+              <a:t>’active cell culture sample’ </a:t>
+            </a:r>
+            <a:r>
+              <a:rPr lang="en-US" sz="2400" dirty="0" smtClean="0"/>
+              <a:t>= a cell culture sample that is actively being maintained or propagated in vitro</a:t>
+            </a:r>
+          </a:p>
+          <a:p>
+            <a:pPr marL="685800" lvl="1"/>
+            <a:r>
+              <a:rPr lang="en-US" sz="2400" dirty="0" smtClean="0"/>
+              <a:t>(does not include media)</a:t>
+            </a:r>
+          </a:p>
+          <a:p>
+            <a:pPr marL="0" lvl="1"/>
+            <a:endParaRPr lang="en-US" sz="2400" dirty="0" smtClean="0"/>
+          </a:p>
+          <a:p>
+            <a:pPr marL="0" lvl="1"/>
+            <a:endParaRPr lang="en-US" sz="2400" dirty="0"/>
+          </a:p>
+          <a:p>
+            <a:pPr lvl="1" indent="-457200">
+              <a:buFont typeface="Courier New" pitchFamily="49" charset="0"/>
+              <a:buChar char="o"/>
+            </a:pPr>
+            <a:r>
+              <a:rPr lang="en-US" sz="2800" dirty="0"/>
+              <a:t>D</a:t>
+            </a:r>
+            <a:r>
+              <a:rPr lang="en-US" sz="2800" dirty="0" smtClean="0"/>
+              <a:t>oes CLO need a class representing cells plus media?</a:t>
+            </a:r>
+          </a:p>
+        </p:txBody>
+      </p:sp>
+      <p:sp>
+        <p:nvSpPr>
+          <p:cNvPr id="3" name="TextBox 2"/>
+          <p:cNvSpPr txBox="1"/>
+          <p:nvPr/>
+        </p:nvSpPr>
+        <p:spPr>
+          <a:xfrm>
+            <a:off x="1527242" y="228600"/>
+            <a:ext cx="6092758" cy="646331"/>
+          </a:xfrm>
+          <a:prstGeom prst="rect">
+            <a:avLst/>
+          </a:prstGeom>
+          <a:noFill/>
+        </p:spPr>
+        <p:txBody>
+          <a:bodyPr wrap="none" rtlCol="0">
+            <a:spAutoFit/>
+          </a:bodyPr>
+          <a:lstStyle/>
+          <a:p>
+            <a:r>
+              <a:rPr lang="en-US" sz="3600" b="1" dirty="0" smtClean="0"/>
+              <a:t>‘Active’ </a:t>
+            </a:r>
+            <a:r>
+              <a:rPr lang="en-US" sz="3600" b="1" dirty="0"/>
+              <a:t>C</a:t>
+            </a:r>
+            <a:r>
+              <a:rPr lang="en-US" sz="3600" b="1" dirty="0" smtClean="0"/>
+              <a:t>ulture Classes for CLO</a:t>
+            </a:r>
+            <a:endParaRPr lang="en-US" sz="3600" b="1" dirty="0"/>
+          </a:p>
+        </p:txBody>
+      </p:sp>
+    </p:spTree>
+    <p:extLst>
+      <p:ext uri="{BB962C8B-B14F-4D97-AF65-F5344CB8AC3E}">
+        <p14:creationId xmlns:p14="http://schemas.microsoft.com/office/powerpoint/2010/main" val="2688088182"/>
+      </p:ext>
+    </p:extLst>
+  </p:cSld>
+  <p:clrMapOvr>
+    <a:masterClrMapping/>
+  </p:clrMapOvr>
+</p:sld>
+</file>
+
+<file path=ppt/slides/slide13.xml><?xml version="1.0" encoding="utf-8"?>
+<p:sld xmlns:a="http://schemas.openxmlformats.org/drawingml/2006/main" xmlns:r="http://schemas.openxmlformats.org/officeDocument/2006/relationships" xmlns:p="http://schemas.openxmlformats.org/presentationml/2006/main">
+  <p:cSld>
+    <p:spTree>
+      <p:nvGrpSpPr>
+        <p:cNvPr id="1" name=""/>
+        <p:cNvGrpSpPr/>
+        <p:nvPr/>
+      </p:nvGrpSpPr>
+      <p:grpSpPr>
+        <a:xfrm>
+          <a:off x="0" y="0"/>
+          <a:ext cx="0" cy="0"/>
+          <a:chOff x="0" y="0"/>
+          <a:chExt cx="0" cy="0"/>
+        </a:xfrm>
+      </p:grpSpPr>
+      <p:sp>
+        <p:nvSpPr>
           <p:cNvPr id="2" name="TextBox 1"/>
           <p:cNvSpPr txBox="1"/>
           <p:nvPr/>
@@ -5360,7 +6138,15 @@
             </a:pPr>
             <a:r>
               <a:rPr lang="en-US" sz="2000" dirty="0" smtClean="0"/>
-              <a:t>How fit with Oliver’s ‘cell line generation’ and ‘cell line cell population’</a:t>
+              <a:t>How fit with Oliver’s </a:t>
+            </a:r>
+            <a:r>
+              <a:rPr lang="en-US" sz="2000" dirty="0" smtClean="0"/>
+              <a:t>‘</a:t>
+            </a:r>
+            <a:r>
+              <a:rPr lang="en-US" sz="2000" dirty="0" smtClean="0"/>
+              <a:t>cell line cell population’</a:t>
             </a:r>
           </a:p>
           <a:p>
@@ -5463,7 +6249,1128 @@
     </p:spTree>
     <p:extLst>
       <p:ext uri="{BB962C8B-B14F-4D97-AF65-F5344CB8AC3E}">
-        <p14:creationId xmlns:p14="http://schemas.microsoft.com/office/powerpoint/2010/main" val="2198855087"/>
+        <p14:creationId xmlns:p14="http://schemas.microsoft.com/office/powerpoint/2010/main" val="3741809562"/>
+      </p:ext>
+    </p:extLst>
+  </p:cSld>
+  <p:clrMapOvr>
+    <a:masterClrMapping/>
+  </p:clrMapOvr>
+</p:sld>
+</file>
+
+<file path=ppt/slides/slide14.xml><?xml version="1.0" encoding="utf-8"?>
+<p:sld xmlns:a="http://schemas.openxmlformats.org/drawingml/2006/main" xmlns:r="http://schemas.openxmlformats.org/officeDocument/2006/relationships" xmlns:p="http://schemas.openxmlformats.org/presentationml/2006/main">
+  <p:cSld>
+    <p:spTree>
+      <p:nvGrpSpPr>
+        <p:cNvPr id="1" name=""/>
+        <p:cNvGrpSpPr/>
+        <p:nvPr/>
+      </p:nvGrpSpPr>
+      <p:grpSpPr>
+        <a:xfrm>
+          <a:off x="0" y="0"/>
+          <a:ext cx="0" cy="0"/>
+          <a:chOff x="0" y="0"/>
+          <a:chExt cx="0" cy="0"/>
+        </a:xfrm>
+      </p:grpSpPr>
+    </p:spTree>
+    <p:extLst>
+      <p:ext uri="{BB962C8B-B14F-4D97-AF65-F5344CB8AC3E}">
+        <p14:creationId xmlns:p14="http://schemas.microsoft.com/office/powerpoint/2010/main" val="3726844534"/>
+      </p:ext>
+    </p:extLst>
+  </p:cSld>
+  <p:clrMapOvr>
+    <a:masterClrMapping/>
+  </p:clrMapOvr>
+</p:sld>
+</file>
+
+<file path=ppt/slides/slide15.xml><?xml version="1.0" encoding="utf-8"?>
+<p:sld xmlns:a="http://schemas.openxmlformats.org/drawingml/2006/main" xmlns:r="http://schemas.openxmlformats.org/officeDocument/2006/relationships" xmlns:p="http://schemas.openxmlformats.org/presentationml/2006/main">
+  <p:cSld>
+    <p:spTree>
+      <p:nvGrpSpPr>
+        <p:cNvPr id="1" name=""/>
+        <p:cNvGrpSpPr/>
+        <p:nvPr/>
+      </p:nvGrpSpPr>
+      <p:grpSpPr>
+        <a:xfrm>
+          <a:off x="0" y="0"/>
+          <a:ext cx="0" cy="0"/>
+          <a:chOff x="0" y="0"/>
+          <a:chExt cx="0" cy="0"/>
+        </a:xfrm>
+      </p:grpSpPr>
+      <p:sp>
+        <p:nvSpPr>
+          <p:cNvPr id="2" name="Rectangle 1"/>
+          <p:cNvSpPr/>
+          <p:nvPr/>
+        </p:nvSpPr>
+        <p:spPr>
+          <a:xfrm>
+            <a:off x="685800" y="6320135"/>
+            <a:ext cx="7620000" cy="461665"/>
+          </a:xfrm>
+          <a:prstGeom prst="rect">
+            <a:avLst/>
+          </a:prstGeom>
+        </p:spPr>
+        <p:txBody>
+          <a:bodyPr wrap="square">
+            <a:spAutoFit/>
+          </a:bodyPr>
+          <a:lstStyle/>
+          <a:p>
+            <a:pPr algn="ctr"/>
+            <a:r>
+              <a:rPr lang="en-US" sz="1200" b="1" dirty="0"/>
+              <a:t>Principles of Tissue Engineering  </a:t>
+            </a:r>
+            <a:r>
+              <a:rPr lang="en-US" sz="1200" dirty="0"/>
+              <a:t>(Third Edition) 2007 </a:t>
+            </a:r>
+            <a:r>
+              <a:rPr lang="en-US" sz="1200" i="1" dirty="0"/>
+              <a:t>Edited by  Robert </a:t>
+            </a:r>
+            <a:r>
+              <a:rPr lang="en-US" sz="1200" i="1" dirty="0" err="1"/>
+              <a:t>Lanza</a:t>
+            </a:r>
+            <a:r>
+              <a:rPr lang="en-US" sz="1200" i="1" dirty="0"/>
+              <a:t>, Robert Langer and Joseph </a:t>
+            </a:r>
+            <a:r>
+              <a:rPr lang="en-US" sz="1200" i="1" dirty="0" err="1"/>
+              <a:t>Vacanti</a:t>
+            </a:r>
+            <a:r>
+              <a:rPr lang="en-US" sz="1200" i="1" dirty="0"/>
+              <a:t>, </a:t>
+            </a:r>
+            <a:r>
+              <a:rPr lang="en-US" sz="1200" dirty="0"/>
+              <a:t>Elsevier Inc., </a:t>
+            </a:r>
+            <a:r>
+              <a:rPr lang="en-US" sz="1200" i="1" dirty="0"/>
+              <a:t> </a:t>
+            </a:r>
+            <a:r>
+              <a:rPr lang="en-US" sz="1200" dirty="0"/>
+              <a:t> ISBN: 978-0-12-370615-7 </a:t>
+            </a:r>
+            <a:r>
+              <a:rPr lang="en-US" sz="1200" dirty="0" smtClean="0"/>
+              <a:t>  &lt;</a:t>
+            </a:r>
+            <a:r>
+              <a:rPr lang="en-US" sz="1200" dirty="0" smtClean="0">
+                <a:hlinkClick r:id="rId3"/>
+              </a:rPr>
+              <a:t>http</a:t>
+            </a:r>
+            <a:r>
+              <a:rPr lang="en-US" sz="1200" dirty="0">
+                <a:hlinkClick r:id="rId3"/>
+              </a:rPr>
+              <a:t>://www.sciencedirect.com/science/book/9780123706157</a:t>
+            </a:r>
+            <a:r>
+              <a:rPr lang="en-US" sz="1200" dirty="0"/>
+              <a:t>&gt; </a:t>
+            </a:r>
+          </a:p>
+        </p:txBody>
+      </p:sp>
+      <p:pic>
+        <p:nvPicPr>
+          <p:cNvPr id="1029" name="Picture 5" descr="C:\Users\brushm\AppData\Roaming\PixelMetrics\CaptureWiz\Temp\29.jpg"/>
+          <p:cNvPicPr>
+            <a:picLocks noChangeAspect="1" noChangeArrowheads="1"/>
+          </p:cNvPicPr>
+          <p:nvPr/>
+        </p:nvPicPr>
+        <p:blipFill>
+          <a:blip r:embed="rId4">
+            <a:extLst>
+              <a:ext uri="{28A0092B-C50C-407E-A947-70E740481C1C}">
+                <a14:useLocalDpi xmlns:a14="http://schemas.microsoft.com/office/drawing/2010/main" val="0"/>
+              </a:ext>
+            </a:extLst>
+          </a:blip>
+          <a:srcRect/>
+          <a:stretch>
+            <a:fillRect/>
+          </a:stretch>
+        </p:blipFill>
+        <p:spPr bwMode="auto">
+          <a:xfrm>
+            <a:off x="457200" y="152400"/>
+            <a:ext cx="8229600" cy="3828975"/>
+          </a:xfrm>
+          <a:prstGeom prst="rect">
+            <a:avLst/>
+          </a:prstGeom>
+          <a:noFill/>
+          <a:extLst>
+            <a:ext uri="{909E8E84-426E-40DD-AFC4-6F175D3DCCD1}">
+              <a14:hiddenFill xmlns:a14="http://schemas.microsoft.com/office/drawing/2010/main">
+                <a:solidFill>
+                  <a:srgbClr val="FFFFFF"/>
+                </a:solidFill>
+              </a14:hiddenFill>
+            </a:ext>
+          </a:extLst>
+        </p:spPr>
+      </p:pic>
+      <p:sp>
+        <p:nvSpPr>
+          <p:cNvPr id="14" name="Rectangle 13"/>
+          <p:cNvSpPr/>
+          <p:nvPr/>
+        </p:nvSpPr>
+        <p:spPr>
+          <a:xfrm>
+            <a:off x="457200" y="1143000"/>
+            <a:ext cx="3962400" cy="190500"/>
+          </a:xfrm>
+          <a:prstGeom prst="rect">
+            <a:avLst/>
+          </a:prstGeom>
+          <a:solidFill>
+            <a:srgbClr val="FFFF00">
+              <a:alpha val="27000"/>
+            </a:srgbClr>
+          </a:solidFill>
+          <a:ln>
+            <a:noFill/>
+          </a:ln>
+        </p:spPr>
+        <p:style>
+          <a:lnRef idx="2">
+            <a:schemeClr val="accent1">
+              <a:shade val="50000"/>
+            </a:schemeClr>
+          </a:lnRef>
+          <a:fillRef idx="1">
+            <a:schemeClr val="accent1"/>
+          </a:fillRef>
+          <a:effectRef idx="0">
+            <a:schemeClr val="accent1"/>
+          </a:effectRef>
+          <a:fontRef idx="minor">
+            <a:schemeClr val="lt1"/>
+          </a:fontRef>
+        </p:style>
+        <p:txBody>
+          <a:bodyPr rtlCol="0" anchor="ctr"/>
+          <a:lstStyle/>
+          <a:p>
+            <a:pPr algn="ctr"/>
+            <a:endParaRPr lang="en-US"/>
+          </a:p>
+        </p:txBody>
+      </p:sp>
+      <p:pic>
+        <p:nvPicPr>
+          <p:cNvPr id="1031" name="Picture 7" descr="C:\Users\brushm\AppData\Roaming\PixelMetrics\CaptureWiz\Temp\1.jpg"/>
+          <p:cNvPicPr>
+            <a:picLocks noChangeAspect="1" noChangeArrowheads="1"/>
+          </p:cNvPicPr>
+          <p:nvPr/>
+        </p:nvPicPr>
+        <p:blipFill>
+          <a:blip r:embed="rId5">
+            <a:extLst>
+              <a:ext uri="{28A0092B-C50C-407E-A947-70E740481C1C}">
+                <a14:useLocalDpi xmlns:a14="http://schemas.microsoft.com/office/drawing/2010/main" val="0"/>
+              </a:ext>
+            </a:extLst>
+          </a:blip>
+          <a:srcRect/>
+          <a:stretch>
+            <a:fillRect/>
+          </a:stretch>
+        </p:blipFill>
+        <p:spPr bwMode="auto">
+          <a:xfrm>
+            <a:off x="1981200" y="4114800"/>
+            <a:ext cx="5310667" cy="2190825"/>
+          </a:xfrm>
+          <a:prstGeom prst="rect">
+            <a:avLst/>
+          </a:prstGeom>
+          <a:noFill/>
+          <a:extLst>
+            <a:ext uri="{909E8E84-426E-40DD-AFC4-6F175D3DCCD1}">
+              <a14:hiddenFill xmlns:a14="http://schemas.microsoft.com/office/drawing/2010/main">
+                <a:solidFill>
+                  <a:srgbClr val="FFFFFF"/>
+                </a:solidFill>
+              </a14:hiddenFill>
+            </a:ext>
+          </a:extLst>
+        </p:spPr>
+      </p:pic>
+      <p:sp>
+        <p:nvSpPr>
+          <p:cNvPr id="16" name="Rectangle 15"/>
+          <p:cNvSpPr/>
+          <p:nvPr/>
+        </p:nvSpPr>
+        <p:spPr>
+          <a:xfrm>
+            <a:off x="2362199" y="4191000"/>
+            <a:ext cx="4929667" cy="190500"/>
+          </a:xfrm>
+          <a:prstGeom prst="rect">
+            <a:avLst/>
+          </a:prstGeom>
+          <a:solidFill>
+            <a:srgbClr val="FFFF00">
+              <a:alpha val="27000"/>
+            </a:srgbClr>
+          </a:solidFill>
+          <a:ln>
+            <a:noFill/>
+          </a:ln>
+        </p:spPr>
+        <p:style>
+          <a:lnRef idx="2">
+            <a:schemeClr val="accent1">
+              <a:shade val="50000"/>
+            </a:schemeClr>
+          </a:lnRef>
+          <a:fillRef idx="1">
+            <a:schemeClr val="accent1"/>
+          </a:fillRef>
+          <a:effectRef idx="0">
+            <a:schemeClr val="accent1"/>
+          </a:effectRef>
+          <a:fontRef idx="minor">
+            <a:schemeClr val="lt1"/>
+          </a:fontRef>
+        </p:style>
+        <p:txBody>
+          <a:bodyPr rtlCol="0" anchor="ctr"/>
+          <a:lstStyle/>
+          <a:p>
+            <a:pPr algn="ctr"/>
+            <a:endParaRPr lang="en-US"/>
+          </a:p>
+        </p:txBody>
+      </p:sp>
+      <p:sp>
+        <p:nvSpPr>
+          <p:cNvPr id="17" name="Rectangle 16"/>
+          <p:cNvSpPr/>
+          <p:nvPr/>
+        </p:nvSpPr>
+        <p:spPr>
+          <a:xfrm>
+            <a:off x="2065493" y="4423410"/>
+            <a:ext cx="753907" cy="190500"/>
+          </a:xfrm>
+          <a:prstGeom prst="rect">
+            <a:avLst/>
+          </a:prstGeom>
+          <a:solidFill>
+            <a:srgbClr val="FFFF00">
+              <a:alpha val="27000"/>
+            </a:srgbClr>
+          </a:solidFill>
+          <a:ln>
+            <a:noFill/>
+          </a:ln>
+        </p:spPr>
+        <p:style>
+          <a:lnRef idx="2">
+            <a:schemeClr val="accent1">
+              <a:shade val="50000"/>
+            </a:schemeClr>
+          </a:lnRef>
+          <a:fillRef idx="1">
+            <a:schemeClr val="accent1"/>
+          </a:fillRef>
+          <a:effectRef idx="0">
+            <a:schemeClr val="accent1"/>
+          </a:effectRef>
+          <a:fontRef idx="minor">
+            <a:schemeClr val="lt1"/>
+          </a:fontRef>
+        </p:style>
+        <p:txBody>
+          <a:bodyPr rtlCol="0" anchor="ctr"/>
+          <a:lstStyle/>
+          <a:p>
+            <a:pPr algn="ctr"/>
+            <a:endParaRPr lang="en-US"/>
+          </a:p>
+        </p:txBody>
+      </p:sp>
+    </p:spTree>
+    <p:extLst>
+      <p:ext uri="{BB962C8B-B14F-4D97-AF65-F5344CB8AC3E}">
+        <p14:creationId xmlns:p14="http://schemas.microsoft.com/office/powerpoint/2010/main" val="1273449590"/>
+      </p:ext>
+    </p:extLst>
+  </p:cSld>
+  <p:clrMapOvr>
+    <a:masterClrMapping/>
+  </p:clrMapOvr>
+</p:sld>
+</file>
+
+<file path=ppt/slides/slide16.xml><?xml version="1.0" encoding="utf-8"?>
+<p:sld xmlns:a="http://schemas.openxmlformats.org/drawingml/2006/main" xmlns:r="http://schemas.openxmlformats.org/officeDocument/2006/relationships" xmlns:p="http://schemas.openxmlformats.org/presentationml/2006/main">
+  <p:cSld>
+    <p:spTree>
+      <p:nvGrpSpPr>
+        <p:cNvPr id="1" name=""/>
+        <p:cNvGrpSpPr/>
+        <p:nvPr/>
+      </p:nvGrpSpPr>
+      <p:grpSpPr>
+        <a:xfrm>
+          <a:off x="0" y="0"/>
+          <a:ext cx="0" cy="0"/>
+          <a:chOff x="0" y="0"/>
+          <a:chExt cx="0" cy="0"/>
+        </a:xfrm>
+      </p:grpSpPr>
+      <p:grpSp>
+        <p:nvGrpSpPr>
+          <p:cNvPr id="4" name="Group 3"/>
+          <p:cNvGrpSpPr/>
+          <p:nvPr/>
+        </p:nvGrpSpPr>
+        <p:grpSpPr>
+          <a:xfrm>
+            <a:off x="1600200" y="228600"/>
+            <a:ext cx="6130816" cy="5908766"/>
+            <a:chOff x="1325880" y="57150"/>
+            <a:chExt cx="7018020" cy="6640286"/>
+          </a:xfrm>
+        </p:grpSpPr>
+        <p:pic>
+          <p:nvPicPr>
+            <p:cNvPr id="2050" name="Picture 2" descr="C:\Users\brushm\AppData\Local\Temp\msohtmlclip1\02\clip_image001.jpg"/>
+            <p:cNvPicPr>
+              <a:picLocks noChangeAspect="1" noChangeArrowheads="1"/>
+            </p:cNvPicPr>
+            <p:nvPr/>
+          </p:nvPicPr>
+          <p:blipFill>
+            <a:blip r:embed="rId3">
+              <a:extLst>
+                <a:ext uri="{28A0092B-C50C-407E-A947-70E740481C1C}">
+                  <a14:useLocalDpi xmlns:a14="http://schemas.microsoft.com/office/drawing/2010/main" val="0"/>
+                </a:ext>
+              </a:extLst>
+            </a:blip>
+            <a:srcRect/>
+            <a:stretch>
+              <a:fillRect/>
+            </a:stretch>
+          </p:blipFill>
+          <p:spPr bwMode="auto">
+            <a:xfrm>
+              <a:off x="1371600" y="57150"/>
+              <a:ext cx="6972300" cy="6640286"/>
+            </a:xfrm>
+            <a:prstGeom prst="rect">
+              <a:avLst/>
+            </a:prstGeom>
+            <a:noFill/>
+            <a:extLst>
+              <a:ext uri="{909E8E84-426E-40DD-AFC4-6F175D3DCCD1}">
+                <a14:hiddenFill xmlns:a14="http://schemas.microsoft.com/office/drawing/2010/main">
+                  <a:solidFill>
+                    <a:srgbClr val="FFFFFF"/>
+                  </a:solidFill>
+                </a14:hiddenFill>
+              </a:ext>
+            </a:extLst>
+          </p:spPr>
+        </p:pic>
+        <p:sp>
+          <p:nvSpPr>
+            <p:cNvPr id="3" name="Rectangle 2"/>
+            <p:cNvSpPr/>
+            <p:nvPr/>
+          </p:nvSpPr>
+          <p:spPr>
+            <a:xfrm>
+              <a:off x="1325880" y="3455670"/>
+              <a:ext cx="6896100" cy="304800"/>
+            </a:xfrm>
+            <a:prstGeom prst="rect">
+              <a:avLst/>
+            </a:prstGeom>
+            <a:solidFill>
+              <a:srgbClr val="FFFF00">
+                <a:alpha val="27000"/>
+              </a:srgbClr>
+            </a:solidFill>
+            <a:ln>
+              <a:noFill/>
+            </a:ln>
+          </p:spPr>
+          <p:style>
+            <a:lnRef idx="2">
+              <a:schemeClr val="accent1">
+                <a:shade val="50000"/>
+              </a:schemeClr>
+            </a:lnRef>
+            <a:fillRef idx="1">
+              <a:schemeClr val="accent1"/>
+            </a:fillRef>
+            <a:effectRef idx="0">
+              <a:schemeClr val="accent1"/>
+            </a:effectRef>
+            <a:fontRef idx="minor">
+              <a:schemeClr val="lt1"/>
+            </a:fontRef>
+          </p:style>
+          <p:txBody>
+            <a:bodyPr rtlCol="0" anchor="ctr"/>
+            <a:lstStyle/>
+            <a:p>
+              <a:pPr algn="ctr"/>
+              <a:endParaRPr lang="en-US"/>
+            </a:p>
+          </p:txBody>
+        </p:sp>
+        <p:sp>
+          <p:nvSpPr>
+            <p:cNvPr id="5" name="Rectangle 4"/>
+            <p:cNvSpPr/>
+            <p:nvPr/>
+          </p:nvSpPr>
+          <p:spPr>
+            <a:xfrm>
+              <a:off x="6660932" y="3120916"/>
+              <a:ext cx="1561048" cy="304800"/>
+            </a:xfrm>
+            <a:prstGeom prst="rect">
+              <a:avLst/>
+            </a:prstGeom>
+            <a:solidFill>
+              <a:srgbClr val="FFFF00">
+                <a:alpha val="27000"/>
+              </a:srgbClr>
+            </a:solidFill>
+            <a:ln>
+              <a:noFill/>
+            </a:ln>
+          </p:spPr>
+          <p:style>
+            <a:lnRef idx="2">
+              <a:schemeClr val="accent1">
+                <a:shade val="50000"/>
+              </a:schemeClr>
+            </a:lnRef>
+            <a:fillRef idx="1">
+              <a:schemeClr val="accent1"/>
+            </a:fillRef>
+            <a:effectRef idx="0">
+              <a:schemeClr val="accent1"/>
+            </a:effectRef>
+            <a:fontRef idx="minor">
+              <a:schemeClr val="lt1"/>
+            </a:fontRef>
+          </p:style>
+          <p:txBody>
+            <a:bodyPr rtlCol="0" anchor="ctr"/>
+            <a:lstStyle/>
+            <a:p>
+              <a:pPr algn="ctr"/>
+              <a:endParaRPr lang="en-US"/>
+            </a:p>
+          </p:txBody>
+        </p:sp>
+        <p:sp>
+          <p:nvSpPr>
+            <p:cNvPr id="6" name="Rectangle 5"/>
+            <p:cNvSpPr/>
+            <p:nvPr/>
+          </p:nvSpPr>
+          <p:spPr>
+            <a:xfrm>
+              <a:off x="1432560" y="4095750"/>
+              <a:ext cx="1561048" cy="304800"/>
+            </a:xfrm>
+            <a:prstGeom prst="rect">
+              <a:avLst/>
+            </a:prstGeom>
+            <a:solidFill>
+              <a:srgbClr val="FFFF00">
+                <a:alpha val="27000"/>
+              </a:srgbClr>
+            </a:solidFill>
+            <a:ln>
+              <a:noFill/>
+            </a:ln>
+          </p:spPr>
+          <p:style>
+            <a:lnRef idx="2">
+              <a:schemeClr val="accent1">
+                <a:shade val="50000"/>
+              </a:schemeClr>
+            </a:lnRef>
+            <a:fillRef idx="1">
+              <a:schemeClr val="accent1"/>
+            </a:fillRef>
+            <a:effectRef idx="0">
+              <a:schemeClr val="accent1"/>
+            </a:effectRef>
+            <a:fontRef idx="minor">
+              <a:schemeClr val="lt1"/>
+            </a:fontRef>
+          </p:style>
+          <p:txBody>
+            <a:bodyPr rtlCol="0" anchor="ctr"/>
+            <a:lstStyle/>
+            <a:p>
+              <a:pPr algn="ctr"/>
+              <a:endParaRPr lang="en-US"/>
+            </a:p>
+          </p:txBody>
+        </p:sp>
+        <p:sp>
+          <p:nvSpPr>
+            <p:cNvPr id="7" name="Rectangle 6"/>
+            <p:cNvSpPr/>
+            <p:nvPr/>
+          </p:nvSpPr>
+          <p:spPr>
+            <a:xfrm>
+              <a:off x="1417320" y="3790950"/>
+              <a:ext cx="6896100" cy="304800"/>
+            </a:xfrm>
+            <a:prstGeom prst="rect">
+              <a:avLst/>
+            </a:prstGeom>
+            <a:solidFill>
+              <a:srgbClr val="FFFF00">
+                <a:alpha val="27000"/>
+              </a:srgbClr>
+            </a:solidFill>
+            <a:ln>
+              <a:noFill/>
+            </a:ln>
+          </p:spPr>
+          <p:style>
+            <a:lnRef idx="2">
+              <a:schemeClr val="accent1">
+                <a:shade val="50000"/>
+              </a:schemeClr>
+            </a:lnRef>
+            <a:fillRef idx="1">
+              <a:schemeClr val="accent1"/>
+            </a:fillRef>
+            <a:effectRef idx="0">
+              <a:schemeClr val="accent1"/>
+            </a:effectRef>
+            <a:fontRef idx="minor">
+              <a:schemeClr val="lt1"/>
+            </a:fontRef>
+          </p:style>
+          <p:txBody>
+            <a:bodyPr rtlCol="0" anchor="ctr"/>
+            <a:lstStyle/>
+            <a:p>
+              <a:pPr algn="ctr"/>
+              <a:endParaRPr lang="en-US"/>
+            </a:p>
+          </p:txBody>
+        </p:sp>
+        <p:sp>
+          <p:nvSpPr>
+            <p:cNvPr id="8" name="Rectangle 7"/>
+            <p:cNvSpPr/>
+            <p:nvPr/>
+          </p:nvSpPr>
+          <p:spPr>
+            <a:xfrm>
+              <a:off x="1348740" y="1093470"/>
+              <a:ext cx="1013460" cy="304800"/>
+            </a:xfrm>
+            <a:prstGeom prst="rect">
+              <a:avLst/>
+            </a:prstGeom>
+            <a:solidFill>
+              <a:srgbClr val="FFFF00">
+                <a:alpha val="27000"/>
+              </a:srgbClr>
+            </a:solidFill>
+            <a:ln>
+              <a:noFill/>
+            </a:ln>
+          </p:spPr>
+          <p:style>
+            <a:lnRef idx="2">
+              <a:schemeClr val="accent1">
+                <a:shade val="50000"/>
+              </a:schemeClr>
+            </a:lnRef>
+            <a:fillRef idx="1">
+              <a:schemeClr val="accent1"/>
+            </a:fillRef>
+            <a:effectRef idx="0">
+              <a:schemeClr val="accent1"/>
+            </a:effectRef>
+            <a:fontRef idx="minor">
+              <a:schemeClr val="lt1"/>
+            </a:fontRef>
+          </p:style>
+          <p:txBody>
+            <a:bodyPr rtlCol="0" anchor="ctr"/>
+            <a:lstStyle/>
+            <a:p>
+              <a:pPr algn="ctr"/>
+              <a:endParaRPr lang="en-US"/>
+            </a:p>
+          </p:txBody>
+        </p:sp>
+        <p:sp>
+          <p:nvSpPr>
+            <p:cNvPr id="9" name="Rectangle 8"/>
+            <p:cNvSpPr/>
+            <p:nvPr/>
+          </p:nvSpPr>
+          <p:spPr>
+            <a:xfrm>
+              <a:off x="1333500" y="788670"/>
+              <a:ext cx="6896100" cy="304800"/>
+            </a:xfrm>
+            <a:prstGeom prst="rect">
+              <a:avLst/>
+            </a:prstGeom>
+            <a:solidFill>
+              <a:srgbClr val="FFFF00">
+                <a:alpha val="27000"/>
+              </a:srgbClr>
+            </a:solidFill>
+            <a:ln>
+              <a:noFill/>
+            </a:ln>
+          </p:spPr>
+          <p:style>
+            <a:lnRef idx="2">
+              <a:schemeClr val="accent1">
+                <a:shade val="50000"/>
+              </a:schemeClr>
+            </a:lnRef>
+            <a:fillRef idx="1">
+              <a:schemeClr val="accent1"/>
+            </a:fillRef>
+            <a:effectRef idx="0">
+              <a:schemeClr val="accent1"/>
+            </a:effectRef>
+            <a:fontRef idx="minor">
+              <a:schemeClr val="lt1"/>
+            </a:fontRef>
+          </p:style>
+          <p:txBody>
+            <a:bodyPr rtlCol="0" anchor="ctr"/>
+            <a:lstStyle/>
+            <a:p>
+              <a:pPr algn="ctr"/>
+              <a:endParaRPr lang="en-US"/>
+            </a:p>
+          </p:txBody>
+        </p:sp>
+      </p:grpSp>
+      <p:sp>
+        <p:nvSpPr>
+          <p:cNvPr id="10" name="TextBox 9"/>
+          <p:cNvSpPr txBox="1"/>
+          <p:nvPr/>
+        </p:nvSpPr>
+        <p:spPr>
+          <a:xfrm>
+            <a:off x="105228" y="6316897"/>
+            <a:ext cx="9144000" cy="523220"/>
+          </a:xfrm>
+          <a:prstGeom prst="rect">
+            <a:avLst/>
+          </a:prstGeom>
+          <a:noFill/>
+        </p:spPr>
+        <p:txBody>
+          <a:bodyPr wrap="square" rtlCol="0">
+            <a:spAutoFit/>
+          </a:bodyPr>
+          <a:lstStyle/>
+          <a:p>
+            <a:pPr lvl="0"/>
+            <a:r>
+              <a:rPr lang="en-US" sz="1400" b="1" dirty="0" smtClean="0">
+                <a:latin typeface="Calibri" pitchFamily="34" charset="0"/>
+                <a:cs typeface="Arial" pitchFamily="34" charset="0"/>
+              </a:rPr>
+              <a:t>Culture </a:t>
+            </a:r>
+            <a:r>
+              <a:rPr lang="en-US" sz="1400" b="1" dirty="0">
+                <a:latin typeface="Calibri" pitchFamily="34" charset="0"/>
+                <a:cs typeface="Arial" pitchFamily="34" charset="0"/>
+              </a:rPr>
+              <a:t>of Animal Cells: A Manual of Basic Technique and Specialized Applications, 6th Edition', </a:t>
+            </a:r>
+            <a:r>
+              <a:rPr lang="en-US" sz="1400" dirty="0">
+                <a:latin typeface="Calibri" pitchFamily="34" charset="0"/>
+                <a:cs typeface="Arial" pitchFamily="34" charset="0"/>
+                <a:hlinkClick r:id="rId4"/>
+              </a:rPr>
+              <a:t>R. Ian </a:t>
+            </a:r>
+            <a:r>
+              <a:rPr lang="en-US" sz="1400" dirty="0" err="1" smtClean="0">
+                <a:latin typeface="Calibri" pitchFamily="34" charset="0"/>
+                <a:cs typeface="Arial" pitchFamily="34" charset="0"/>
+                <a:hlinkClick r:id="rId4"/>
+              </a:rPr>
+              <a:t>Freshney</a:t>
+            </a:r>
+            <a:r>
+              <a:rPr lang="en-US" sz="1400" dirty="0" smtClean="0">
+                <a:latin typeface="Calibri" pitchFamily="34" charset="0"/>
+                <a:cs typeface="Arial" pitchFamily="34" charset="0"/>
+              </a:rPr>
+              <a:t>, 2011</a:t>
+            </a:r>
+            <a:r>
+              <a:rPr lang="en-US" sz="1400" dirty="0">
+                <a:latin typeface="Calibri" pitchFamily="34" charset="0"/>
+                <a:cs typeface="Arial" pitchFamily="34" charset="0"/>
+              </a:rPr>
+              <a:t>, Wiley-Blackwell,  ISBN: 978-0-470-64935-0 </a:t>
+            </a:r>
+            <a:r>
+              <a:rPr lang="en-US" sz="1400" dirty="0">
+                <a:solidFill>
+                  <a:srgbClr val="595959"/>
+                </a:solidFill>
+                <a:latin typeface="Calibri" pitchFamily="34" charset="0"/>
+                <a:cs typeface="Arial" pitchFamily="34" charset="0"/>
+                <a:hlinkClick r:id="rId5"/>
+              </a:rPr>
+              <a:t>http://</a:t>
+            </a:r>
+            <a:r>
+              <a:rPr lang="en-US" sz="1400" dirty="0" smtClean="0">
+                <a:solidFill>
+                  <a:srgbClr val="595959"/>
+                </a:solidFill>
+                <a:latin typeface="Calibri" pitchFamily="34" charset="0"/>
+                <a:cs typeface="Arial" pitchFamily="34" charset="0"/>
+                <a:hlinkClick r:id="rId5"/>
+              </a:rPr>
+              <a:t>www.wiley.com/WileyCDA/WileyTitle/productCd-0470649356.html</a:t>
+            </a:r>
+            <a:endParaRPr lang="en-US" sz="1400" dirty="0">
+              <a:latin typeface="Arial" pitchFamily="34" charset="0"/>
+              <a:cs typeface="Arial" pitchFamily="34" charset="0"/>
+            </a:endParaRPr>
+          </a:p>
+        </p:txBody>
+      </p:sp>
+    </p:spTree>
+    <p:extLst>
+      <p:ext uri="{BB962C8B-B14F-4D97-AF65-F5344CB8AC3E}">
+        <p14:creationId xmlns:p14="http://schemas.microsoft.com/office/powerpoint/2010/main" val="2854950136"/>
+      </p:ext>
+    </p:extLst>
+  </p:cSld>
+  <p:clrMapOvr>
+    <a:masterClrMapping/>
+  </p:clrMapOvr>
+</p:sld>
+</file>
+
+<file path=ppt/slides/slide17.xml><?xml version="1.0" encoding="utf-8"?>
+<p:sld xmlns:a="http://schemas.openxmlformats.org/drawingml/2006/main" xmlns:r="http://schemas.openxmlformats.org/officeDocument/2006/relationships" xmlns:p="http://schemas.openxmlformats.org/presentationml/2006/main">
+  <p:cSld>
+    <p:spTree>
+      <p:nvGrpSpPr>
+        <p:cNvPr id="1" name=""/>
+        <p:cNvGrpSpPr/>
+        <p:nvPr/>
+      </p:nvGrpSpPr>
+      <p:grpSpPr>
+        <a:xfrm>
+          <a:off x="0" y="0"/>
+          <a:ext cx="0" cy="0"/>
+          <a:chOff x="0" y="0"/>
+          <a:chExt cx="0" cy="0"/>
+        </a:xfrm>
+      </p:grpSpPr>
+      <p:pic>
+        <p:nvPicPr>
+          <p:cNvPr id="3074" name="Picture 2"/>
+          <p:cNvPicPr>
+            <a:picLocks noChangeAspect="1" noChangeArrowheads="1"/>
+          </p:cNvPicPr>
+          <p:nvPr/>
+        </p:nvPicPr>
+        <p:blipFill rotWithShape="1">
+          <a:blip r:embed="rId3">
+            <a:extLst>
+              <a:ext uri="{28A0092B-C50C-407E-A947-70E740481C1C}">
+                <a14:useLocalDpi xmlns:a14="http://schemas.microsoft.com/office/drawing/2010/main" val="0"/>
+              </a:ext>
+            </a:extLst>
+          </a:blip>
+          <a:srcRect b="23628"/>
+          <a:stretch/>
+        </p:blipFill>
+        <p:spPr bwMode="auto">
+          <a:xfrm>
+            <a:off x="304800" y="685800"/>
+            <a:ext cx="8534400" cy="5200650"/>
+          </a:xfrm>
+          <a:prstGeom prst="rect">
+            <a:avLst/>
+          </a:prstGeom>
+          <a:noFill/>
+          <a:ln>
+            <a:noFill/>
+          </a:ln>
+          <a:effectLst/>
+          <a:extLst>
+            <a:ext uri="{909E8E84-426E-40DD-AFC4-6F175D3DCCD1}">
+              <a14:hiddenFill xmlns:a14="http://schemas.microsoft.com/office/drawing/2010/main">
+                <a:solidFill>
+                  <a:schemeClr val="accent1"/>
+                </a:solidFill>
+              </a14:hiddenFill>
+            </a:ext>
+            <a:ext uri="{91240B29-F687-4F45-9708-019B960494DF}">
+              <a14:hiddenLine xmlns:a14="http://schemas.microsoft.com/office/drawing/2010/main" w="9525">
+                <a:solidFill>
+                  <a:schemeClr val="tx1"/>
+                </a:solidFill>
+                <a:miter lim="800000"/>
+                <a:headEnd/>
+                <a:tailEnd/>
+              </a14:hiddenLine>
+            </a:ext>
+            <a:ext uri="{AF507438-7753-43E0-B8FC-AC1667EBCBE1}">
+              <a14:hiddenEffects xmlns:a14="http://schemas.microsoft.com/office/drawing/2010/main">
+                <a:effectLst>
+                  <a:outerShdw dist="35921" dir="2700000" algn="ctr" rotWithShape="0">
+                    <a:schemeClr val="bg2"/>
+                  </a:outerShdw>
+                </a:effectLst>
+              </a14:hiddenEffects>
+            </a:ext>
+          </a:extLst>
+        </p:spPr>
+      </p:pic>
+      <p:sp>
+        <p:nvSpPr>
+          <p:cNvPr id="3" name="Rectangle 2"/>
+          <p:cNvSpPr/>
+          <p:nvPr/>
+        </p:nvSpPr>
+        <p:spPr>
+          <a:xfrm>
+            <a:off x="3267075" y="3009900"/>
+            <a:ext cx="2457450" cy="190500"/>
+          </a:xfrm>
+          <a:prstGeom prst="rect">
+            <a:avLst/>
+          </a:prstGeom>
+          <a:solidFill>
+            <a:srgbClr val="FFFF00">
+              <a:alpha val="27000"/>
+            </a:srgbClr>
+          </a:solidFill>
+          <a:ln>
+            <a:noFill/>
+          </a:ln>
+        </p:spPr>
+        <p:style>
+          <a:lnRef idx="2">
+            <a:schemeClr val="accent1">
+              <a:shade val="50000"/>
+            </a:schemeClr>
+          </a:lnRef>
+          <a:fillRef idx="1">
+            <a:schemeClr val="accent1"/>
+          </a:fillRef>
+          <a:effectRef idx="0">
+            <a:schemeClr val="accent1"/>
+          </a:effectRef>
+          <a:fontRef idx="minor">
+            <a:schemeClr val="lt1"/>
+          </a:fontRef>
+        </p:style>
+        <p:txBody>
+          <a:bodyPr rtlCol="0" anchor="ctr"/>
+          <a:lstStyle/>
+          <a:p>
+            <a:pPr algn="ctr"/>
+            <a:endParaRPr lang="en-US"/>
+          </a:p>
+        </p:txBody>
+      </p:sp>
+      <p:sp>
+        <p:nvSpPr>
+          <p:cNvPr id="4" name="Rectangle 3"/>
+          <p:cNvSpPr/>
+          <p:nvPr/>
+        </p:nvSpPr>
+        <p:spPr>
+          <a:xfrm>
+            <a:off x="3276600" y="3238500"/>
+            <a:ext cx="2457450" cy="190500"/>
+          </a:xfrm>
+          <a:prstGeom prst="rect">
+            <a:avLst/>
+          </a:prstGeom>
+          <a:solidFill>
+            <a:srgbClr val="FFFF00">
+              <a:alpha val="27000"/>
+            </a:srgbClr>
+          </a:solidFill>
+          <a:ln>
+            <a:noFill/>
+          </a:ln>
+        </p:spPr>
+        <p:style>
+          <a:lnRef idx="2">
+            <a:schemeClr val="accent1">
+              <a:shade val="50000"/>
+            </a:schemeClr>
+          </a:lnRef>
+          <a:fillRef idx="1">
+            <a:schemeClr val="accent1"/>
+          </a:fillRef>
+          <a:effectRef idx="0">
+            <a:schemeClr val="accent1"/>
+          </a:effectRef>
+          <a:fontRef idx="minor">
+            <a:schemeClr val="lt1"/>
+          </a:fontRef>
+        </p:style>
+        <p:txBody>
+          <a:bodyPr rtlCol="0" anchor="ctr"/>
+          <a:lstStyle/>
+          <a:p>
+            <a:pPr algn="ctr"/>
+            <a:endParaRPr lang="en-US"/>
+          </a:p>
+        </p:txBody>
+      </p:sp>
+      <p:sp>
+        <p:nvSpPr>
+          <p:cNvPr id="5" name="Rectangle 4"/>
+          <p:cNvSpPr/>
+          <p:nvPr/>
+        </p:nvSpPr>
+        <p:spPr>
+          <a:xfrm>
+            <a:off x="3286125" y="3429000"/>
+            <a:ext cx="295275" cy="190500"/>
+          </a:xfrm>
+          <a:prstGeom prst="rect">
+            <a:avLst/>
+          </a:prstGeom>
+          <a:solidFill>
+            <a:srgbClr val="FFFF00">
+              <a:alpha val="27000"/>
+            </a:srgbClr>
+          </a:solidFill>
+          <a:ln>
+            <a:noFill/>
+          </a:ln>
+        </p:spPr>
+        <p:style>
+          <a:lnRef idx="2">
+            <a:schemeClr val="accent1">
+              <a:shade val="50000"/>
+            </a:schemeClr>
+          </a:lnRef>
+          <a:fillRef idx="1">
+            <a:schemeClr val="accent1"/>
+          </a:fillRef>
+          <a:effectRef idx="0">
+            <a:schemeClr val="accent1"/>
+          </a:effectRef>
+          <a:fontRef idx="minor">
+            <a:schemeClr val="lt1"/>
+          </a:fontRef>
+        </p:style>
+        <p:txBody>
+          <a:bodyPr rtlCol="0" anchor="ctr"/>
+          <a:lstStyle/>
+          <a:p>
+            <a:pPr algn="ctr"/>
+            <a:endParaRPr lang="en-US"/>
+          </a:p>
+        </p:txBody>
+      </p:sp>
+      <p:sp>
+        <p:nvSpPr>
+          <p:cNvPr id="2" name="Rectangle 1"/>
+          <p:cNvSpPr/>
+          <p:nvPr/>
+        </p:nvSpPr>
+        <p:spPr>
+          <a:xfrm>
+            <a:off x="762000" y="6195536"/>
+            <a:ext cx="7772400" cy="523220"/>
+          </a:xfrm>
+          <a:prstGeom prst="rect">
+            <a:avLst/>
+          </a:prstGeom>
+        </p:spPr>
+        <p:txBody>
+          <a:bodyPr wrap="square">
+            <a:spAutoFit/>
+          </a:bodyPr>
+          <a:lstStyle/>
+          <a:p>
+            <a:pPr>
+              <a:defRPr/>
+            </a:pPr>
+            <a:r>
+              <a:rPr lang="en-US" sz="1400" dirty="0" smtClean="0"/>
+              <a:t>Invitrogen Cell Culture Handbook:  </a:t>
+            </a:r>
+            <a:r>
+              <a:rPr lang="en-US" sz="1400" dirty="0">
+                <a:hlinkClick r:id="rId4"/>
+              </a:rPr>
+              <a:t>http://</a:t>
+            </a:r>
+            <a:r>
+              <a:rPr lang="en-US" sz="1400" dirty="0" smtClean="0">
+                <a:hlinkClick r:id="rId4"/>
+              </a:rPr>
+              <a:t>www.invitrogen.com/site/us/en/home/References/gibco-cell-culture-basics/introduction-to-cell-culture.html</a:t>
+            </a:r>
+            <a:endParaRPr lang="en-US" sz="1400" dirty="0"/>
+          </a:p>
+        </p:txBody>
+      </p:sp>
+    </p:spTree>
+    <p:extLst>
+      <p:ext uri="{BB962C8B-B14F-4D97-AF65-F5344CB8AC3E}">
+        <p14:creationId xmlns:p14="http://schemas.microsoft.com/office/powerpoint/2010/main" val="2663939817"/>
       </p:ext>
     </p:extLst>
   </p:cSld>
@@ -5579,7 +7486,7 @@
     </p:spTree>
     <p:extLst>
       <p:ext uri="{BB962C8B-B14F-4D97-AF65-F5344CB8AC3E}">
-        <p14:creationId xmlns:p14="http://schemas.microsoft.com/office/powerpoint/2010/main" val="2453293548"/>
+        <p14:creationId xmlns:p14="http://schemas.microsoft.com/office/powerpoint/2010/main" val="2162746408"/>
       </p:ext>
     </p:extLst>
   </p:cSld>
@@ -5629,7 +7536,7 @@
         </p:blipFill>
         <p:spPr bwMode="auto">
           <a:xfrm>
-            <a:off x="76200" y="1219200"/>
+            <a:off x="76200" y="1559362"/>
             <a:ext cx="8929110" cy="1779816"/>
           </a:xfrm>
           <a:prstGeom prst="rect">
@@ -5655,8 +7562,8 @@
         </p:nvSpPr>
         <p:spPr>
           <a:xfrm>
-            <a:off x="152400" y="3870960"/>
-            <a:ext cx="8915400" cy="2862322"/>
+            <a:off x="0" y="4114800"/>
+            <a:ext cx="9144000" cy="2646878"/>
           </a:xfrm>
           <a:prstGeom prst="rect">
             <a:avLst/>
@@ -5669,72 +7576,99 @@
           </a:bodyPr>
           <a:lstStyle/>
           <a:p>
+            <a:endParaRPr lang="en-US" sz="400" dirty="0" smtClean="0"/>
+          </a:p>
+          <a:p>
+            <a:r>
+              <a:rPr lang="en-US" dirty="0" smtClean="0"/>
+              <a:t>‘</a:t>
+            </a:r>
+            <a:r>
+              <a:rPr lang="en-US" b="1" dirty="0" smtClean="0"/>
+              <a:t>cell culture’ </a:t>
+            </a:r>
+            <a:r>
+              <a:rPr lang="en-US" dirty="0" smtClean="0"/>
+              <a:t>refers to a </a:t>
+            </a:r>
             <a:r>
               <a:rPr lang="en-US" dirty="0"/>
-              <a:t>A</a:t>
+              <a:t>collection of cultured cells deriving from single biological source that includes any passages of cells subsequent to its initial establishment (up to a point where the culture is modified in such a way as to establish a new cell culture or line</a:t>
             </a:r>
             <a:r>
               <a:rPr lang="en-US" dirty="0" smtClean="0"/>
+              <a:t>)</a:t>
+            </a:r>
+          </a:p>
+          <a:p>
+            <a:endParaRPr lang="en-US" sz="900" dirty="0" smtClean="0"/>
+          </a:p>
+          <a:p>
+            <a:r>
+              <a:rPr lang="en-US" b="1" dirty="0" smtClean="0"/>
+              <a:t>‘primary </a:t>
+            </a:r>
+            <a:r>
+              <a:rPr lang="en-US" b="1" dirty="0" smtClean="0"/>
+              <a:t>cell </a:t>
+            </a:r>
+            <a:r>
+              <a:rPr lang="en-US" b="1" dirty="0" smtClean="0"/>
+              <a:t>culture’ </a:t>
+            </a:r>
+            <a:r>
+              <a:rPr lang="en-US" dirty="0" smtClean="0"/>
+              <a:t>refers to a </a:t>
+            </a:r>
+            <a:r>
+              <a:rPr lang="en-US" dirty="0" smtClean="0"/>
+              <a:t>cell culture</a:t>
+            </a:r>
+            <a:r>
+              <a:rPr lang="en-US" i="1" dirty="0" smtClean="0"/>
               <a:t> </a:t>
             </a:r>
             <a:r>
+              <a:rPr lang="en-US" dirty="0" smtClean="0"/>
+              <a:t>established </a:t>
+            </a:r>
+            <a:r>
+              <a:rPr lang="en-US" dirty="0" smtClean="0"/>
+              <a:t>directly from a fresh tissue source, which has not been passaged to become a cell </a:t>
+            </a:r>
+            <a:r>
+              <a:rPr lang="en-US" dirty="0" smtClean="0"/>
+              <a:t>line</a:t>
+            </a:r>
+            <a:endParaRPr lang="en-US" dirty="0"/>
+          </a:p>
+          <a:p>
+            <a:endParaRPr lang="en-US" sz="900" dirty="0" smtClean="0"/>
+          </a:p>
+          <a:p>
+            <a:r>
+              <a:rPr lang="en-US" dirty="0" smtClean="0"/>
+              <a:t>‘</a:t>
+            </a:r>
+            <a:r>
               <a:rPr lang="en-US" b="1" dirty="0" smtClean="0"/>
-              <a:t>cell culture </a:t>
+              <a:t>cell line’ </a:t>
             </a:r>
             <a:r>
               <a:rPr lang="en-US" dirty="0" smtClean="0"/>
-              <a:t>is </a:t>
+              <a:t>refers to a </a:t>
+            </a:r>
+            <a:r>
+              <a:rPr lang="en-US" i="1" dirty="0" smtClean="0"/>
+              <a:t>lineage</a:t>
             </a:r>
             <a:r>
               <a:rPr lang="en-US" dirty="0" smtClean="0"/>
-              <a:t>a </a:t>
-            </a:r>
-            <a:r>
-              <a:rPr lang="en-US" i="1" u="sng" dirty="0" smtClean="0"/>
-              <a:t>lineage</a:t>
+              <a:t> of cells </a:t>
             </a:r>
             <a:r>
               <a:rPr lang="en-US" dirty="0" smtClean="0"/>
-              <a:t> of cultured cells tracing back to a single source that includes ALL passages of cells subsequent to the establishment of a cell culture (up to a point where the culture is modified in such a way as to establish a new cell culture or line)</a:t>
-            </a:r>
-          </a:p>
-          <a:p>
-            <a:endParaRPr lang="en-US" dirty="0" smtClean="0"/>
-          </a:p>
-          <a:p>
-            <a:r>
-              <a:rPr lang="en-US" dirty="0" smtClean="0"/>
-              <a:t>A </a:t>
-            </a:r>
-            <a:r>
-              <a:rPr lang="en-US" b="1" dirty="0" smtClean="0"/>
-              <a:t>primary cell culture </a:t>
-            </a:r>
-            <a:r>
-              <a:rPr lang="en-US" dirty="0" smtClean="0"/>
-              <a:t>is a cell culture established directly from a fresh tissue source, which has not been passaged to become a cell </a:t>
-            </a:r>
-            <a:endParaRPr lang="en-US" dirty="0"/>
-          </a:p>
-          <a:p>
-            <a:endParaRPr lang="en-US" dirty="0" smtClean="0"/>
-          </a:p>
-          <a:p>
-            <a:r>
-              <a:rPr lang="en-US" dirty="0"/>
-              <a:t>A</a:t>
-            </a:r>
-            <a:r>
-              <a:rPr lang="en-US" dirty="0" smtClean="0"/>
-              <a:t> </a:t>
-            </a:r>
-            <a:r>
-              <a:rPr lang="en-US" b="1" dirty="0" smtClean="0"/>
-              <a:t>cell line </a:t>
-            </a:r>
-            <a:r>
-              <a:rPr lang="en-US" dirty="0" smtClean="0"/>
-              <a:t>is a cell culture that has been passaged into a more homogenous/stable line</a:t>
+              <a:t>that has been passaged into a more homogenous/stable line</a:t>
             </a:r>
           </a:p>
           <a:p>
@@ -5744,7 +7678,23 @@
             </a:pPr>
             <a:r>
               <a:rPr lang="en-US" dirty="0" smtClean="0"/>
-              <a:t> there is only one instance of each line above (e.g. MEF-1b, MEF-1c, MEF-1c-shh)</a:t>
+              <a:t> there is only one instance of each </a:t>
+            </a:r>
+            <a:r>
+              <a:rPr lang="en-US" dirty="0" smtClean="0"/>
+              <a:t>culture/line </a:t>
+            </a:r>
+            <a:r>
+              <a:rPr lang="en-US" dirty="0" smtClean="0"/>
+              <a:t>above </a:t>
+            </a:r>
+            <a:r>
+              <a:rPr lang="en-US" dirty="0" smtClean="0"/>
+              <a:t>(MEF-1b</a:t>
+            </a:r>
+            <a:r>
+              <a:rPr lang="en-US" dirty="0" smtClean="0"/>
+              <a:t>, MEF-1c, MEF-1c-shh)</a:t>
             </a:r>
           </a:p>
           <a:p>
@@ -5768,7 +7718,7 @@
         </p:nvSpPr>
         <p:spPr>
           <a:xfrm>
-            <a:off x="1260567" y="838200"/>
+            <a:off x="1260567" y="1178362"/>
             <a:ext cx="6571030" cy="369332"/>
           </a:xfrm>
           <a:prstGeom prst="rect">
@@ -5843,7 +7793,7 @@
         </p:blipFill>
         <p:spPr bwMode="auto">
           <a:xfrm>
-            <a:off x="277090" y="2407574"/>
+            <a:off x="277090" y="2747736"/>
             <a:ext cx="2933701" cy="1200151"/>
           </a:xfrm>
           <a:prstGeom prst="rect">
@@ -5866,10 +7816,154 @@
           </a:extLst>
         </p:spPr>
       </p:pic>
+      <p:sp>
+        <p:nvSpPr>
+          <p:cNvPr id="2" name="Rectangle 1"/>
+          <p:cNvSpPr/>
+          <p:nvPr/>
+        </p:nvSpPr>
+        <p:spPr>
+          <a:xfrm>
+            <a:off x="14509" y="756178"/>
+            <a:ext cx="9245603" cy="400110"/>
+          </a:xfrm>
+          <a:prstGeom prst="rect">
+            <a:avLst/>
+          </a:prstGeom>
+        </p:spPr>
+        <p:txBody>
+          <a:bodyPr wrap="square">
+            <a:spAutoFit/>
+          </a:bodyPr>
+          <a:lstStyle/>
+          <a:p>
+            <a:pPr marL="0" lvl="1">
+              <a:defRPr/>
+            </a:pPr>
+            <a:r>
+              <a:rPr lang="en-US" sz="2000" b="1" u="sng" dirty="0">
+                <a:solidFill>
+                  <a:srgbClr val="C00000"/>
+                </a:solidFill>
+                <a:effectLst>
+                  <a:outerShdw blurRad="38100" dist="38100" dir="2700000" algn="tl">
+                    <a:srgbClr val="000000">
+                      <a:alpha val="43137"/>
+                    </a:srgbClr>
+                  </a:outerShdw>
+                </a:effectLst>
+              </a:rPr>
+              <a:t>Origination</a:t>
+            </a:r>
+            <a:r>
+              <a:rPr lang="en-US" sz="2000" b="1" dirty="0">
+                <a:solidFill>
+                  <a:srgbClr val="C00000"/>
+                </a:solidFill>
+                <a:effectLst>
+                  <a:outerShdw blurRad="38100" dist="38100" dir="2700000" algn="tl">
+                    <a:srgbClr val="000000">
+                      <a:alpha val="43137"/>
+                    </a:srgbClr>
+                  </a:outerShdw>
+                </a:effectLst>
+              </a:rPr>
+              <a:t> and </a:t>
+            </a:r>
+            <a:r>
+              <a:rPr lang="en-US" sz="2000" b="1" u="sng" dirty="0">
+                <a:solidFill>
+                  <a:srgbClr val="C00000"/>
+                </a:solidFill>
+                <a:effectLst>
+                  <a:outerShdw blurRad="38100" dist="38100" dir="2700000" algn="tl">
+                    <a:srgbClr val="000000">
+                      <a:alpha val="43137"/>
+                    </a:srgbClr>
+                  </a:outerShdw>
+                </a:effectLst>
+              </a:rPr>
+              <a:t>chains of derivation </a:t>
+            </a:r>
+            <a:r>
+              <a:rPr lang="en-US" sz="2000" b="1" dirty="0">
+                <a:solidFill>
+                  <a:srgbClr val="C00000"/>
+                </a:solidFill>
+                <a:effectLst>
+                  <a:outerShdw blurRad="38100" dist="38100" dir="2700000" algn="tl">
+                    <a:srgbClr val="000000">
+                      <a:alpha val="43137"/>
+                    </a:srgbClr>
+                  </a:outerShdw>
+                </a:effectLst>
+              </a:rPr>
+              <a:t>are </a:t>
+            </a:r>
+            <a:r>
+              <a:rPr lang="en-US" sz="2000" b="1" dirty="0" smtClean="0">
+                <a:solidFill>
+                  <a:srgbClr val="C00000"/>
+                </a:solidFill>
+                <a:effectLst>
+                  <a:outerShdw blurRad="38100" dist="38100" dir="2700000" algn="tl">
+                    <a:srgbClr val="000000">
+                      <a:alpha val="43137"/>
+                    </a:srgbClr>
+                  </a:outerShdw>
+                </a:effectLst>
+              </a:rPr>
+              <a:t>key for </a:t>
+            </a:r>
+            <a:r>
+              <a:rPr lang="en-US" sz="2000" b="1" dirty="0">
+                <a:solidFill>
+                  <a:srgbClr val="C00000"/>
+                </a:solidFill>
+                <a:effectLst>
+                  <a:outerShdw blurRad="38100" dist="38100" dir="2700000" algn="tl">
+                    <a:srgbClr val="000000">
+                      <a:alpha val="43137"/>
+                    </a:srgbClr>
+                  </a:outerShdw>
+                </a:effectLst>
+              </a:rPr>
+              <a:t>distinguishing </a:t>
+            </a:r>
+            <a:r>
+              <a:rPr lang="en-US" sz="2000" b="1" dirty="0" smtClean="0">
+                <a:solidFill>
+                  <a:srgbClr val="C00000"/>
+                </a:solidFill>
+                <a:effectLst>
+                  <a:outerShdw blurRad="38100" dist="38100" dir="2700000" algn="tl">
+                    <a:srgbClr val="000000">
+                      <a:alpha val="43137"/>
+                    </a:srgbClr>
+                  </a:outerShdw>
+                </a:effectLst>
+              </a:rPr>
+              <a:t> fundamental concepts</a:t>
+            </a:r>
+            <a:endParaRPr lang="en-US" sz="2000" b="1" dirty="0">
+              <a:solidFill>
+                <a:srgbClr val="C00000"/>
+              </a:solidFill>
+              <a:effectLst>
+                <a:outerShdw blurRad="38100" dist="38100" dir="2700000" algn="tl">
+                  <a:srgbClr val="000000">
+                    <a:alpha val="43137"/>
+                  </a:srgbClr>
+                </a:outerShdw>
+              </a:effectLst>
+            </a:endParaRPr>
+          </a:p>
+        </p:txBody>
+      </p:sp>
     </p:spTree>
     <p:extLst>
       <p:ext uri="{BB962C8B-B14F-4D97-AF65-F5344CB8AC3E}">
-        <p14:creationId xmlns:p14="http://schemas.microsoft.com/office/powerpoint/2010/main" val="3121200448"/>
+        <p14:creationId xmlns:p14="http://schemas.microsoft.com/office/powerpoint/2010/main" val="1044508432"/>
       </p:ext>
     </p:extLst>
   </p:cSld>
@@ -5919,7 +8013,7 @@
         </p:blipFill>
         <p:spPr bwMode="auto">
           <a:xfrm>
-            <a:off x="396240" y="1142999"/>
+            <a:off x="396240" y="1810655"/>
             <a:ext cx="8641381" cy="2773681"/>
           </a:xfrm>
           <a:prstGeom prst="rect">
@@ -5945,8 +8039,8 @@
         </p:nvSpPr>
         <p:spPr>
           <a:xfrm>
-            <a:off x="215900" y="4168676"/>
-            <a:ext cx="8775700" cy="2308324"/>
+            <a:off x="215900" y="4638212"/>
+            <a:ext cx="8775700" cy="2123658"/>
           </a:xfrm>
           <a:prstGeom prst="rect">
             <a:avLst/>
@@ -5977,7 +8071,7 @@
           </a:p>
           <a:p>
             <a:pPr marL="0" lvl="1"/>
-            <a:endParaRPr lang="en-US" dirty="0"/>
+            <a:endParaRPr lang="en-US" sz="600" dirty="0"/>
           </a:p>
           <a:p>
             <a:pPr marL="0" lvl="1"/>
@@ -5997,7 +8091,7 @@
         </p:nvSpPr>
         <p:spPr>
           <a:xfrm>
-            <a:off x="1203134" y="838200"/>
+            <a:off x="1203134" y="1505856"/>
             <a:ext cx="6518131" cy="369332"/>
           </a:xfrm>
           <a:prstGeom prst="rect">
@@ -6027,7 +8121,7 @@
         </p:nvGrpSpPr>
         <p:grpSpPr>
           <a:xfrm>
-            <a:off x="60960" y="2346415"/>
+            <a:off x="60960" y="3014071"/>
             <a:ext cx="2987040" cy="1238557"/>
             <a:chOff x="60960" y="2784803"/>
             <a:chExt cx="2987040" cy="1238557"/>
@@ -6209,10 +8303,113 @@
           </a:p>
         </p:txBody>
       </p:sp>
+      <p:sp>
+        <p:nvSpPr>
+          <p:cNvPr id="6" name="Rectangle 5"/>
+          <p:cNvSpPr/>
+          <p:nvPr/>
+        </p:nvSpPr>
+        <p:spPr>
+          <a:xfrm>
+            <a:off x="210456" y="754297"/>
+            <a:ext cx="8775700" cy="800219"/>
+          </a:xfrm>
+          <a:prstGeom prst="rect">
+            <a:avLst/>
+          </a:prstGeom>
+        </p:spPr>
+        <p:txBody>
+          <a:bodyPr wrap="square">
+            <a:spAutoFit/>
+          </a:bodyPr>
+          <a:lstStyle/>
+          <a:p>
+            <a:pPr algn="ctr"/>
+            <a:r>
+              <a:rPr lang="en-US" sz="2000" b="1" dirty="0">
+                <a:solidFill>
+                  <a:srgbClr val="C00000"/>
+                </a:solidFill>
+                <a:effectLst>
+                  <a:outerShdw blurRad="38100" dist="38100" dir="2700000" algn="tl">
+                    <a:srgbClr val="000000">
+                      <a:alpha val="43137"/>
+                    </a:srgbClr>
+                  </a:outerShdw>
+                </a:effectLst>
+              </a:rPr>
+              <a:t>Cells enter the picture as parts of cell cultures and </a:t>
+            </a:r>
+            <a:r>
+              <a:rPr lang="en-US" sz="2000" b="1" dirty="0" smtClean="0">
+                <a:solidFill>
+                  <a:srgbClr val="C00000"/>
+                </a:solidFill>
+                <a:effectLst>
+                  <a:outerShdw blurRad="38100" dist="38100" dir="2700000" algn="tl">
+                    <a:srgbClr val="000000">
+                      <a:alpha val="43137"/>
+                    </a:srgbClr>
+                  </a:outerShdw>
+                </a:effectLst>
+              </a:rPr>
+              <a:t>lines.</a:t>
+            </a:r>
+          </a:p>
+          <a:p>
+            <a:pPr algn="ctr"/>
+            <a:endParaRPr lang="en-US" sz="600" b="1" dirty="0" smtClean="0">
+              <a:solidFill>
+                <a:srgbClr val="C00000"/>
+              </a:solidFill>
+              <a:effectLst>
+                <a:outerShdw blurRad="38100" dist="38100" dir="2700000" algn="tl">
+                  <a:srgbClr val="000000">
+                    <a:alpha val="43137"/>
+                  </a:srgbClr>
+                </a:outerShdw>
+              </a:effectLst>
+            </a:endParaRPr>
+          </a:p>
+          <a:p>
+            <a:pPr algn="ctr"/>
+            <a:r>
+              <a:rPr lang="en-US" sz="2000" b="1" dirty="0" smtClean="0">
+                <a:solidFill>
+                  <a:srgbClr val="C00000"/>
+                </a:solidFill>
+                <a:effectLst>
+                  <a:outerShdw blurRad="38100" dist="38100" dir="2700000" algn="tl">
+                    <a:srgbClr val="000000">
+                      <a:alpha val="43137"/>
+                    </a:srgbClr>
+                  </a:outerShdw>
+                </a:effectLst>
+              </a:rPr>
+              <a:t>Trivially</a:t>
+            </a:r>
+            <a:r>
+              <a:rPr lang="en-US" sz="2000" b="1" dirty="0">
+                <a:solidFill>
+                  <a:srgbClr val="C00000"/>
+                </a:solidFill>
+                <a:effectLst>
+                  <a:outerShdw blurRad="38100" dist="38100" dir="2700000" algn="tl">
+                    <a:srgbClr val="000000">
+                      <a:alpha val="43137"/>
+                    </a:srgbClr>
+                  </a:outerShdw>
+                </a:effectLst>
+              </a:rPr>
+              <a:t>, cells are inputs/outputs of the same processes as their collections.</a:t>
+            </a:r>
+          </a:p>
+        </p:txBody>
+      </p:sp>
     </p:spTree>
     <p:extLst>
       <p:ext uri="{BB962C8B-B14F-4D97-AF65-F5344CB8AC3E}">
-        <p14:creationId xmlns:p14="http://schemas.microsoft.com/office/powerpoint/2010/main" val="1171937045"/>
+        <p14:creationId xmlns:p14="http://schemas.microsoft.com/office/powerpoint/2010/main" val="3027254374"/>
       </p:ext>
     </p:extLst>
   </p:cSld>
@@ -6308,7 +8505,7 @@
     </p:spTree>
     <p:extLst>
       <p:ext uri="{BB962C8B-B14F-4D97-AF65-F5344CB8AC3E}">
-        <p14:creationId xmlns:p14="http://schemas.microsoft.com/office/powerpoint/2010/main" val="1235269354"/>
+        <p14:creationId xmlns:p14="http://schemas.microsoft.com/office/powerpoint/2010/main" val="3825783781"/>
       </p:ext>
     </p:extLst>
   </p:cSld>
@@ -6383,11 +8580,7 @@
             </a:pPr>
             <a:r>
               <a:rPr lang="en-US" sz="2400" dirty="0" smtClean="0"/>
-              <a:t>W</a:t>
-            </a:r>
-            <a:r>
-              <a:rPr lang="en-US" sz="2400" dirty="0" smtClean="0"/>
-              <a:t>hen does a primary culture become a cell line?</a:t>
+              <a:t>When does a primary culture become a cell line?</a:t>
             </a:r>
           </a:p>
           <a:p>
@@ -6509,7 +8702,7 @@
     </p:spTree>
     <p:extLst>
       <p:ext uri="{BB962C8B-B14F-4D97-AF65-F5344CB8AC3E}">
-        <p14:creationId xmlns:p14="http://schemas.microsoft.com/office/powerpoint/2010/main" val="3190713384"/>
+        <p14:creationId xmlns:p14="http://schemas.microsoft.com/office/powerpoint/2010/main" val="2481958944"/>
       </p:ext>
     </p:extLst>
   </p:cSld>
@@ -6560,11 +8753,7 @@
             <a:pPr fontAlgn="ctr"/>
             <a:r>
               <a:rPr lang="en-US" sz="3200" dirty="0" smtClean="0"/>
-              <a:t>2. </a:t>
-            </a:r>
-            <a:r>
-              <a:rPr lang="en-US" sz="3200" dirty="0" smtClean="0"/>
-              <a:t>Can a single founding cell qualify as a cell culture or line?</a:t>
+              <a:t>2. Can a single founding cell qualify as a cell culture or line?</a:t>
             </a:r>
           </a:p>
           <a:p>
@@ -6574,11 +8763,7 @@
             </a:pPr>
             <a:r>
               <a:rPr lang="en-US" sz="2400" dirty="0" smtClean="0"/>
-              <a:t>If yes</a:t>
-            </a:r>
-            <a:r>
-              <a:rPr lang="en-US" sz="2400" dirty="0" smtClean="0"/>
-              <a:t>, this single cell, once cultured, </a:t>
+              <a:t>If yes, this single cell, once cultured, </a:t>
             </a:r>
             <a:r>
               <a:rPr lang="en-US" sz="2400" dirty="0"/>
@@ -6607,21 +8792,8 @@
             <a:pPr marL="168275" algn="ctr" fontAlgn="ctr"/>
             <a:r>
               <a:rPr lang="en-US" sz="2800" dirty="0" smtClean="0"/>
-              <a:t>Emerging consensus is yes. Consequences of this include assertion of ‘cell culture’ and ‘cell line’ as material entities (vs object aggregates), and their single cell parts </a:t>
-            </a:r>
-            <a:r>
-              <a:rPr lang="en-US" sz="2800" dirty="0" smtClean="0"/>
-              <a:t>being </a:t>
-            </a:r>
-            <a:r>
-              <a:rPr lang="en-US" sz="2800" dirty="0" smtClean="0"/>
-              <a:t>defined using ‘has grain</a:t>
-            </a:r>
-            <a:r>
-              <a:rPr lang="en-US" sz="2800" dirty="0" smtClean="0"/>
-              <a:t>’ rather than ‘has member’</a:t>
-            </a:r>
-            <a:endParaRPr lang="en-US" sz="2800" dirty="0" smtClean="0"/>
+              <a:t>Emerging consensus is yes. Consequences of this include assertion of ‘cell culture’ and ‘cell line’ as material entities (vs object aggregates), and their single cell parts being defined using ‘has grain’ rather than ‘has member’</a:t>
+            </a:r>
           </a:p>
           <a:p>
             <a:pPr marL="168275" fontAlgn="ctr"/>
@@ -6698,7 +8870,7 @@
     </p:spTree>
     <p:extLst>
       <p:ext uri="{BB962C8B-B14F-4D97-AF65-F5344CB8AC3E}">
-        <p14:creationId xmlns:p14="http://schemas.microsoft.com/office/powerpoint/2010/main" val="3266655919"/>
+        <p14:creationId xmlns:p14="http://schemas.microsoft.com/office/powerpoint/2010/main" val="1619955122"/>
       </p:ext>
     </p:extLst>
   </p:cSld>
@@ -6829,7 +9001,15 @@
             </a:pPr>
             <a:r>
               <a:rPr lang="en-US" sz="2000" dirty="0" smtClean="0"/>
-              <a:t>review for implementation in CLO (requirements met?)</a:t>
+              <a:t>review for implementation in </a:t>
+            </a:r>
+            <a:r>
+              <a:rPr lang="en-US" sz="2000" dirty="0" smtClean="0"/>
+              <a:t> CL or CLO (CLO requirements </a:t>
+            </a:r>
+            <a:r>
+              <a:rPr lang="en-US" sz="2000" dirty="0" smtClean="0"/>
+              <a:t>met?)</a:t>
             </a:r>
           </a:p>
           <a:p>
@@ -6886,8 +9066,9 @@
             </a:pPr>
             <a:r>
               <a:rPr lang="en-US" sz="2000" dirty="0" smtClean="0"/>
-              <a:t>review for keeping in OBI</a:t>
-            </a:r>
+              <a:t>to live in OBI</a:t>
+            </a:r>
+            <a:endParaRPr lang="en-US" sz="2000" dirty="0" smtClean="0"/>
           </a:p>
           <a:p>
             <a:pPr marL="1089025" lvl="2" indent="-220663">
@@ -6910,11 +9091,7 @@
             </a:pPr>
             <a:r>
               <a:rPr lang="en-US" sz="2400" dirty="0" smtClean="0"/>
-              <a:t>3.  A</a:t>
-            </a:r>
-            <a:r>
-              <a:rPr lang="en-US" sz="2400" dirty="0" smtClean="0"/>
-              <a:t> </a:t>
+              <a:t>3.  A </a:t>
             </a:r>
             <a:r>
               <a:rPr lang="en-US" sz="2400" u="sng" dirty="0" smtClean="0"/>
@@ -6942,7 +9119,15 @@
             </a:r>
             <a:r>
               <a:rPr lang="en-US" sz="2000" dirty="0" smtClean="0"/>
-              <a:t>lso to be live in OBI</a:t>
+              <a:t>lso to </a:t>
+            </a:r>
+            <a:r>
+              <a:rPr lang="en-US" sz="2000" dirty="0" smtClean="0"/>
+              <a:t>live </a:t>
+            </a:r>
+            <a:r>
+              <a:rPr lang="en-US" sz="2000" dirty="0" smtClean="0"/>
+              <a:t>in OBI</a:t>
             </a:r>
           </a:p>
         </p:txBody>
@@ -7073,7 +9258,7 @@
     </p:spTree>
     <p:extLst>
       <p:ext uri="{BB962C8B-B14F-4D97-AF65-F5344CB8AC3E}">
-        <p14:creationId xmlns:p14="http://schemas.microsoft.com/office/powerpoint/2010/main" val="4115854633"/>
+        <p14:creationId xmlns:p14="http://schemas.microsoft.com/office/powerpoint/2010/main" val="2022556729"/>
       </p:ext>
     </p:extLst>
   </p:cSld>
@@ -7102,14 +9287,14 @@
       </p:grpSpPr>
       <p:sp>
         <p:nvSpPr>
-          <p:cNvPr id="2" name="TextBox 1"/>
+          <p:cNvPr id="3" name="TextBox 2"/>
           <p:cNvSpPr txBox="1"/>
           <p:nvPr/>
         </p:nvSpPr>
         <p:spPr>
           <a:xfrm>
-            <a:off x="137159" y="3962400"/>
-            <a:ext cx="8900591" cy="2693045"/>
+            <a:off x="1371600" y="175531"/>
+            <a:ext cx="6317755" cy="646331"/>
           </a:xfrm>
           <a:prstGeom prst="rect">
             <a:avLst/>
@@ -7117,97 +9302,16 @@
           <a:noFill/>
         </p:spPr>
         <p:txBody>
-          <a:bodyPr wrap="square" rtlCol="0">
+          <a:bodyPr wrap="none" rtlCol="0">
             <a:spAutoFit/>
           </a:bodyPr>
           <a:lstStyle/>
           <a:p>
             <a:r>
-              <a:rPr lang="en-US" sz="2400" b="1" dirty="0"/>
-              <a:t>D</a:t>
-            </a:r>
-            <a:r>
-              <a:rPr lang="en-US" sz="2400" b="1" dirty="0" smtClean="0"/>
-              <a:t>efinitional criteria clearly demarcate a useful collection of cells in a sample</a:t>
-            </a:r>
-            <a:r>
-              <a:rPr lang="en-US" sz="2400" b="1" dirty="0"/>
-              <a:t>, </a:t>
-            </a:r>
-            <a:r>
-              <a:rPr lang="en-US" sz="2400" b="1" dirty="0" smtClean="0"/>
-              <a:t>which </a:t>
-            </a:r>
-            <a:r>
-              <a:rPr lang="en-US" sz="2400" b="1" baseline="0" dirty="0" smtClean="0"/>
-              <a:t>represents what researchers actually culture, experiment on, and share.</a:t>
-            </a:r>
-          </a:p>
-          <a:p>
-            <a:endParaRPr lang="en-US" sz="800" b="1" baseline="0" dirty="0" smtClean="0"/>
-          </a:p>
-          <a:p>
-            <a:pPr marL="565150" indent="-279400">
-              <a:buFont typeface="Arial" pitchFamily="34" charset="0"/>
-              <a:buChar char="•"/>
-              <a:defRPr/>
-            </a:pPr>
-            <a:r>
-              <a:rPr lang="en-US" sz="2200" dirty="0" smtClean="0"/>
-              <a:t>Will be a relatively </a:t>
-            </a:r>
-            <a:r>
-              <a:rPr lang="en-US" sz="2200" dirty="0"/>
-              <a:t>uniform population </a:t>
-            </a:r>
-            <a:r>
-              <a:rPr lang="en-US" sz="2200" dirty="0" smtClean="0"/>
-              <a:t>(similar </a:t>
-            </a:r>
-            <a:r>
-              <a:rPr lang="en-US" sz="2200" dirty="0"/>
-              <a:t>evolution/genetic drifts due to continuous co-culture)</a:t>
-            </a:r>
-          </a:p>
-          <a:p>
-            <a:pPr marL="565150" indent="-279400">
-              <a:buFont typeface="Arial" pitchFamily="34" charset="0"/>
-              <a:buChar char="•"/>
-              <a:defRPr/>
-            </a:pPr>
-            <a:r>
-              <a:rPr lang="en-US" sz="2200" dirty="0" smtClean="0"/>
-              <a:t>All cells necessarily </a:t>
-            </a:r>
-            <a:r>
-              <a:rPr lang="en-US" sz="2200" dirty="0"/>
-              <a:t>output from a single subculture or storage </a:t>
-            </a:r>
-            <a:r>
-              <a:rPr lang="en-US" sz="2200" dirty="0" smtClean="0"/>
-              <a:t>split . . . </a:t>
-            </a:r>
-            <a:endParaRPr lang="en-US" sz="2200" b="1" dirty="0"/>
-          </a:p>
-          <a:p>
-            <a:pPr marL="565150" indent="-279400">
-              <a:buFont typeface="Arial" pitchFamily="34" charset="0"/>
-              <a:buChar char="•"/>
-              <a:defRPr/>
-            </a:pPr>
-            <a:r>
-              <a:rPr lang="en-US" sz="2200" dirty="0" smtClean="0"/>
-              <a:t>and necessarily </a:t>
-            </a:r>
-            <a:r>
-              <a:rPr lang="en-US" sz="2200" dirty="0"/>
-              <a:t>have the same passage </a:t>
-            </a:r>
-            <a:r>
-              <a:rPr lang="en-US" sz="2200" dirty="0" smtClean="0"/>
-              <a:t>number</a:t>
-            </a:r>
-            <a:endParaRPr lang="en-US" sz="2200" dirty="0"/>
+              <a:rPr lang="en-US" sz="3600" b="1" dirty="0" smtClean="0"/>
+              <a:t>Review Consensus Model in OBI</a:t>
+            </a:r>
+            <a:endParaRPr lang="en-US" sz="3600" b="1" dirty="0"/>
           </a:p>
         </p:txBody>
       </p:sp>
@@ -7219,50 +9323,8 @@
         </p:nvSpPr>
         <p:spPr>
           <a:xfrm>
-            <a:off x="335280" y="762000"/>
-            <a:ext cx="8309610" cy="1569660"/>
-          </a:xfrm>
-          <a:prstGeom prst="rect">
-            <a:avLst/>
-          </a:prstGeom>
-          <a:solidFill>
-            <a:schemeClr val="bg1">
-              <a:lumMod val="85000"/>
-            </a:schemeClr>
-          </a:solidFill>
-        </p:spPr>
-        <p:txBody>
-          <a:bodyPr wrap="square" rtlCol="0">
-            <a:spAutoFit/>
-          </a:bodyPr>
-          <a:lstStyle/>
-          <a:p>
-            <a:pPr algn="ctr"/>
-            <a:r>
-              <a:rPr lang="en-US" sz="2400" b="1" dirty="0"/>
-              <a:t>C</a:t>
-            </a:r>
-            <a:r>
-              <a:rPr lang="en-US" sz="2400" b="1" dirty="0" smtClean="0"/>
-              <a:t>ell culture samples </a:t>
-            </a:r>
-            <a:r>
-              <a:rPr lang="en-US" sz="2400" dirty="0" smtClean="0"/>
-              <a:t>are collections of cells that represent a defined portion of a cell culture that has been continuously maintained together in culture (or has been removed from such a culture for storage or experimental application)</a:t>
-            </a:r>
-          </a:p>
-        </p:txBody>
-      </p:sp>
-      <p:sp>
-        <p:nvSpPr>
-          <p:cNvPr id="3" name="TextBox 2"/>
-          <p:cNvSpPr txBox="1"/>
-          <p:nvPr/>
-        </p:nvSpPr>
-        <p:spPr>
-          <a:xfrm>
-            <a:off x="1981200" y="115956"/>
-            <a:ext cx="5188856" cy="646331"/>
+            <a:off x="76200" y="883920"/>
+            <a:ext cx="8991600" cy="4185761"/>
           </a:xfrm>
           <a:prstGeom prst="rect">
             <a:avLst/>
@@ -7270,22 +9332,57 @@
           <a:noFill/>
         </p:spPr>
         <p:txBody>
-          <a:bodyPr wrap="none" rtlCol="0">
+          <a:bodyPr wrap="square" rtlCol="0">
             <a:spAutoFit/>
           </a:bodyPr>
           <a:lstStyle/>
           <a:p>
-            <a:r>
-              <a:rPr lang="en-US" sz="3600" b="1" dirty="0" smtClean="0"/>
-              <a:t>Cell Culture Samples (OBI)</a:t>
-            </a:r>
-            <a:endParaRPr lang="en-US" sz="3600" b="1" dirty="0"/>
+            <a:pPr algn="ctr"/>
+            <a:r>
+              <a:rPr lang="en-US" sz="2600" dirty="0" smtClean="0"/>
+              <a:t>Three hierarchies that represent different ‘populations’ of cells that are relevant in different contexts of experimental biology </a:t>
+            </a:r>
+          </a:p>
+          <a:p>
+            <a:endParaRPr lang="en-US" sz="2400" b="1" dirty="0"/>
+          </a:p>
+          <a:p>
+            <a:endParaRPr lang="en-US" sz="2400" b="1" dirty="0" smtClean="0"/>
+          </a:p>
+          <a:p>
+            <a:endParaRPr lang="en-US" sz="2400" b="1" dirty="0"/>
+          </a:p>
+          <a:p>
+            <a:endParaRPr lang="en-US" sz="2400" b="1" dirty="0" smtClean="0"/>
+          </a:p>
+          <a:p>
+            <a:endParaRPr lang="en-US" sz="2200" b="1" dirty="0" smtClean="0"/>
+          </a:p>
+          <a:p>
+            <a:r>
+              <a:rPr lang="en-US" sz="2200" dirty="0"/>
+              <a:t>OBI may not want to implement all of these classes (wary of </a:t>
+            </a:r>
+            <a:r>
+              <a:rPr lang="en-US" sz="2200" dirty="0" smtClean="0"/>
+              <a:t>duplication). But </a:t>
+            </a:r>
+            <a:r>
+              <a:rPr lang="en-US" sz="2200" dirty="0"/>
+              <a:t>there are times when we want to talk about cultured cells at each of these levels, as there are characteristics and processes relevant to each.</a:t>
+            </a:r>
+          </a:p>
+          <a:p>
+            <a:endParaRPr lang="en-US" sz="2000" b="1" dirty="0" smtClean="0"/>
+          </a:p>
+          <a:p>
+            <a:endParaRPr lang="en-US" sz="1000" b="1" dirty="0" smtClean="0"/>
           </a:p>
         </p:txBody>
       </p:sp>
       <p:pic>
         <p:nvPicPr>
-          <p:cNvPr id="2062" name="Picture 14" descr="C:\Users\brushm\AppData\Roaming\PixelMetrics\CaptureWiz\Temp\21.jpg"/>
+          <p:cNvPr id="5" name="Picture 6" descr="C:\Users\brushm\AppData\Roaming\PixelMetrics\CaptureWiz\Temp\16.jpg"/>
           <p:cNvPicPr>
             <a:picLocks noChangeAspect="1" noChangeArrowheads="1"/>
           </p:cNvPicPr>
@@ -7306,8 +9403,8 @@
         </p:blipFill>
         <p:spPr bwMode="auto">
           <a:xfrm>
-            <a:off x="1067467" y="2514600"/>
-            <a:ext cx="6781133" cy="1318952"/>
+            <a:off x="348218" y="2039529"/>
+            <a:ext cx="2752759" cy="1237071"/>
           </a:xfrm>
           <a:prstGeom prst="rect">
             <a:avLst/>
@@ -7324,10 +9421,283 @@
           </a:extLst>
         </p:spPr>
       </p:pic>
+      <p:pic>
+        <p:nvPicPr>
+          <p:cNvPr id="6" name="Picture 10" descr="C:\Users\brushm\AppData\Roaming\PixelMetrics\CaptureWiz\Temp\18.jpg"/>
+          <p:cNvPicPr>
+            <a:picLocks noChangeAspect="1" noChangeArrowheads="1"/>
+          </p:cNvPicPr>
+          <p:nvPr/>
+        </p:nvPicPr>
+        <p:blipFill>
+          <a:blip r:embed="rId4">
+            <a:extLst>
+              <a:ext uri="{28A0092B-C50C-407E-A947-70E740481C1C}">
+                <a14:useLocalDpi xmlns:a14="http://schemas.microsoft.com/office/drawing/2010/main" val="0"/>
+              </a:ext>
+            </a:extLst>
+          </a:blip>
+          <a:srcRect/>
+          <a:stretch>
+            <a:fillRect/>
+          </a:stretch>
+        </p:blipFill>
+        <p:spPr bwMode="auto">
+          <a:xfrm>
+            <a:off x="5958410" y="2054375"/>
+            <a:ext cx="3109390" cy="1203636"/>
+          </a:xfrm>
+          <a:prstGeom prst="rect">
+            <a:avLst/>
+          </a:prstGeom>
+          <a:noFill/>
+          <a:extLst>
+            <a:ext uri="{909E8E84-426E-40DD-AFC4-6F175D3DCCD1}">
+              <a14:hiddenFill xmlns:a14="http://schemas.microsoft.com/office/drawing/2010/main">
+                <a:solidFill>
+                  <a:srgbClr val="FFFFFF"/>
+                </a:solidFill>
+              </a14:hiddenFill>
+            </a:ext>
+          </a:extLst>
+        </p:spPr>
+      </p:pic>
+      <p:pic>
+        <p:nvPicPr>
+          <p:cNvPr id="7" name="Picture 12" descr="C:\Users\brushm\AppData\Roaming\PixelMetrics\CaptureWiz\Temp\20.jpg"/>
+          <p:cNvPicPr>
+            <a:picLocks noChangeAspect="1" noChangeArrowheads="1"/>
+          </p:cNvPicPr>
+          <p:nvPr/>
+        </p:nvPicPr>
+        <p:blipFill>
+          <a:blip r:embed="rId5">
+            <a:extLst>
+              <a:ext uri="{28A0092B-C50C-407E-A947-70E740481C1C}">
+                <a14:useLocalDpi xmlns:a14="http://schemas.microsoft.com/office/drawing/2010/main" val="0"/>
+              </a:ext>
+            </a:extLst>
+          </a:blip>
+          <a:srcRect/>
+          <a:stretch>
+            <a:fillRect/>
+          </a:stretch>
+        </p:blipFill>
+        <p:spPr bwMode="auto">
+          <a:xfrm>
+            <a:off x="3305598" y="2078398"/>
+            <a:ext cx="2479684" cy="1033203"/>
+          </a:xfrm>
+          <a:prstGeom prst="rect">
+            <a:avLst/>
+          </a:prstGeom>
+          <a:noFill/>
+          <a:extLst>
+            <a:ext uri="{909E8E84-426E-40DD-AFC4-6F175D3DCCD1}">
+              <a14:hiddenFill xmlns:a14="http://schemas.microsoft.com/office/drawing/2010/main">
+                <a:solidFill>
+                  <a:srgbClr val="FFFFFF"/>
+                </a:solidFill>
+              </a14:hiddenFill>
+            </a:ext>
+          </a:extLst>
+        </p:spPr>
+      </p:pic>
+      <p:sp>
+        <p:nvSpPr>
+          <p:cNvPr id="8" name="Rectangle 7"/>
+          <p:cNvSpPr/>
+          <p:nvPr/>
+        </p:nvSpPr>
+        <p:spPr>
+          <a:xfrm>
+            <a:off x="4648200" y="4648200"/>
+            <a:ext cx="3429000" cy="1785104"/>
+          </a:xfrm>
+          <a:prstGeom prst="rect">
+            <a:avLst/>
+          </a:prstGeom>
+        </p:spPr>
+        <p:txBody>
+          <a:bodyPr wrap="square">
+            <a:spAutoFit/>
+          </a:bodyPr>
+          <a:lstStyle/>
+          <a:p>
+            <a:pPr marL="171450" indent="-171450">
+              <a:spcBef>
+                <a:spcPts val="600"/>
+              </a:spcBef>
+              <a:buFontTx/>
+              <a:buChar char="-"/>
+            </a:pPr>
+            <a:r>
+              <a:rPr lang="en-US" dirty="0" smtClean="0"/>
+              <a:t>establishment </a:t>
+            </a:r>
+            <a:r>
+              <a:rPr lang="en-US" dirty="0"/>
+              <a:t>of a lineage (2)</a:t>
+            </a:r>
+          </a:p>
+          <a:p>
+            <a:pPr marL="171450" indent="-171450">
+              <a:spcBef>
+                <a:spcPts val="600"/>
+              </a:spcBef>
+              <a:buFontTx/>
+              <a:buChar char="-"/>
+              <a:defRPr/>
+            </a:pPr>
+            <a:r>
+              <a:rPr lang="en-US" dirty="0"/>
+              <a:t>experimental inputs (1 or 3)</a:t>
+            </a:r>
+          </a:p>
+          <a:p>
+            <a:pPr marL="171450" indent="-171450">
+              <a:spcBef>
+                <a:spcPts val="600"/>
+              </a:spcBef>
+              <a:buFontTx/>
+              <a:buChar char="-"/>
+            </a:pPr>
+            <a:r>
+              <a:rPr lang="en-US" dirty="0"/>
+              <a:t>passage number (3)</a:t>
+            </a:r>
+          </a:p>
+          <a:p>
+            <a:pPr marL="171450" indent="-171450">
+              <a:spcBef>
+                <a:spcPts val="600"/>
+              </a:spcBef>
+              <a:buFontTx/>
+              <a:buChar char="-"/>
+              <a:defRPr/>
+            </a:pPr>
+            <a:r>
+              <a:rPr lang="en-US" dirty="0"/>
+              <a:t>catalog offerings (3</a:t>
+            </a:r>
+            <a:r>
+              <a:rPr lang="en-US" dirty="0" smtClean="0"/>
+              <a:t>)</a:t>
+            </a:r>
+          </a:p>
+          <a:p>
+            <a:pPr marL="171450" indent="-171450">
+              <a:spcBef>
+                <a:spcPts val="600"/>
+              </a:spcBef>
+              <a:buFontTx/>
+              <a:buChar char="-"/>
+              <a:defRPr/>
+            </a:pPr>
+            <a:r>
+              <a:rPr lang="en-US" dirty="0" smtClean="0"/>
+              <a:t>cell line contamination (3)</a:t>
+            </a:r>
+            <a:endParaRPr lang="en-US" dirty="0"/>
+          </a:p>
+        </p:txBody>
+      </p:sp>
+      <p:sp>
+        <p:nvSpPr>
+          <p:cNvPr id="9" name="Rectangle 8"/>
+          <p:cNvSpPr/>
+          <p:nvPr/>
+        </p:nvSpPr>
+        <p:spPr>
+          <a:xfrm>
+            <a:off x="685800" y="4648200"/>
+            <a:ext cx="4572000" cy="1785104"/>
+          </a:xfrm>
+          <a:prstGeom prst="rect">
+            <a:avLst/>
+          </a:prstGeom>
+        </p:spPr>
+        <p:txBody>
+          <a:bodyPr>
+            <a:spAutoFit/>
+          </a:bodyPr>
+          <a:lstStyle/>
+          <a:p>
+            <a:pPr marL="171450" indent="-171450">
+              <a:spcBef>
+                <a:spcPts val="600"/>
+              </a:spcBef>
+              <a:buFontTx/>
+              <a:buChar char="-"/>
+            </a:pPr>
+            <a:r>
+              <a:rPr lang="en-US" dirty="0"/>
+              <a:t>gene expression (1)</a:t>
+            </a:r>
+          </a:p>
+          <a:p>
+            <a:pPr marL="171450" indent="-171450">
+              <a:spcBef>
+                <a:spcPts val="600"/>
+              </a:spcBef>
+              <a:buFontTx/>
+              <a:buChar char="-"/>
+            </a:pPr>
+            <a:r>
+              <a:rPr lang="en-US" dirty="0"/>
+              <a:t>morphology (1)</a:t>
+            </a:r>
+          </a:p>
+          <a:p>
+            <a:pPr marL="171450" indent="-171450">
+              <a:spcBef>
+                <a:spcPts val="600"/>
+              </a:spcBef>
+              <a:buFontTx/>
+              <a:buChar char="-"/>
+            </a:pPr>
+            <a:r>
+              <a:rPr lang="en-US" dirty="0"/>
+              <a:t>biological derivation (1 or 2)</a:t>
+            </a:r>
+          </a:p>
+          <a:p>
+            <a:pPr marL="171450" indent="-171450">
+              <a:spcBef>
+                <a:spcPts val="600"/>
+              </a:spcBef>
+              <a:buFontTx/>
+              <a:buChar char="-"/>
+            </a:pPr>
+            <a:r>
+              <a:rPr lang="en-US" dirty="0"/>
+              <a:t>growth characteristics (1 or 2</a:t>
+            </a:r>
+            <a:r>
+              <a:rPr lang="en-US" dirty="0" smtClean="0"/>
+              <a:t>)</a:t>
+            </a:r>
+          </a:p>
+          <a:p>
+            <a:pPr marL="171450" indent="-171450">
+              <a:spcBef>
+                <a:spcPts val="600"/>
+              </a:spcBef>
+              <a:buFontTx/>
+              <a:buChar char="-"/>
+            </a:pPr>
+            <a:r>
+              <a:rPr lang="en-US" dirty="0"/>
+              <a:t>genotype or STR profile (1 or 2)</a:t>
+            </a:r>
+            <a:endParaRPr lang="en-US" dirty="0"/>
+          </a:p>
+        </p:txBody>
+      </p:sp>
     </p:spTree>
     <p:extLst>
       <p:ext uri="{BB962C8B-B14F-4D97-AF65-F5344CB8AC3E}">
-        <p14:creationId xmlns:p14="http://schemas.microsoft.com/office/powerpoint/2010/main" val="37061486"/>
+        <p14:creationId xmlns:p14="http://schemas.microsoft.com/office/powerpoint/2010/main" val="4150275373"/>
       </p:ext>
     </p:extLst>
   </p:cSld>

--- a/docs/presentations/OBI-CLO-CL March 2013 Alignment/3-21-13_CLO-OBI_cell_culture_alignment.pptx
+++ b/docs/presentations/OBI-CLO-CL March 2013 Alignment/3-21-13_CLO-OBI_cell_culture_alignment.pptx
@@ -5,7 +5,7 @@
     <p:sldMasterId id="2147483648" r:id="rId1"/>
   </p:sldMasterIdLst>
   <p:notesMasterIdLst>
-    <p:notesMasterId r:id="rId19"/>
+    <p:notesMasterId r:id="rId17"/>
   </p:notesMasterIdLst>
   <p:sldIdLst>
     <p:sldId id="256" r:id="rId2"/>
@@ -23,8 +23,6 @@
     <p:sldId id="268" r:id="rId14"/>
     <p:sldId id="269" r:id="rId15"/>
     <p:sldId id="270" r:id="rId16"/>
-    <p:sldId id="271" r:id="rId17"/>
-    <p:sldId id="272" r:id="rId18"/>
   </p:sldIdLst>
   <p:sldSz cx="9144000" cy="6858000" type="screen4x3"/>
   <p:notesSz cx="6858000" cy="9144000"/>
@@ -520,92 +518,208 @@
           <a:bodyPr/>
           <a:lstStyle/>
           <a:p>
-            <a:r>
-              <a:rPr lang="en-US" sz="1200" kern="1200" baseline="0" dirty="0" smtClean="0">
-                <a:solidFill>
-                  <a:schemeClr val="tx1"/>
-                </a:solidFill>
-                <a:effectLst/>
-                <a:latin typeface="+mn-lt"/>
-                <a:ea typeface="+mn-ea"/>
-                <a:cs typeface="+mn-cs"/>
-              </a:rPr>
-              <a:t>The 2011 CLO paper given as reference for use cases is</a:t>
-            </a:r>
-            <a:r>
-              <a:rPr lang="en-US" sz="1200" kern="1200" dirty="0" smtClean="0">
-                <a:solidFill>
-                  <a:schemeClr val="tx1"/>
-                </a:solidFill>
-                <a:effectLst/>
-                <a:latin typeface="+mn-lt"/>
-                <a:ea typeface="+mn-ea"/>
-                <a:cs typeface="+mn-cs"/>
-              </a:rPr>
-              <a:t> from when CLO represented cell lines as collections - as the paper defines them,  "colonies of cells artificially developed and grown under controlled conditions".  I think people are really interested in whether there are specific use cases modeling cell line cells was needed/better, that would explain the motivation for CLO changing to modeling single cells rather then cell lines.  In fact, the other example you give – representing contamination – would actually require consideration of collections of cells (a single cell is not contaminated)</a:t>
-            </a:r>
-          </a:p>
-          <a:p>
-            <a:endParaRPr lang="en-US" sz="1200" kern="1200" dirty="0" smtClean="0">
+            <a:pPr marL="0" marR="0" lvl="1" indent="0" algn="l" defTabSz="914400" rtl="0" eaLnBrk="1" fontAlgn="auto" latinLnBrk="0" hangingPunct="1">
+              <a:lnSpc>
+                <a:spcPct val="100000"/>
+              </a:lnSpc>
+              <a:spcBef>
+                <a:spcPts val="0"/>
+              </a:spcBef>
+              <a:spcAft>
+                <a:spcPts val="0"/>
+              </a:spcAft>
+              <a:buClrTx/>
+              <a:buSzTx/>
+              <a:buFontTx/>
+              <a:buNone/>
+              <a:tabLst/>
+              <a:defRPr/>
+            </a:pPr>
+            <a:r>
+              <a:rPr lang="en-US" baseline="0" dirty="0" smtClean="0"/>
+              <a:t>What </a:t>
+            </a:r>
+            <a:r>
+              <a:rPr lang="en-US" baseline="0" dirty="0" smtClean="0"/>
+              <a:t>things exist and how they are </a:t>
+            </a:r>
+            <a:r>
+              <a:rPr lang="en-US" baseline="0" dirty="0" smtClean="0"/>
+              <a:t>related. </a:t>
+            </a:r>
+            <a:r>
+              <a:rPr lang="en-US" dirty="0" smtClean="0"/>
+              <a:t>Origination and chains of derivation are essential for understanding and distinguishing</a:t>
+            </a:r>
+            <a:r>
+              <a:rPr lang="en-US" baseline="0" dirty="0" smtClean="0"/>
+              <a:t> these fundamental concepts, so I think a diagram like this is helpful.</a:t>
+            </a:r>
+          </a:p>
+          <a:p>
+            <a:pPr marL="0" marR="0" lvl="1" indent="0" algn="l" defTabSz="914400" rtl="0" eaLnBrk="1" fontAlgn="auto" latinLnBrk="0" hangingPunct="1">
+              <a:lnSpc>
+                <a:spcPct val="100000"/>
+              </a:lnSpc>
+              <a:spcBef>
+                <a:spcPts val="0"/>
+              </a:spcBef>
+              <a:spcAft>
+                <a:spcPts val="0"/>
+              </a:spcAft>
+              <a:buClrTx/>
+              <a:buSzTx/>
+              <a:buFontTx/>
+              <a:buNone/>
+              <a:tabLst/>
+              <a:defRPr/>
+            </a:pPr>
+            <a:endParaRPr lang="en-US" b="1" dirty="0" smtClean="0">
               <a:solidFill>
-                <a:schemeClr val="tx1"/>
+                <a:srgbClr val="C00000"/>
               </a:solidFill>
-              <a:effectLst/>
-              <a:latin typeface="+mn-lt"/>
-              <a:ea typeface="+mn-ea"/>
-              <a:cs typeface="+mn-cs"/>
+              <a:effectLst>
+                <a:outerShdw blurRad="38100" dist="38100" dir="2700000" algn="tl">
+                  <a:srgbClr val="000000">
+                    <a:alpha val="43137"/>
+                  </a:srgbClr>
+                </a:outerShdw>
+              </a:effectLst>
             </a:endParaRPr>
           </a:p>
           <a:p>
-            <a:endParaRPr lang="en-US" sz="1200" kern="1200" dirty="0" smtClean="0">
-              <a:solidFill>
-                <a:schemeClr val="tx1"/>
-              </a:solidFill>
-              <a:effectLst/>
-              <a:latin typeface="+mn-lt"/>
-              <a:ea typeface="+mn-ea"/>
-              <a:cs typeface="+mn-cs"/>
-            </a:endParaRPr>
-          </a:p>
-          <a:p>
-            <a:r>
-              <a:rPr lang="en-US" sz="1200" kern="1200" dirty="0" smtClean="0">
-                <a:solidFill>
-                  <a:schemeClr val="tx1"/>
-                </a:solidFill>
-                <a:effectLst/>
-                <a:latin typeface="+mn-lt"/>
-                <a:ea typeface="+mn-ea"/>
-                <a:cs typeface="+mn-cs"/>
-              </a:rPr>
-              <a:t>------</a:t>
-            </a:r>
-          </a:p>
-          <a:p>
-            <a:endParaRPr lang="en-US" sz="1200" kern="1200" dirty="0" smtClean="0">
-              <a:solidFill>
-                <a:schemeClr val="tx1"/>
-              </a:solidFill>
-              <a:effectLst/>
-              <a:latin typeface="+mn-lt"/>
-              <a:ea typeface="+mn-ea"/>
-              <a:cs typeface="+mn-cs"/>
-            </a:endParaRPr>
-          </a:p>
-          <a:p>
-            <a:r>
-              <a:rPr lang="en-US" sz="1200" kern="1200" dirty="0" smtClean="0">
-                <a:solidFill>
-                  <a:schemeClr val="tx1"/>
-                </a:solidFill>
-                <a:effectLst/>
-                <a:latin typeface="+mn-lt"/>
-                <a:ea typeface="+mn-ea"/>
-                <a:cs typeface="+mn-cs"/>
-              </a:rPr>
-              <a:t>"a permanently established cell culture that will proliferate indefinitely given appropriate fresh medium and space."</a:t>
-            </a:r>
-            <a:endParaRPr lang="en-US" dirty="0"/>
+            <a:pPr marL="0" marR="0" lvl="1" indent="0" algn="l" defTabSz="914400" rtl="0" eaLnBrk="1" fontAlgn="auto" latinLnBrk="0" hangingPunct="1">
+              <a:lnSpc>
+                <a:spcPct val="100000"/>
+              </a:lnSpc>
+              <a:spcBef>
+                <a:spcPts val="0"/>
+              </a:spcBef>
+              <a:spcAft>
+                <a:spcPts val="0"/>
+              </a:spcAft>
+              <a:buClrTx/>
+              <a:buSzTx/>
+              <a:buFontTx/>
+              <a:buNone/>
+              <a:tabLst/>
+              <a:defRPr/>
+            </a:pPr>
+            <a:r>
+              <a:rPr lang="en-US" dirty="0" smtClean="0"/>
+              <a:t>Diagram </a:t>
+            </a:r>
+            <a:r>
+              <a:rPr lang="en-US" dirty="0" smtClean="0"/>
+              <a:t>shows inputs and outputs of processes from</a:t>
+            </a:r>
+            <a:r>
+              <a:rPr lang="en-US" baseline="0" dirty="0" smtClean="0"/>
+              <a:t> the explanation of a founder cell to the establishment and modification of immortal cell lines</a:t>
+            </a:r>
+          </a:p>
+          <a:p>
+            <a:pPr marL="0" marR="0" lvl="1" indent="0" algn="l" defTabSz="914400" rtl="0" eaLnBrk="1" fontAlgn="auto" latinLnBrk="0" hangingPunct="1">
+              <a:lnSpc>
+                <a:spcPct val="100000"/>
+              </a:lnSpc>
+              <a:spcBef>
+                <a:spcPts val="0"/>
+              </a:spcBef>
+              <a:spcAft>
+                <a:spcPts val="0"/>
+              </a:spcAft>
+              <a:buClrTx/>
+              <a:buSzTx/>
+              <a:buFontTx/>
+              <a:buNone/>
+              <a:tabLst/>
+              <a:defRPr/>
+            </a:pPr>
+            <a:endParaRPr lang="en-US" dirty="0" smtClean="0"/>
+          </a:p>
+          <a:p>
+            <a:pPr marL="0" marR="0" lvl="1" indent="0" algn="l" defTabSz="914400" rtl="0" eaLnBrk="1" fontAlgn="auto" latinLnBrk="0" hangingPunct="1">
+              <a:lnSpc>
+                <a:spcPct val="100000"/>
+              </a:lnSpc>
+              <a:spcBef>
+                <a:spcPts val="0"/>
+              </a:spcBef>
+              <a:spcAft>
+                <a:spcPts val="0"/>
+              </a:spcAft>
+              <a:buClrTx/>
+              <a:buSzTx/>
+              <a:buFontTx/>
+              <a:buNone/>
+              <a:tabLst/>
+              <a:defRPr/>
+            </a:pPr>
+            <a:r>
+              <a:rPr lang="en-US" dirty="0" smtClean="0"/>
+              <a:t>Cell culture has two exhaustive, disjoint subtypes: primary cell culture, cell line</a:t>
+            </a:r>
+          </a:p>
+          <a:p>
+            <a:pPr marL="0" marR="0" lvl="1" indent="0" algn="l" defTabSz="914400" rtl="0" eaLnBrk="1" fontAlgn="auto" latinLnBrk="0" hangingPunct="1">
+              <a:lnSpc>
+                <a:spcPct val="100000"/>
+              </a:lnSpc>
+              <a:spcBef>
+                <a:spcPts val="0"/>
+              </a:spcBef>
+              <a:spcAft>
+                <a:spcPts val="0"/>
+              </a:spcAft>
+              <a:buClrTx/>
+              <a:buSzTx/>
+              <a:buFontTx/>
+              <a:buNone/>
+              <a:tabLst/>
+              <a:defRPr/>
+            </a:pPr>
+            <a:endParaRPr lang="en-US" dirty="0" smtClean="0"/>
+          </a:p>
+          <a:p>
+            <a:pPr marL="0" marR="0" lvl="1" indent="0" algn="l" defTabSz="914400" rtl="0" eaLnBrk="1" fontAlgn="auto" latinLnBrk="0" hangingPunct="1">
+              <a:lnSpc>
+                <a:spcPct val="100000"/>
+              </a:lnSpc>
+              <a:spcBef>
+                <a:spcPts val="0"/>
+              </a:spcBef>
+              <a:spcAft>
+                <a:spcPts val="0"/>
+              </a:spcAft>
+              <a:buClrTx/>
+              <a:buSzTx/>
+              <a:buFontTx/>
+              <a:buNone/>
+              <a:tabLst/>
+              <a:defRPr/>
+            </a:pPr>
+            <a:r>
+              <a:rPr lang="en-US" dirty="0" smtClean="0"/>
+              <a:t>Below this are key </a:t>
+            </a:r>
+            <a:r>
+              <a:rPr lang="en-US" dirty="0" smtClean="0"/>
+              <a:t>points here to be sure </a:t>
+            </a:r>
+            <a:r>
+              <a:rPr lang="en-US" dirty="0" smtClean="0"/>
+              <a:t>we </a:t>
+            </a:r>
+            <a:r>
+              <a:rPr lang="en-US" dirty="0" smtClean="0"/>
+              <a:t>all agree on</a:t>
+            </a:r>
+            <a:r>
+              <a:rPr lang="en-US" dirty="0" smtClean="0"/>
+              <a:t>:</a:t>
+            </a:r>
+            <a:endParaRPr lang="en-US" dirty="0" smtClean="0"/>
           </a:p>
         </p:txBody>
       </p:sp>
@@ -635,7 +749,7 @@
     </p:spTree>
     <p:extLst>
       <p:ext uri="{BB962C8B-B14F-4D97-AF65-F5344CB8AC3E}">
-        <p14:creationId xmlns:p14="http://schemas.microsoft.com/office/powerpoint/2010/main" val="1546860671"/>
+        <p14:creationId xmlns:p14="http://schemas.microsoft.com/office/powerpoint/2010/main" val="3466641493"/>
       </p:ext>
     </p:extLst>
   </p:cSld>
@@ -689,14 +803,71 @@
           <a:bodyPr/>
           <a:lstStyle/>
           <a:p>
-            <a:r>
-              <a:rPr lang="en-US" dirty="0" smtClean="0"/>
-              <a:t>cant rely on forums and non-authoritative definitions – these are</a:t>
-            </a:r>
-            <a:r>
-              <a:rPr lang="en-US" baseline="0" dirty="0" smtClean="0"/>
-              <a:t> varied and ambiguous and only highlight the problem that terms such as cell line are inconsistently used and understood.  Need to rely on experts and authoritative sources such as cell culture methods books</a:t>
-            </a:r>
+            <a:pPr marL="0" marR="0" indent="0" algn="l" defTabSz="914400" rtl="0" eaLnBrk="1" fontAlgn="auto" latinLnBrk="0" hangingPunct="1">
+              <a:lnSpc>
+                <a:spcPct val="100000"/>
+              </a:lnSpc>
+              <a:spcBef>
+                <a:spcPts val="0"/>
+              </a:spcBef>
+              <a:spcAft>
+                <a:spcPts val="0"/>
+              </a:spcAft>
+              <a:buClrTx/>
+              <a:buSzTx/>
+              <a:buFontTx/>
+              <a:buNone/>
+              <a:tabLst/>
+              <a:defRPr/>
+            </a:pPr>
+            <a:r>
+              <a:rPr lang="en-US" sz="1200" b="1" u="sng" kern="1200" dirty="0" smtClean="0">
+                <a:solidFill>
+                  <a:schemeClr val="tx1"/>
+                </a:solidFill>
+                <a:effectLst/>
+                <a:latin typeface="+mn-lt"/>
+                <a:ea typeface="+mn-ea"/>
+                <a:cs typeface="+mn-cs"/>
+              </a:rPr>
+              <a:t>Another methods book supporting this view</a:t>
+            </a:r>
+            <a:r>
+              <a:rPr lang="en-US" sz="1200" kern="1200" dirty="0" smtClean="0">
+                <a:solidFill>
+                  <a:schemeClr val="tx1"/>
+                </a:solidFill>
+                <a:effectLst/>
+                <a:latin typeface="+mn-lt"/>
+                <a:ea typeface="+mn-ea"/>
+                <a:cs typeface="+mn-cs"/>
+              </a:rPr>
+              <a:t>: </a:t>
+            </a:r>
+            <a:r>
+              <a:rPr lang="en-US" sz="1200" kern="1200" dirty="0" smtClean="0">
+                <a:solidFill>
+                  <a:schemeClr val="tx1"/>
+                </a:solidFill>
+                <a:effectLst/>
+                <a:latin typeface="+mn-lt"/>
+                <a:ea typeface="+mn-ea"/>
+                <a:cs typeface="+mn-cs"/>
+                <a:hlinkClick r:id="rId3"/>
+              </a:rPr>
+              <a:t>http://books.google.com/books?id=3GHwAAAAMAAJ&amp;q=%22cell+line%22#search_anchor</a:t>
+            </a:r>
+            <a:endParaRPr lang="en-US" sz="1200" kern="1200" dirty="0" smtClean="0">
+              <a:solidFill>
+                <a:schemeClr val="tx1"/>
+              </a:solidFill>
+              <a:effectLst/>
+              <a:latin typeface="+mn-lt"/>
+              <a:ea typeface="+mn-ea"/>
+              <a:cs typeface="+mn-cs"/>
+            </a:endParaRPr>
+          </a:p>
+          <a:p>
             <a:endParaRPr lang="en-US" dirty="0"/>
           </a:p>
         </p:txBody>
@@ -718,7 +889,7 @@
           <a:p>
             <a:fld id="{BE1C86D5-7ABF-401E-96AB-07EFE2B053C7}" type="slidenum">
               <a:rPr lang="en-US" smtClean="0"/>
-              <a:t>15</a:t>
+              <a:t>14</a:t>
             </a:fld>
             <a:endParaRPr lang="en-US"/>
           </a:p>
@@ -727,7 +898,7 @@
     </p:spTree>
     <p:extLst>
       <p:ext uri="{BB962C8B-B14F-4D97-AF65-F5344CB8AC3E}">
-        <p14:creationId xmlns:p14="http://schemas.microsoft.com/office/powerpoint/2010/main" val="3160575013"/>
+        <p14:creationId xmlns:p14="http://schemas.microsoft.com/office/powerpoint/2010/main" val="3513041267"/>
       </p:ext>
     </p:extLst>
   </p:cSld>
@@ -799,155 +970,6 @@
               <a:defRPr/>
             </a:pPr>
             <a:r>
-              <a:rPr lang="en-US" sz="1200" b="1" u="sng" kern="1200" dirty="0" smtClean="0">
-                <a:solidFill>
-                  <a:schemeClr val="tx1"/>
-                </a:solidFill>
-                <a:effectLst/>
-                <a:latin typeface="+mn-lt"/>
-                <a:ea typeface="+mn-ea"/>
-                <a:cs typeface="+mn-cs"/>
-              </a:rPr>
-              <a:t>Another methods book supporting this view</a:t>
-            </a:r>
-            <a:r>
-              <a:rPr lang="en-US" sz="1200" kern="1200" dirty="0" smtClean="0">
-                <a:solidFill>
-                  <a:schemeClr val="tx1"/>
-                </a:solidFill>
-                <a:effectLst/>
-                <a:latin typeface="+mn-lt"/>
-                <a:ea typeface="+mn-ea"/>
-                <a:cs typeface="+mn-cs"/>
-              </a:rPr>
-              <a:t>: </a:t>
-            </a:r>
-            <a:r>
-              <a:rPr lang="en-US" sz="1200" kern="1200" dirty="0" smtClean="0">
-                <a:solidFill>
-                  <a:schemeClr val="tx1"/>
-                </a:solidFill>
-                <a:effectLst/>
-                <a:latin typeface="+mn-lt"/>
-                <a:ea typeface="+mn-ea"/>
-                <a:cs typeface="+mn-cs"/>
-                <a:hlinkClick r:id="rId3"/>
-              </a:rPr>
-              <a:t>http://books.google.com/books?id=3GHwAAAAMAAJ&amp;q=%22cell+line%22#search_anchor</a:t>
-            </a:r>
-            <a:endParaRPr lang="en-US" sz="1200" kern="1200" dirty="0" smtClean="0">
-              <a:solidFill>
-                <a:schemeClr val="tx1"/>
-              </a:solidFill>
-              <a:effectLst/>
-              <a:latin typeface="+mn-lt"/>
-              <a:ea typeface="+mn-ea"/>
-              <a:cs typeface="+mn-cs"/>
-            </a:endParaRPr>
-          </a:p>
-          <a:p>
-            <a:endParaRPr lang="en-US" dirty="0"/>
-          </a:p>
-        </p:txBody>
-      </p:sp>
-      <p:sp>
-        <p:nvSpPr>
-          <p:cNvPr id="4" name="Slide Number Placeholder 3"/>
-          <p:cNvSpPr>
-            <a:spLocks noGrp="1"/>
-          </p:cNvSpPr>
-          <p:nvPr>
-            <p:ph type="sldNum" sz="quarter" idx="10"/>
-          </p:nvPr>
-        </p:nvSpPr>
-        <p:spPr/>
-        <p:txBody>
-          <a:bodyPr/>
-          <a:lstStyle/>
-          <a:p>
-            <a:fld id="{BE1C86D5-7ABF-401E-96AB-07EFE2B053C7}" type="slidenum">
-              <a:rPr lang="en-US" smtClean="0"/>
-              <a:t>16</a:t>
-            </a:fld>
-            <a:endParaRPr lang="en-US"/>
-          </a:p>
-        </p:txBody>
-      </p:sp>
-    </p:spTree>
-    <p:extLst>
-      <p:ext uri="{BB962C8B-B14F-4D97-AF65-F5344CB8AC3E}">
-        <p14:creationId xmlns:p14="http://schemas.microsoft.com/office/powerpoint/2010/main" val="3513041267"/>
-      </p:ext>
-    </p:extLst>
-  </p:cSld>
-  <p:clrMapOvr>
-    <a:masterClrMapping/>
-  </p:clrMapOvr>
-</p:notes>
-</file>
-
-<file path=ppt/notesSlides/notesSlide12.xml><?xml version="1.0" encoding="utf-8"?>
-<p:notes xmlns:a="http://schemas.openxmlformats.org/drawingml/2006/main" xmlns:r="http://schemas.openxmlformats.org/officeDocument/2006/relationships" xmlns:p="http://schemas.openxmlformats.org/presentationml/2006/main">
-  <p:cSld>
-    <p:spTree>
-      <p:nvGrpSpPr>
-        <p:cNvPr id="1" name=""/>
-        <p:cNvGrpSpPr/>
-        <p:nvPr/>
-      </p:nvGrpSpPr>
-      <p:grpSpPr>
-        <a:xfrm>
-          <a:off x="0" y="0"/>
-          <a:ext cx="0" cy="0"/>
-          <a:chOff x="0" y="0"/>
-          <a:chExt cx="0" cy="0"/>
-        </a:xfrm>
-      </p:grpSpPr>
-      <p:sp>
-        <p:nvSpPr>
-          <p:cNvPr id="2" name="Slide Image Placeholder 1"/>
-          <p:cNvSpPr>
-            <a:spLocks noGrp="1" noRot="1" noChangeAspect="1"/>
-          </p:cNvSpPr>
-          <p:nvPr>
-            <p:ph type="sldImg"/>
-          </p:nvPr>
-        </p:nvSpPr>
-        <p:spPr/>
-      </p:sp>
-      <p:sp>
-        <p:nvSpPr>
-          <p:cNvPr id="3" name="Notes Placeholder 2"/>
-          <p:cNvSpPr>
-            <a:spLocks noGrp="1"/>
-          </p:cNvSpPr>
-          <p:nvPr>
-            <p:ph type="body" idx="1"/>
-          </p:nvPr>
-        </p:nvSpPr>
-        <p:spPr/>
-        <p:txBody>
-          <a:bodyPr/>
-          <a:lstStyle/>
-          <a:p>
-            <a:pPr marL="0" marR="0" indent="0" algn="l" defTabSz="914400" rtl="0" eaLnBrk="1" fontAlgn="auto" latinLnBrk="0" hangingPunct="1">
-              <a:lnSpc>
-                <a:spcPct val="100000"/>
-              </a:lnSpc>
-              <a:spcBef>
-                <a:spcPts val="0"/>
-              </a:spcBef>
-              <a:spcAft>
-                <a:spcPts val="0"/>
-              </a:spcAft>
-              <a:buClrTx/>
-              <a:buSzTx/>
-              <a:buFontTx/>
-              <a:buNone/>
-              <a:tabLst/>
-              <a:defRPr/>
-            </a:pPr>
-            <a:r>
               <a:rPr lang="en-US" sz="1200" kern="1200" dirty="0" smtClean="0">
                 <a:solidFill>
                   <a:schemeClr val="tx1"/>
@@ -992,7 +1014,7 @@
           <a:p>
             <a:fld id="{BE1C86D5-7ABF-401E-96AB-07EFE2B053C7}" type="slidenum">
               <a:rPr lang="en-US" smtClean="0"/>
-              <a:t>17</a:t>
+              <a:t>15</a:t>
             </a:fld>
             <a:endParaRPr lang="en-US"/>
           </a:p>
@@ -1055,208 +1077,36 @@
           <a:bodyPr/>
           <a:lstStyle/>
           <a:p>
-            <a:pPr marL="0" marR="0" lvl="1" indent="0" algn="l" defTabSz="914400" rtl="0" eaLnBrk="1" fontAlgn="auto" latinLnBrk="0" hangingPunct="1">
-              <a:lnSpc>
-                <a:spcPct val="100000"/>
-              </a:lnSpc>
-              <a:spcBef>
-                <a:spcPts val="0"/>
-              </a:spcBef>
-              <a:spcAft>
-                <a:spcPts val="0"/>
-              </a:spcAft>
-              <a:buClrTx/>
-              <a:buSzTx/>
-              <a:buFontTx/>
-              <a:buNone/>
-              <a:tabLst/>
-              <a:defRPr/>
-            </a:pPr>
             <a:r>
               <a:rPr lang="en-US" baseline="0" dirty="0" smtClean="0"/>
-              <a:t>What </a:t>
+              <a:t>Below diagram are some key </a:t>
             </a:r>
             <a:r>
               <a:rPr lang="en-US" baseline="0" dirty="0" smtClean="0"/>
-              <a:t>things exist and how they are </a:t>
+              <a:t>points to recognize and agree </a:t>
             </a:r>
             <a:r>
               <a:rPr lang="en-US" baseline="0" dirty="0" smtClean="0"/>
-              <a:t>related. </a:t>
-            </a:r>
-            <a:r>
-              <a:rPr lang="en-US" dirty="0" smtClean="0"/>
-              <a:t>Origination and chains of derivation are essential for understanding and distinguishing</a:t>
-            </a:r>
+              <a:t>on.</a:t>
+            </a:r>
+          </a:p>
+          <a:p>
+            <a:endParaRPr lang="en-US" baseline="0" dirty="0" smtClean="0"/>
+          </a:p>
+          <a:p>
             <a:r>
               <a:rPr lang="en-US" baseline="0" dirty="0" smtClean="0"/>
-              <a:t> these fundamental concepts, so I think a diagram like this is helpful.</a:t>
-            </a:r>
-          </a:p>
-          <a:p>
-            <a:pPr marL="0" marR="0" lvl="1" indent="0" algn="l" defTabSz="914400" rtl="0" eaLnBrk="1" fontAlgn="auto" latinLnBrk="0" hangingPunct="1">
-              <a:lnSpc>
-                <a:spcPct val="100000"/>
-              </a:lnSpc>
-              <a:spcBef>
-                <a:spcPts val="0"/>
-              </a:spcBef>
-              <a:spcAft>
-                <a:spcPts val="0"/>
-              </a:spcAft>
-              <a:buClrTx/>
-              <a:buSzTx/>
-              <a:buFontTx/>
-              <a:buNone/>
-              <a:tabLst/>
-              <a:defRPr/>
-            </a:pPr>
-            <a:endParaRPr lang="en-US" b="1" dirty="0" smtClean="0">
-              <a:solidFill>
-                <a:srgbClr val="C00000"/>
-              </a:solidFill>
-              <a:effectLst>
-                <a:outerShdw blurRad="38100" dist="38100" dir="2700000" algn="tl">
-                  <a:srgbClr val="000000">
-                    <a:alpha val="43137"/>
-                  </a:srgbClr>
-                </a:outerShdw>
-              </a:effectLst>
-            </a:endParaRPr>
-          </a:p>
-          <a:p>
-            <a:pPr marL="0" marR="0" lvl="1" indent="0" algn="l" defTabSz="914400" rtl="0" eaLnBrk="1" fontAlgn="auto" latinLnBrk="0" hangingPunct="1">
-              <a:lnSpc>
-                <a:spcPct val="100000"/>
-              </a:lnSpc>
-              <a:spcBef>
-                <a:spcPts val="0"/>
-              </a:spcBef>
-              <a:spcAft>
-                <a:spcPts val="0"/>
-              </a:spcAft>
-              <a:buClrTx/>
-              <a:buSzTx/>
-              <a:buFontTx/>
-              <a:buNone/>
-              <a:tabLst/>
-              <a:defRPr/>
-            </a:pPr>
-            <a:r>
-              <a:rPr lang="en-US" dirty="0" smtClean="0"/>
-              <a:t>Diagram </a:t>
-            </a:r>
-            <a:r>
-              <a:rPr lang="en-US" dirty="0" smtClean="0"/>
-              <a:t>shows inputs and outputs of processes from</a:t>
+              <a:t>primary cultured cells </a:t>
             </a:r>
             <a:r>
               <a:rPr lang="en-US" baseline="0" dirty="0" smtClean="0"/>
-              <a:t> the explanation of a founder cell to the establishment and modification of immortal cell lines</a:t>
-            </a:r>
-          </a:p>
-          <a:p>
-            <a:pPr marL="0" marR="0" lvl="1" indent="0" algn="l" defTabSz="914400" rtl="0" eaLnBrk="1" fontAlgn="auto" latinLnBrk="0" hangingPunct="1">
-              <a:lnSpc>
-                <a:spcPct val="100000"/>
-              </a:lnSpc>
-              <a:spcBef>
-                <a:spcPts val="0"/>
-              </a:spcBef>
-              <a:spcAft>
-                <a:spcPts val="0"/>
-              </a:spcAft>
-              <a:buClrTx/>
-              <a:buSzTx/>
-              <a:buFontTx/>
-              <a:buNone/>
-              <a:tabLst/>
-              <a:defRPr/>
-            </a:pPr>
-            <a:endParaRPr lang="en-US" dirty="0" smtClean="0"/>
-          </a:p>
-          <a:p>
-            <a:pPr marL="0" marR="0" lvl="1" indent="0" algn="l" defTabSz="914400" rtl="0" eaLnBrk="1" fontAlgn="auto" latinLnBrk="0" hangingPunct="1">
-              <a:lnSpc>
-                <a:spcPct val="100000"/>
-              </a:lnSpc>
-              <a:spcBef>
-                <a:spcPts val="0"/>
-              </a:spcBef>
-              <a:spcAft>
-                <a:spcPts val="0"/>
-              </a:spcAft>
-              <a:buClrTx/>
-              <a:buSzTx/>
-              <a:buFontTx/>
-              <a:buNone/>
-              <a:tabLst/>
-              <a:defRPr/>
-            </a:pPr>
-            <a:r>
-              <a:rPr lang="en-US" dirty="0" smtClean="0"/>
-              <a:t>Cell culture has two exhaustive, disjoint subtypes: primary cell culture, cell line</a:t>
-            </a:r>
-          </a:p>
-          <a:p>
-            <a:pPr marL="0" marR="0" lvl="1" indent="0" algn="l" defTabSz="914400" rtl="0" eaLnBrk="1" fontAlgn="auto" latinLnBrk="0" hangingPunct="1">
-              <a:lnSpc>
-                <a:spcPct val="100000"/>
-              </a:lnSpc>
-              <a:spcBef>
-                <a:spcPts val="0"/>
-              </a:spcBef>
-              <a:spcAft>
-                <a:spcPts val="0"/>
-              </a:spcAft>
-              <a:buClrTx/>
-              <a:buSzTx/>
-              <a:buFontTx/>
-              <a:buNone/>
-              <a:tabLst/>
-              <a:defRPr/>
-            </a:pPr>
-            <a:endParaRPr lang="en-US" dirty="0" smtClean="0"/>
-          </a:p>
-          <a:p>
-            <a:pPr marL="0" marR="0" lvl="1" indent="0" algn="l" defTabSz="914400" rtl="0" eaLnBrk="1" fontAlgn="auto" latinLnBrk="0" hangingPunct="1">
-              <a:lnSpc>
-                <a:spcPct val="100000"/>
-              </a:lnSpc>
-              <a:spcBef>
-                <a:spcPts val="0"/>
-              </a:spcBef>
-              <a:spcAft>
-                <a:spcPts val="0"/>
-              </a:spcAft>
-              <a:buClrTx/>
-              <a:buSzTx/>
-              <a:buFontTx/>
-              <a:buNone/>
-              <a:tabLst/>
-              <a:defRPr/>
-            </a:pPr>
-            <a:r>
-              <a:rPr lang="en-US" dirty="0" smtClean="0"/>
-              <a:t>Below this are key </a:t>
-            </a:r>
-            <a:r>
-              <a:rPr lang="en-US" dirty="0" smtClean="0"/>
-              <a:t>points here to be sure </a:t>
-            </a:r>
-            <a:r>
-              <a:rPr lang="en-US" dirty="0" smtClean="0"/>
-              <a:t>we </a:t>
-            </a:r>
-            <a:r>
-              <a:rPr lang="en-US" dirty="0" smtClean="0"/>
-              <a:t>all agree on</a:t>
-            </a:r>
-            <a:r>
-              <a:rPr lang="en-US" dirty="0" smtClean="0"/>
-              <a:t>:</a:t>
-            </a:r>
-            <a:endParaRPr lang="en-US" dirty="0" smtClean="0"/>
+              <a:t>and cell line cells are necessarily cultured cells (to clarify, being cultured is different than having been passaged</a:t>
+            </a:r>
+            <a:r>
+              <a:rPr lang="en-US" baseline="0" dirty="0" smtClean="0"/>
+              <a:t>).</a:t>
+            </a:r>
+            <a:endParaRPr lang="en-US" baseline="0" dirty="0" smtClean="0"/>
           </a:p>
         </p:txBody>
       </p:sp>
@@ -1286,7 +1136,7 @@
     </p:spTree>
     <p:extLst>
       <p:ext uri="{BB962C8B-B14F-4D97-AF65-F5344CB8AC3E}">
-        <p14:creationId xmlns:p14="http://schemas.microsoft.com/office/powerpoint/2010/main" val="3466641493"/>
+        <p14:creationId xmlns:p14="http://schemas.microsoft.com/office/powerpoint/2010/main" val="1358081022"/>
       </p:ext>
     </p:extLst>
   </p:cSld>
@@ -1341,35 +1191,34 @@
           <a:lstStyle/>
           <a:p>
             <a:r>
+              <a:rPr lang="en-US" dirty="0" smtClean="0"/>
+              <a:t>Do we want to be precise and specify that a single passage creates a line form a primary culture.</a:t>
+            </a:r>
+            <a:r>
               <a:rPr lang="en-US" baseline="0" dirty="0" smtClean="0"/>
-              <a:t>Below diagram are some key </a:t>
+              <a:t> Or be less precise to </a:t>
             </a:r>
             <a:r>
               <a:rPr lang="en-US" baseline="0" dirty="0" smtClean="0"/>
-              <a:t>points to recognize and agree </a:t>
+              <a:t>allow ambiguous definition of this transition, and/or </a:t>
             </a:r>
             <a:r>
               <a:rPr lang="en-US" baseline="0" dirty="0" smtClean="0"/>
-              <a:t>on.</a:t>
-            </a:r>
-          </a:p>
-          <a:p>
-            <a:endParaRPr lang="en-US" baseline="0" dirty="0" smtClean="0"/>
-          </a:p>
-          <a:p>
+              <a:t>application of different criteria </a:t>
+            </a:r>
             <a:r>
               <a:rPr lang="en-US" baseline="0" dirty="0" smtClean="0"/>
-              <a:t>primary cultured cells </a:t>
+              <a:t>in </a:t>
             </a:r>
             <a:r>
               <a:rPr lang="en-US" baseline="0" dirty="0" smtClean="0"/>
-              <a:t>and cell line cells are necessarily cultured cells (to clarify, being cultured is different than having been passaged</a:t>
+              <a:t>different </a:t>
             </a:r>
             <a:r>
               <a:rPr lang="en-US" baseline="0" dirty="0" smtClean="0"/>
-              <a:t>).</a:t>
-            </a:r>
-            <a:endParaRPr lang="en-US" baseline="0" dirty="0" smtClean="0"/>
+              <a:t>situations?</a:t>
+            </a:r>
+            <a:endParaRPr lang="en-US" dirty="0"/>
           </a:p>
         </p:txBody>
       </p:sp>
@@ -1390,7 +1239,7 @@
           <a:p>
             <a:fld id="{BE1C86D5-7ABF-401E-96AB-07EFE2B053C7}" type="slidenum">
               <a:rPr lang="en-US" smtClean="0"/>
-              <a:t>4</a:t>
+              <a:t>5</a:t>
             </a:fld>
             <a:endParaRPr lang="en-US"/>
           </a:p>
@@ -1399,7 +1248,7 @@
     </p:spTree>
     <p:extLst>
       <p:ext uri="{BB962C8B-B14F-4D97-AF65-F5344CB8AC3E}">
-        <p14:creationId xmlns:p14="http://schemas.microsoft.com/office/powerpoint/2010/main" val="1358081022"/>
+        <p14:creationId xmlns:p14="http://schemas.microsoft.com/office/powerpoint/2010/main" val="3647924955"/>
       </p:ext>
     </p:extLst>
   </p:cSld>
@@ -1454,33 +1303,176 @@
           <a:lstStyle/>
           <a:p>
             <a:r>
-              <a:rPr lang="en-US" dirty="0" smtClean="0"/>
-              <a:t>Do we want to be precise and specify that a single passage creates a line form a primary culture.</a:t>
-            </a:r>
-            <a:r>
-              <a:rPr lang="en-US" baseline="0" dirty="0" smtClean="0"/>
-              <a:t> Or be less precise to </a:t>
-            </a:r>
-            <a:r>
-              <a:rPr lang="en-US" baseline="0" dirty="0" smtClean="0"/>
-              <a:t>allow ambiguous definition of this transition, and/or </a:t>
-            </a:r>
-            <a:r>
-              <a:rPr lang="en-US" baseline="0" dirty="0" smtClean="0"/>
-              <a:t>application of different criteria </a:t>
-            </a:r>
-            <a:r>
-              <a:rPr lang="en-US" baseline="0" dirty="0" smtClean="0"/>
-              <a:t>in </a:t>
-            </a:r>
-            <a:r>
-              <a:rPr lang="en-US" baseline="0" dirty="0" smtClean="0"/>
-              <a:t>different </a:t>
-            </a:r>
-            <a:r>
-              <a:rPr lang="en-US" baseline="0" dirty="0" smtClean="0"/>
-              <a:t>situations?</a:t>
-            </a:r>
+              <a:rPr lang="en-US" sz="1200" dirty="0" smtClean="0"/>
+              <a:t>- Accommodates </a:t>
+            </a:r>
+            <a:r>
+              <a:rPr lang="en-US" sz="1200" dirty="0" smtClean="0"/>
+              <a:t>all aspects of model discussed so </a:t>
+            </a:r>
+            <a:r>
+              <a:rPr lang="en-US" sz="1200" dirty="0" smtClean="0"/>
+              <a:t>far,</a:t>
+            </a:r>
+            <a:r>
+              <a:rPr lang="en-US" sz="1200" baseline="0" dirty="0" smtClean="0"/>
+              <a:t> and a</a:t>
+            </a:r>
+            <a:r>
+              <a:rPr lang="en-US" sz="1200" dirty="0" smtClean="0"/>
+              <a:t>ims </a:t>
+            </a:r>
+            <a:r>
+              <a:rPr lang="en-US" sz="1200" dirty="0" smtClean="0"/>
+              <a:t>to meet needs of OBI, CLO, ERO, ReO, . . . </a:t>
+            </a:r>
+          </a:p>
+          <a:p>
+            <a:r>
+              <a:rPr lang="en-US" sz="1200" dirty="0" smtClean="0"/>
+              <a:t>- OBI</a:t>
+            </a:r>
+            <a:r>
+              <a:rPr lang="en-US" sz="1200" baseline="0" dirty="0" smtClean="0"/>
+              <a:t> may not want to implement all of these classes (wary of duplication)</a:t>
+            </a:r>
+          </a:p>
+          <a:p>
+            <a:r>
+              <a:rPr lang="en-US" sz="1200" baseline="0" dirty="0" smtClean="0"/>
+              <a:t>- But there are times when we want to talk about cultured cells at each of these levels, as there are characteristics and processes relevant to each.</a:t>
+            </a:r>
+          </a:p>
+          <a:p>
+            <a:pPr marL="171450" indent="-171450">
+              <a:buFontTx/>
+              <a:buChar char="-"/>
+            </a:pPr>
+            <a:r>
+              <a:rPr lang="en-US" sz="1200" baseline="0" dirty="0" smtClean="0"/>
+              <a:t>gene expression (1)</a:t>
+            </a:r>
+          </a:p>
+          <a:p>
+            <a:pPr marL="171450" indent="-171450">
+              <a:buFontTx/>
+              <a:buChar char="-"/>
+            </a:pPr>
+            <a:r>
+              <a:rPr lang="en-US" sz="1200" baseline="0" dirty="0" smtClean="0"/>
+              <a:t>morphology (1)</a:t>
+            </a:r>
+          </a:p>
+          <a:p>
+            <a:pPr marL="171450" indent="-171450">
+              <a:buFontTx/>
+              <a:buChar char="-"/>
+            </a:pPr>
+            <a:r>
+              <a:rPr lang="en-US" sz="1200" baseline="0" dirty="0" smtClean="0"/>
+              <a:t>biological derivation (1 or 2)</a:t>
+            </a:r>
+          </a:p>
+          <a:p>
+            <a:pPr marL="171450" indent="-171450">
+              <a:buFontTx/>
+              <a:buChar char="-"/>
+            </a:pPr>
+            <a:r>
+              <a:rPr lang="en-US" sz="1200" baseline="0" dirty="0" smtClean="0"/>
+              <a:t>growth characteristics (1 or 2)</a:t>
+            </a:r>
+          </a:p>
+          <a:p>
+            <a:pPr marL="171450" indent="-171450">
+              <a:buFontTx/>
+              <a:buChar char="-"/>
+            </a:pPr>
+            <a:r>
+              <a:rPr lang="en-US" sz="1200" baseline="0" dirty="0" smtClean="0"/>
+              <a:t>genotype or STR profile (1 or 2)</a:t>
+            </a:r>
+          </a:p>
+          <a:p>
+            <a:pPr marL="171450" indent="-171450">
+              <a:buFontTx/>
+              <a:buChar char="-"/>
+            </a:pPr>
+            <a:r>
+              <a:rPr lang="en-US" sz="1200" baseline="0" dirty="0" smtClean="0"/>
+              <a:t>establishment of a lineage (2)</a:t>
+            </a:r>
+          </a:p>
+          <a:p>
+            <a:pPr marL="171450" marR="0" indent="-171450" algn="l" defTabSz="914400" rtl="0" eaLnBrk="1" fontAlgn="auto" latinLnBrk="0" hangingPunct="1">
+              <a:lnSpc>
+                <a:spcPct val="100000"/>
+              </a:lnSpc>
+              <a:spcBef>
+                <a:spcPts val="0"/>
+              </a:spcBef>
+              <a:spcAft>
+                <a:spcPts val="0"/>
+              </a:spcAft>
+              <a:buClrTx/>
+              <a:buSzTx/>
+              <a:buFontTx/>
+              <a:buChar char="-"/>
+              <a:tabLst/>
+              <a:defRPr/>
+            </a:pPr>
+            <a:r>
+              <a:rPr lang="en-US" sz="1200" baseline="0" dirty="0" smtClean="0"/>
+              <a:t>experimental inputs (1 or 3)</a:t>
+            </a:r>
+          </a:p>
+          <a:p>
+            <a:pPr marL="171450" indent="-171450">
+              <a:buFontTx/>
+              <a:buChar char="-"/>
+            </a:pPr>
+            <a:r>
+              <a:rPr lang="en-US" sz="1200" baseline="0" dirty="0" smtClean="0"/>
+              <a:t>passage number (3)</a:t>
+            </a:r>
+          </a:p>
+          <a:p>
+            <a:pPr marL="171450" marR="0" indent="-171450" algn="l" defTabSz="914400" rtl="0" eaLnBrk="1" fontAlgn="auto" latinLnBrk="0" hangingPunct="1">
+              <a:lnSpc>
+                <a:spcPct val="100000"/>
+              </a:lnSpc>
+              <a:spcBef>
+                <a:spcPts val="0"/>
+              </a:spcBef>
+              <a:spcAft>
+                <a:spcPts val="0"/>
+              </a:spcAft>
+              <a:buClrTx/>
+              <a:buSzTx/>
+              <a:buFontTx/>
+              <a:buChar char="-"/>
+              <a:tabLst/>
+              <a:defRPr/>
+            </a:pPr>
+            <a:r>
+              <a:rPr lang="en-US" sz="1200" baseline="0" dirty="0" smtClean="0"/>
+              <a:t>catalog offerings (3)</a:t>
+            </a:r>
+          </a:p>
+          <a:p>
+            <a:pPr marL="171450" indent="-171450">
+              <a:buFontTx/>
+              <a:buChar char="-"/>
+            </a:pPr>
+            <a:r>
+              <a:rPr lang="en-US" sz="1200" baseline="0" dirty="0" smtClean="0"/>
+              <a:t>. . . </a:t>
+            </a:r>
+          </a:p>
+          <a:p>
+            <a:endParaRPr lang="en-US" sz="1200" dirty="0" smtClean="0"/>
+          </a:p>
+          <a:p>
             <a:endParaRPr lang="en-US" dirty="0"/>
           </a:p>
         </p:txBody>
@@ -1511,7 +1503,7 @@
     </p:spTree>
     <p:extLst>
       <p:ext uri="{BB962C8B-B14F-4D97-AF65-F5344CB8AC3E}">
-        <p14:creationId xmlns:p14="http://schemas.microsoft.com/office/powerpoint/2010/main" val="3647924955"/>
+        <p14:creationId xmlns:p14="http://schemas.microsoft.com/office/powerpoint/2010/main" val="1185615168"/>
       </p:ext>
     </p:extLst>
   </p:cSld>
@@ -1586,7 +1578,7 @@
           <a:p>
             <a:fld id="{BE1C86D5-7ABF-401E-96AB-07EFE2B053C7}" type="slidenum">
               <a:rPr lang="en-US" smtClean="0"/>
-              <a:t>8</a:t>
+              <a:t>7</a:t>
             </a:fld>
             <a:endParaRPr lang="en-US"/>
           </a:p>
@@ -1595,7 +1587,7 @@
     </p:spTree>
     <p:extLst>
       <p:ext uri="{BB962C8B-B14F-4D97-AF65-F5344CB8AC3E}">
-        <p14:creationId xmlns:p14="http://schemas.microsoft.com/office/powerpoint/2010/main" val="1185615168"/>
+        <p14:creationId xmlns:p14="http://schemas.microsoft.com/office/powerpoint/2010/main" val="2962453312"/>
       </p:ext>
     </p:extLst>
   </p:cSld>
@@ -1649,7 +1641,100 @@
           <a:bodyPr/>
           <a:lstStyle/>
           <a:p>
-            <a:endParaRPr lang="en-US" dirty="0"/>
+            <a:r>
+              <a:rPr lang="en-US" sz="2000" b="1" dirty="0" smtClean="0"/>
+              <a:t>Meet CLO needs? . . . . ‘cell line cell population’?</a:t>
+            </a:r>
+          </a:p>
+          <a:p>
+            <a:endParaRPr lang="en-US" sz="2000" b="1" dirty="0" smtClean="0"/>
+          </a:p>
+          <a:p>
+            <a:r>
+              <a:rPr lang="en-US" sz="2000" b="1" dirty="0" smtClean="0"/>
+              <a:t>Every </a:t>
+            </a:r>
+            <a:r>
+              <a:rPr lang="en-US" sz="2000" b="1" dirty="0" smtClean="0"/>
+              <a:t>cultured cell is part_of some cell culture</a:t>
+            </a:r>
+          </a:p>
+          <a:p>
+            <a:pPr marL="742950" lvl="1" indent="-230188">
+              <a:buFont typeface="Arial" pitchFamily="34" charset="0"/>
+              <a:buChar char="•"/>
+            </a:pPr>
+            <a:r>
+              <a:rPr lang="en-US" dirty="0" smtClean="0"/>
+              <a:t>because a cultured cell does not exist until a culture is established</a:t>
+            </a:r>
+          </a:p>
+          <a:p>
+            <a:r>
+              <a:rPr lang="en-US" sz="2000" b="1" dirty="0" smtClean="0"/>
+              <a:t>A cell culture sample necessarily has_part some cultured cell . . . but a cultured cell is not necessarily part of a cell culture sample</a:t>
+            </a:r>
+          </a:p>
+          <a:p>
+            <a:pPr marL="742950" lvl="1" indent="-230188">
+              <a:buFont typeface="Arial" pitchFamily="34" charset="0"/>
+              <a:buChar char="•"/>
+            </a:pPr>
+            <a:r>
+              <a:rPr lang="en-US" dirty="0" smtClean="0"/>
+              <a:t>e.g. a single, isolated cultured cell is part of a cell culture, but not a cell culture sample</a:t>
+            </a:r>
+          </a:p>
+          <a:p>
+            <a:pPr marL="512762" lvl="1" indent="0">
+              <a:buFont typeface="Arial" pitchFamily="34" charset="0"/>
+              <a:buNone/>
+            </a:pPr>
+            <a:endParaRPr lang="en-US" sz="2000" b="1" dirty="0" smtClean="0"/>
+          </a:p>
+          <a:p>
+            <a:r>
+              <a:rPr lang="en-US" sz="2000" b="1" dirty="0" smtClean="0"/>
+              <a:t>Other possible ways to demarcate what comprises a sample:</a:t>
+            </a:r>
+          </a:p>
+          <a:p>
+            <a:r>
+              <a:rPr lang="en-US" sz="2000" b="0" dirty="0" smtClean="0"/>
+              <a:t>all cells of a line at a particular passage number? generation number?</a:t>
+            </a:r>
+            <a:r>
+              <a:rPr lang="en-US" sz="2000" b="0" baseline="0" dirty="0" smtClean="0"/>
+              <a:t> (</a:t>
+            </a:r>
+            <a:r>
+              <a:rPr lang="en-US" sz="2000" b="0" dirty="0" smtClean="0"/>
+              <a:t>will exist  across different locations and times)</a:t>
+            </a:r>
+          </a:p>
+          <a:p>
+            <a:r>
+              <a:rPr lang="en-US" sz="2000" b="0" dirty="0" smtClean="0"/>
+              <a:t>all cells of a line in a single lab?</a:t>
+            </a:r>
+          </a:p>
+          <a:p>
+            <a:r>
+              <a:rPr lang="en-US" sz="2000" b="0" dirty="0" smtClean="0"/>
+              <a:t>all cells of a line in a single dish/container?</a:t>
+            </a:r>
+          </a:p>
+          <a:p>
+            <a:r>
+              <a:rPr lang="en-US" sz="2000" b="0" dirty="0" smtClean="0"/>
+              <a:t>no demarcation rules at all (any conceivable portion of a given line)</a:t>
+            </a:r>
+          </a:p>
+          <a:p>
+            <a:r>
+              <a:rPr lang="en-US" sz="2000" b="0" dirty="0" smtClean="0"/>
+              <a:t>other possibly useful  ways for defining what constitutes a sample?</a:t>
+            </a:r>
           </a:p>
         </p:txBody>
       </p:sp>
@@ -1670,7 +1755,7 @@
           <a:p>
             <a:fld id="{BE1C86D5-7ABF-401E-96AB-07EFE2B053C7}" type="slidenum">
               <a:rPr lang="en-US" smtClean="0"/>
-              <a:t>9</a:t>
+              <a:t>8</a:t>
             </a:fld>
             <a:endParaRPr lang="en-US"/>
           </a:p>
@@ -1679,7 +1764,7 @@
     </p:spTree>
     <p:extLst>
       <p:ext uri="{BB962C8B-B14F-4D97-AF65-F5344CB8AC3E}">
-        <p14:creationId xmlns:p14="http://schemas.microsoft.com/office/powerpoint/2010/main" val="2962453312"/>
+        <p14:creationId xmlns:p14="http://schemas.microsoft.com/office/powerpoint/2010/main" val="4074844938"/>
       </p:ext>
     </p:extLst>
   </p:cSld>
@@ -1733,52 +1818,81 @@
           <a:bodyPr/>
           <a:lstStyle/>
           <a:p>
-            <a:r>
-              <a:rPr lang="en-US" sz="2000" b="1" dirty="0" smtClean="0"/>
-              <a:t>Other </a:t>
-            </a:r>
-            <a:r>
-              <a:rPr lang="en-US" sz="2000" b="1" dirty="0" smtClean="0"/>
-              <a:t>possible ways to demarcate what comprises a sample:</a:t>
-            </a:r>
-          </a:p>
-          <a:p>
-            <a:r>
-              <a:rPr lang="en-US" sz="2000" b="0" dirty="0" smtClean="0"/>
-              <a:t>all cells of a line at a particular passage number? generation number?</a:t>
-            </a:r>
-            <a:r>
-              <a:rPr lang="en-US" sz="2000" b="0" baseline="0" dirty="0" smtClean="0"/>
-              <a:t> (</a:t>
-            </a:r>
-            <a:r>
-              <a:rPr lang="en-US" sz="2000" b="0" dirty="0" smtClean="0"/>
-              <a:t>will exist  across different locations and times)</a:t>
-            </a:r>
-          </a:p>
-          <a:p>
-            <a:r>
-              <a:rPr lang="en-US" sz="2000" b="0" dirty="0" smtClean="0"/>
-              <a:t>all cells of a line in a single lab?</a:t>
-            </a:r>
-          </a:p>
-          <a:p>
-            <a:r>
-              <a:rPr lang="en-US" sz="2000" b="0" dirty="0" smtClean="0"/>
-              <a:t>all cells of a line in a single dish/container?</a:t>
-            </a:r>
-          </a:p>
-          <a:p>
-            <a:r>
-              <a:rPr lang="en-US" sz="2000" b="0" dirty="0" smtClean="0"/>
-              <a:t>no demarcation rules at all (any conceivable portion of a given line)</a:t>
-            </a:r>
-          </a:p>
-          <a:p>
-            <a:r>
-              <a:rPr lang="en-US" sz="2000" b="0" dirty="0" smtClean="0"/>
-              <a:t>other possibly useful  ways for defining what constitutes a sample?</a:t>
-            </a:r>
+            <a:pPr marL="0" marR="0" lvl="3" indent="0" algn="l" defTabSz="914400" rtl="0" eaLnBrk="1" fontAlgn="auto" latinLnBrk="0" hangingPunct="1">
+              <a:lnSpc>
+                <a:spcPct val="100000"/>
+              </a:lnSpc>
+              <a:spcBef>
+                <a:spcPts val="0"/>
+              </a:spcBef>
+              <a:spcAft>
+                <a:spcPts val="0"/>
+              </a:spcAft>
+              <a:buClrTx/>
+              <a:buSzTx/>
+              <a:buFontTx/>
+              <a:buNone/>
+              <a:tabLst/>
+              <a:defRPr/>
+            </a:pPr>
+            <a:r>
+              <a:rPr lang="en-US" dirty="0" err="1" smtClean="0"/>
+              <a:t>estab</a:t>
+            </a:r>
+            <a:r>
+              <a:rPr lang="en-US" dirty="0" smtClean="0"/>
+              <a:t> cell culture definition uses ‘cell line’ – will this be problematic for CLO?  CLO could </a:t>
+            </a:r>
+            <a:r>
+              <a:rPr lang="en-US" dirty="0" err="1" smtClean="0"/>
+              <a:t>relabel</a:t>
+            </a:r>
+            <a:r>
+              <a:rPr lang="en-US" dirty="0" smtClean="0"/>
+              <a:t> as ‘establishing cell</a:t>
+            </a:r>
+            <a:r>
+              <a:rPr lang="en-US" baseline="0" dirty="0" smtClean="0"/>
+              <a:t> line cell’ or ‘creation of cell line cell’, and </a:t>
+            </a:r>
+            <a:r>
+              <a:rPr lang="en-US" dirty="0" smtClean="0"/>
+              <a:t>could define</a:t>
+            </a:r>
+            <a:r>
+              <a:rPr lang="en-US" baseline="0" dirty="0" smtClean="0"/>
+              <a:t> </a:t>
+            </a:r>
+            <a:r>
+              <a:rPr lang="en-US" dirty="0" smtClean="0"/>
+              <a:t>instead as:</a:t>
+            </a:r>
+          </a:p>
+          <a:p>
+            <a:pPr marL="0" marR="0" lvl="3" indent="0" algn="l" defTabSz="914400" rtl="0" eaLnBrk="1" fontAlgn="auto" latinLnBrk="0" hangingPunct="1">
+              <a:lnSpc>
+                <a:spcPct val="100000"/>
+              </a:lnSpc>
+              <a:spcBef>
+                <a:spcPts val="0"/>
+              </a:spcBef>
+              <a:spcAft>
+                <a:spcPts val="0"/>
+              </a:spcAft>
+              <a:buClrTx/>
+              <a:buSzTx/>
+              <a:buFontTx/>
+              <a:buNone/>
+              <a:tabLst/>
+              <a:defRPr/>
+            </a:pPr>
+            <a:r>
+              <a:rPr lang="en-US" sz="1600" dirty="0" smtClean="0"/>
+              <a:t>“a process whereby a lineage of cell line cells is initiated through passaging of a primary cell culture to relative homogenous and stable composition, or through the experimental modification of an existing cell line to produce a new line with novel characteristics.</a:t>
+            </a:r>
+          </a:p>
+          <a:p>
+            <a:endParaRPr lang="en-US" dirty="0"/>
           </a:p>
         </p:txBody>
       </p:sp>
@@ -1799,7 +1913,7 @@
           <a:p>
             <a:fld id="{BE1C86D5-7ABF-401E-96AB-07EFE2B053C7}" type="slidenum">
               <a:rPr lang="en-US" smtClean="0"/>
-              <a:t>10</a:t>
+              <a:t>9</a:t>
             </a:fld>
             <a:endParaRPr lang="en-US"/>
           </a:p>
@@ -1808,7 +1922,7 @@
     </p:spTree>
     <p:extLst>
       <p:ext uri="{BB962C8B-B14F-4D97-AF65-F5344CB8AC3E}">
-        <p14:creationId xmlns:p14="http://schemas.microsoft.com/office/powerpoint/2010/main" val="4074844938"/>
+        <p14:creationId xmlns:p14="http://schemas.microsoft.com/office/powerpoint/2010/main" val="1034717850"/>
       </p:ext>
     </p:extLst>
   </p:cSld>
@@ -1862,7 +1976,73 @@
           <a:bodyPr/>
           <a:lstStyle/>
           <a:p>
-            <a:pPr marL="0" marR="0" lvl="3" indent="0" algn="l" defTabSz="914400" rtl="0" eaLnBrk="1" fontAlgn="auto" latinLnBrk="0" hangingPunct="1">
+            <a:pPr rtl="0" fontAlgn="ctr"/>
+            <a:r>
+              <a:rPr lang="en-US" sz="1200" b="0" i="0" kern="1200" dirty="0" smtClean="0">
+                <a:solidFill>
+                  <a:schemeClr val="tx1"/>
+                </a:solidFill>
+                <a:effectLst/>
+                <a:latin typeface="+mn-lt"/>
+                <a:ea typeface="+mn-ea"/>
+                <a:cs typeface="+mn-cs"/>
+              </a:rPr>
+              <a:t>Label may depend on how we define this class (or classes)</a:t>
+            </a:r>
+          </a:p>
+          <a:p>
+            <a:pPr lvl="1" rtl="0" fontAlgn="ctr"/>
+            <a:r>
+              <a:rPr lang="en-US" sz="1200" b="0" i="0" kern="1200" dirty="0" smtClean="0">
+                <a:solidFill>
+                  <a:schemeClr val="tx1"/>
+                </a:solidFill>
+                <a:effectLst/>
+                <a:latin typeface="+mn-lt"/>
+                <a:ea typeface="+mn-ea"/>
+                <a:cs typeface="+mn-cs"/>
+              </a:rPr>
+              <a:t>cell line sample, </a:t>
+            </a:r>
+            <a:r>
+              <a:rPr lang="en-US" sz="1200" b="0" i="0" kern="1200" dirty="0" smtClean="0">
+                <a:solidFill>
+                  <a:schemeClr val="tx1"/>
+                </a:solidFill>
+                <a:effectLst/>
+                <a:latin typeface="+mn-lt"/>
+                <a:ea typeface="+mn-ea"/>
+                <a:cs typeface="+mn-cs"/>
+              </a:rPr>
+              <a:t>portion</a:t>
+            </a:r>
+            <a:endParaRPr lang="en-US" sz="1200" b="0" i="0" kern="1200" dirty="0" smtClean="0">
+              <a:solidFill>
+                <a:schemeClr val="tx1"/>
+              </a:solidFill>
+              <a:effectLst/>
+              <a:latin typeface="+mn-lt"/>
+              <a:ea typeface="+mn-ea"/>
+              <a:cs typeface="+mn-cs"/>
+            </a:endParaRPr>
+          </a:p>
+          <a:p>
+            <a:pPr lvl="1" rtl="0" fontAlgn="ctr"/>
+            <a:r>
+              <a:rPr lang="en-US" sz="1200" b="0" i="0" kern="1200" dirty="0" smtClean="0">
+                <a:solidFill>
+                  <a:schemeClr val="tx1"/>
+                </a:solidFill>
+                <a:effectLst/>
+                <a:latin typeface="+mn-lt"/>
+                <a:ea typeface="+mn-ea"/>
+                <a:cs typeface="+mn-cs"/>
+              </a:rPr>
+              <a:t>cell line cell population (Oliver)</a:t>
+            </a:r>
+          </a:p>
+          <a:p>
+            <a:pPr marL="0" marR="0" indent="0" algn="l" defTabSz="914400" rtl="0" eaLnBrk="1" fontAlgn="auto" latinLnBrk="0" hangingPunct="1">
               <a:lnSpc>
                 <a:spcPct val="100000"/>
               </a:lnSpc>
@@ -1879,41 +2059,106 @@
               <a:tabLst/>
               <a:defRPr/>
             </a:pPr>
-            <a:r>
-              <a:rPr lang="en-US" dirty="0" err="1" smtClean="0"/>
-              <a:t>estab</a:t>
-            </a:r>
-            <a:r>
-              <a:rPr lang="en-US" dirty="0" smtClean="0"/>
-              <a:t> cell culture definition uses ‘cell line’ – will this be problematic for CLO?  CLO could </a:t>
-            </a:r>
-            <a:r>
-              <a:rPr lang="en-US" dirty="0" err="1" smtClean="0"/>
-              <a:t>relabel</a:t>
-            </a:r>
-            <a:r>
-              <a:rPr lang="en-US" dirty="0" smtClean="0"/>
-              <a:t> as ‘establishing cell</a:t>
-            </a:r>
-            <a:r>
-              <a:rPr lang="en-US" baseline="0" dirty="0" smtClean="0"/>
-              <a:t> line cell’ or ‘creation of cell line cell’, and </a:t>
-            </a:r>
-            <a:r>
-              <a:rPr lang="en-US" dirty="0" smtClean="0"/>
-              <a:t>could define</a:t>
-            </a:r>
-            <a:r>
-              <a:rPr lang="en-US" baseline="0" dirty="0" smtClean="0"/>
-              <a:t> </a:t>
-            </a:r>
-            <a:r>
-              <a:rPr lang="en-US" dirty="0" smtClean="0"/>
-              <a:t>instead as:</a:t>
-            </a:r>
-          </a:p>
-          <a:p>
-            <a:pPr marL="0" marR="0" lvl="3" indent="0" algn="l" defTabSz="914400" rtl="0" eaLnBrk="1" fontAlgn="auto" latinLnBrk="0" hangingPunct="1">
+            <a:endParaRPr lang="en-US" dirty="0" smtClean="0"/>
+          </a:p>
+          <a:p>
+            <a:pPr rtl="0" fontAlgn="ctr"/>
+            <a:r>
+              <a:rPr lang="en-US" sz="1200" kern="1200" dirty="0" smtClean="0">
+                <a:solidFill>
+                  <a:schemeClr val="tx1"/>
+                </a:solidFill>
+                <a:effectLst/>
+                <a:latin typeface="+mn-lt"/>
+                <a:ea typeface="+mn-ea"/>
+                <a:cs typeface="+mn-cs"/>
+              </a:rPr>
+              <a:t>Do we need </a:t>
+            </a:r>
+            <a:r>
+              <a:rPr lang="en-US" sz="1200" kern="1200" dirty="0" smtClean="0">
+                <a:solidFill>
+                  <a:schemeClr val="tx1"/>
+                </a:solidFill>
+                <a:effectLst/>
+                <a:latin typeface="+mn-lt"/>
+                <a:ea typeface="+mn-ea"/>
+                <a:cs typeface="+mn-cs"/>
+              </a:rPr>
+              <a:t>a class representing a culture including media? </a:t>
+            </a:r>
+            <a:r>
+              <a:rPr lang="en-US" sz="1200" kern="1200" dirty="0" smtClean="0">
+                <a:solidFill>
+                  <a:schemeClr val="tx1"/>
+                </a:solidFill>
+                <a:effectLst/>
+                <a:latin typeface="+mn-lt"/>
+                <a:ea typeface="+mn-ea"/>
+                <a:cs typeface="+mn-cs"/>
+              </a:rPr>
+              <a:t>Will </a:t>
+            </a:r>
+            <a:r>
+              <a:rPr lang="en-US" sz="1200" kern="1200" dirty="0" smtClean="0">
+                <a:solidFill>
+                  <a:schemeClr val="tx1"/>
+                </a:solidFill>
+                <a:effectLst/>
+                <a:latin typeface="+mn-lt"/>
+                <a:ea typeface="+mn-ea"/>
+                <a:cs typeface="+mn-cs"/>
+              </a:rPr>
+              <a:t>likely leave this to CLO to implement </a:t>
+            </a:r>
+            <a:r>
+              <a:rPr lang="en-US" sz="1200" kern="1200" dirty="0" smtClean="0">
+                <a:solidFill>
+                  <a:schemeClr val="tx1"/>
+                </a:solidFill>
+                <a:effectLst/>
+                <a:latin typeface="+mn-lt"/>
+                <a:ea typeface="+mn-ea"/>
+                <a:cs typeface="+mn-cs"/>
+              </a:rPr>
+              <a:t>if </a:t>
+            </a:r>
+            <a:r>
+              <a:rPr lang="en-US" sz="1200" kern="1200" dirty="0" smtClean="0">
+                <a:solidFill>
+                  <a:schemeClr val="tx1"/>
+                </a:solidFill>
+                <a:effectLst/>
+                <a:latin typeface="+mn-lt"/>
+                <a:ea typeface="+mn-ea"/>
+                <a:cs typeface="+mn-cs"/>
+              </a:rPr>
+              <a:t>they need it (OBI no want a possible fourth duplication of cell line hierarchy) </a:t>
+            </a:r>
+            <a:endParaRPr lang="en-US" dirty="0" smtClean="0">
+              <a:effectLst/>
+            </a:endParaRPr>
+          </a:p>
+          <a:p>
+            <a:pPr lvl="1" rtl="0" fontAlgn="ctr"/>
+            <a:r>
+              <a:rPr lang="en-US" sz="1200" kern="1200" dirty="0" smtClean="0">
+                <a:solidFill>
+                  <a:schemeClr val="tx1"/>
+                </a:solidFill>
+                <a:effectLst/>
+                <a:latin typeface="+mn-lt"/>
+                <a:ea typeface="+mn-ea"/>
+                <a:cs typeface="+mn-cs"/>
+              </a:rPr>
+              <a:t>we can link actively cultured cells to media and culture conditions through the maintaining cell culture process (ie actively cultured cells participate in some maintaining cell culture that has specified input some media type, or realizes some conditional specifications (O2 concentration,. temperature)</a:t>
+            </a:r>
+            <a:endParaRPr lang="en-US" dirty="0" smtClean="0">
+              <a:effectLst/>
+            </a:endParaRPr>
+          </a:p>
+          <a:p>
+            <a:pPr marL="0" marR="0" indent="0" algn="l" defTabSz="914400" rtl="0" eaLnBrk="1" fontAlgn="auto" latinLnBrk="0" hangingPunct="1">
               <a:lnSpc>
                 <a:spcPct val="100000"/>
               </a:lnSpc>
@@ -1930,10 +2175,7 @@
               <a:tabLst/>
               <a:defRPr/>
             </a:pPr>
-            <a:r>
-              <a:rPr lang="en-US" sz="1600" dirty="0" smtClean="0"/>
-              <a:t>“a process whereby a lineage of cell line cells is initiated through passaging of a primary cell culture to relative homogenous and stable composition, or through the experimental modification of an existing cell line to produce a new line with novel characteristics.</a:t>
-            </a:r>
+            <a:endParaRPr lang="en-US" dirty="0" smtClean="0"/>
           </a:p>
           <a:p>
             <a:endParaRPr lang="en-US" dirty="0"/>
@@ -1966,7 +2208,7 @@
     </p:spTree>
     <p:extLst>
       <p:ext uri="{BB962C8B-B14F-4D97-AF65-F5344CB8AC3E}">
-        <p14:creationId xmlns:p14="http://schemas.microsoft.com/office/powerpoint/2010/main" val="1034717850"/>
+        <p14:creationId xmlns:p14="http://schemas.microsoft.com/office/powerpoint/2010/main" val="3013537889"/>
       </p:ext>
     </p:extLst>
   </p:cSld>
@@ -2020,6 +2262,14 @@
           <a:bodyPr/>
           <a:lstStyle/>
           <a:p>
+            <a:r>
+              <a:rPr lang="en-US" dirty="0" smtClean="0"/>
+              <a:t>cant rely on forums and non-authoritative definitions – these are</a:t>
+            </a:r>
+            <a:r>
+              <a:rPr lang="en-US" baseline="0" dirty="0" smtClean="0"/>
+              <a:t> varied and ambiguous and only highlight the problem that terms such as cell line are inconsistently used and understood.  Need to rely on experts and authoritative sources such as cell culture methods books</a:t>
+            </a:r>
             <a:endParaRPr lang="en-US" dirty="0"/>
           </a:p>
         </p:txBody>
@@ -2050,7 +2300,7 @@
     </p:spTree>
     <p:extLst>
       <p:ext uri="{BB962C8B-B14F-4D97-AF65-F5344CB8AC3E}">
-        <p14:creationId xmlns:p14="http://schemas.microsoft.com/office/powerpoint/2010/main" val="3013537889"/>
+        <p14:creationId xmlns:p14="http://schemas.microsoft.com/office/powerpoint/2010/main" val="3160575013"/>
       </p:ext>
     </p:extLst>
   </p:cSld>
@@ -5208,13 +5458,20 @@
     </p:spTree>
     <p:extLst>
       <p:ext uri="{BB962C8B-B14F-4D97-AF65-F5344CB8AC3E}">
-        <p14:creationId xmlns:p14="http://schemas.microsoft.com/office/powerpoint/2010/main" val="4074068181"/>
+        <p14:creationId xmlns:p14="http://schemas.microsoft.com/office/powerpoint/2010/main" val="2756140983"/>
       </p:ext>
     </p:extLst>
   </p:cSld>
   <p:clrMapOvr>
     <a:masterClrMapping/>
   </p:clrMapOvr>
+  <p:timing>
+    <p:tnLst>
+      <p:par>
+        <p:cTn id="1" dur="indefinite" restart="never" nodeType="tmRoot"/>
+      </p:par>
+    </p:tnLst>
+  </p:timing>
 </p:sld>
 </file>
 
@@ -5237,14 +5494,105 @@
       </p:grpSpPr>
       <p:sp>
         <p:nvSpPr>
-          <p:cNvPr id="2" name="TextBox 1"/>
+          <p:cNvPr id="2" name="Rectangle 1"/>
+          <p:cNvSpPr/>
+          <p:nvPr/>
+        </p:nvSpPr>
+        <p:spPr>
+          <a:xfrm>
+            <a:off x="609600" y="1249740"/>
+            <a:ext cx="7696200" cy="5139869"/>
+          </a:xfrm>
+          <a:prstGeom prst="rect">
+            <a:avLst/>
+          </a:prstGeom>
+        </p:spPr>
+        <p:txBody>
+          <a:bodyPr wrap="square">
+            <a:spAutoFit/>
+          </a:bodyPr>
+          <a:lstStyle/>
+          <a:p>
+            <a:pPr lvl="1" indent="-457200">
+              <a:buFont typeface="Courier New" pitchFamily="49" charset="0"/>
+              <a:buChar char="o"/>
+            </a:pPr>
+            <a:r>
+              <a:rPr lang="en-US" sz="2800" dirty="0" smtClean="0"/>
+              <a:t>Are ‘actively cultured cell’/’active cell culture’ defined classes sufficient for what CLO needs? </a:t>
+            </a:r>
+          </a:p>
+          <a:p>
+            <a:pPr marL="0" lvl="1"/>
+            <a:endParaRPr lang="en-US" sz="2400" dirty="0" smtClean="0"/>
+          </a:p>
+          <a:p>
+            <a:pPr marL="685800" lvl="1"/>
+            <a:r>
+              <a:rPr lang="en-US" sz="2400" b="1" dirty="0" smtClean="0"/>
+              <a:t>‘actively cultured cell’ </a:t>
+            </a:r>
+            <a:r>
+              <a:rPr lang="en-US" sz="2400" dirty="0" smtClean="0"/>
+              <a:t>= a cultured cell that is actively being propagated or maintained in culture medium</a:t>
+            </a:r>
+          </a:p>
+          <a:p>
+            <a:pPr marL="685800" lvl="1"/>
+            <a:endParaRPr lang="en-US" sz="2400" dirty="0"/>
+          </a:p>
+          <a:p>
+            <a:pPr marL="685800" lvl="1"/>
+            <a:r>
+              <a:rPr lang="en-US" sz="2400" b="1" dirty="0" smtClean="0"/>
+              <a:t>’active cell culture sample’ </a:t>
+            </a:r>
+            <a:r>
+              <a:rPr lang="en-US" sz="2400" dirty="0" smtClean="0"/>
+              <a:t>= a cell culture sample that is actively being maintained or propagated in vitro</a:t>
+            </a:r>
+          </a:p>
+          <a:p>
+            <a:pPr marL="685800" lvl="1"/>
+            <a:r>
+              <a:rPr lang="en-US" sz="2400" dirty="0" smtClean="0"/>
+              <a:t>(does not include media)</a:t>
+            </a:r>
+          </a:p>
+          <a:p>
+            <a:pPr marL="0" lvl="1"/>
+            <a:endParaRPr lang="en-US" sz="2400" dirty="0" smtClean="0"/>
+          </a:p>
+          <a:p>
+            <a:pPr marL="0" lvl="1"/>
+            <a:endParaRPr lang="en-US" sz="2400" dirty="0"/>
+          </a:p>
+          <a:p>
+            <a:pPr lvl="1" indent="-457200">
+              <a:buFont typeface="Courier New" pitchFamily="49" charset="0"/>
+              <a:buChar char="o"/>
+            </a:pPr>
+            <a:r>
+              <a:rPr lang="en-US" sz="2800" dirty="0"/>
+              <a:t>D</a:t>
+            </a:r>
+            <a:r>
+              <a:rPr lang="en-US" sz="2800" dirty="0" smtClean="0"/>
+              <a:t>oes CLO need a class representing cells plus media?</a:t>
+            </a:r>
+          </a:p>
+        </p:txBody>
+      </p:sp>
+      <p:sp>
+        <p:nvSpPr>
+          <p:cNvPr id="3" name="TextBox 2"/>
           <p:cNvSpPr txBox="1"/>
           <p:nvPr/>
         </p:nvSpPr>
         <p:spPr>
           <a:xfrm>
-            <a:off x="137159" y="3962400"/>
-            <a:ext cx="8900591" cy="2693045"/>
+            <a:off x="1527242" y="228600"/>
+            <a:ext cx="6092758" cy="646331"/>
           </a:xfrm>
           <a:prstGeom prst="rect">
             <a:avLst/>
@@ -5252,159 +5600,6 @@
           <a:noFill/>
         </p:spPr>
         <p:txBody>
-          <a:bodyPr wrap="square" rtlCol="0">
-            <a:spAutoFit/>
-          </a:bodyPr>
-          <a:lstStyle/>
-          <a:p>
-            <a:r>
-              <a:rPr lang="en-US" sz="2400" b="1" dirty="0"/>
-              <a:t>D</a:t>
-            </a:r>
-            <a:r>
-              <a:rPr lang="en-US" sz="2400" b="1" dirty="0" smtClean="0"/>
-              <a:t>efinitional criteria clearly demarcate a useful collection of cells in a sample</a:t>
-            </a:r>
-            <a:r>
-              <a:rPr lang="en-US" sz="2400" b="1" dirty="0"/>
-              <a:t>, </a:t>
-            </a:r>
-            <a:r>
-              <a:rPr lang="en-US" sz="2400" b="1" dirty="0" smtClean="0"/>
-              <a:t>which </a:t>
-            </a:r>
-            <a:r>
-              <a:rPr lang="en-US" sz="2400" b="1" baseline="0" dirty="0" smtClean="0"/>
-              <a:t>represents what researchers actually culture, experiment on, and share.</a:t>
-            </a:r>
-          </a:p>
-          <a:p>
-            <a:endParaRPr lang="en-US" sz="800" b="1" baseline="0" dirty="0" smtClean="0"/>
-          </a:p>
-          <a:p>
-            <a:pPr marL="565150" indent="-279400">
-              <a:buFont typeface="Arial" pitchFamily="34" charset="0"/>
-              <a:buChar char="•"/>
-              <a:defRPr/>
-            </a:pPr>
-            <a:r>
-              <a:rPr lang="en-US" sz="2200" dirty="0" smtClean="0"/>
-              <a:t>Will be a relatively </a:t>
-            </a:r>
-            <a:r>
-              <a:rPr lang="en-US" sz="2200" dirty="0"/>
-              <a:t>uniform population </a:t>
-            </a:r>
-            <a:r>
-              <a:rPr lang="en-US" sz="2200" dirty="0" smtClean="0"/>
-              <a:t>(similar </a:t>
-            </a:r>
-            <a:r>
-              <a:rPr lang="en-US" sz="2200" dirty="0"/>
-              <a:t>evolution/genetic drifts due to continuous co-culture)</a:t>
-            </a:r>
-          </a:p>
-          <a:p>
-            <a:pPr marL="565150" indent="-279400">
-              <a:buFont typeface="Arial" pitchFamily="34" charset="0"/>
-              <a:buChar char="•"/>
-              <a:defRPr/>
-            </a:pPr>
-            <a:r>
-              <a:rPr lang="en-US" sz="2200" dirty="0" smtClean="0"/>
-              <a:t>All cells necessarily </a:t>
-            </a:r>
-            <a:r>
-              <a:rPr lang="en-US" sz="2200" dirty="0"/>
-              <a:t>output from a single subculture or storage </a:t>
-            </a:r>
-            <a:r>
-              <a:rPr lang="en-US" sz="2200" dirty="0" smtClean="0"/>
-              <a:t>split . . . </a:t>
-            </a:r>
-            <a:endParaRPr lang="en-US" sz="2200" b="1" dirty="0"/>
-          </a:p>
-          <a:p>
-            <a:pPr marL="565150" indent="-279400">
-              <a:buFont typeface="Arial" pitchFamily="34" charset="0"/>
-              <a:buChar char="•"/>
-              <a:defRPr/>
-            </a:pPr>
-            <a:r>
-              <a:rPr lang="en-US" sz="2200" dirty="0" smtClean="0"/>
-              <a:t>and necessarily </a:t>
-            </a:r>
-            <a:r>
-              <a:rPr lang="en-US" sz="2200" dirty="0"/>
-              <a:t>have the same passage </a:t>
-            </a:r>
-            <a:r>
-              <a:rPr lang="en-US" sz="2200" dirty="0" smtClean="0"/>
-              <a:t>number</a:t>
-            </a:r>
-            <a:endParaRPr lang="en-US" sz="2200" dirty="0"/>
-          </a:p>
-        </p:txBody>
-      </p:sp>
-      <p:sp>
-        <p:nvSpPr>
-          <p:cNvPr id="4" name="TextBox 3"/>
-          <p:cNvSpPr txBox="1"/>
-          <p:nvPr/>
-        </p:nvSpPr>
-        <p:spPr>
-          <a:xfrm>
-            <a:off x="335280" y="762000"/>
-            <a:ext cx="8309610" cy="1569660"/>
-          </a:xfrm>
-          <a:prstGeom prst="rect">
-            <a:avLst/>
-          </a:prstGeom>
-          <a:solidFill>
-            <a:schemeClr val="bg1">
-              <a:lumMod val="85000"/>
-            </a:schemeClr>
-          </a:solidFill>
-        </p:spPr>
-        <p:txBody>
-          <a:bodyPr wrap="square" rtlCol="0">
-            <a:spAutoFit/>
-          </a:bodyPr>
-          <a:lstStyle/>
-          <a:p>
-            <a:pPr algn="ctr"/>
-            <a:r>
-              <a:rPr lang="en-US" sz="2400" b="1" dirty="0"/>
-              <a:t>C</a:t>
-            </a:r>
-            <a:r>
-              <a:rPr lang="en-US" sz="2400" b="1" dirty="0" smtClean="0"/>
-              <a:t>ell culture samples </a:t>
-            </a:r>
-            <a:r>
-              <a:rPr lang="en-US" sz="2400" dirty="0" smtClean="0"/>
-              <a:t>are collections of cells that represent a defined portion of a cell culture that has been continuously maintained together in culture (or has been removed from such a culture for storage or experimental application)</a:t>
-            </a:r>
-          </a:p>
-        </p:txBody>
-      </p:sp>
-      <p:sp>
-        <p:nvSpPr>
-          <p:cNvPr id="3" name="TextBox 2"/>
-          <p:cNvSpPr txBox="1"/>
-          <p:nvPr/>
-        </p:nvSpPr>
-        <p:spPr>
-          <a:xfrm>
-            <a:off x="1981200" y="115956"/>
-            <a:ext cx="5188856" cy="646331"/>
-          </a:xfrm>
-          <a:prstGeom prst="rect">
-            <a:avLst/>
-          </a:prstGeom>
-          <a:noFill/>
-        </p:spPr>
-        <p:txBody>
           <a:bodyPr wrap="none" rtlCol="0">
             <a:spAutoFit/>
           </a:bodyPr>
@@ -5412,57 +5607,24 @@
           <a:p>
             <a:r>
               <a:rPr lang="en-US" sz="3600" b="1" dirty="0" smtClean="0"/>
-              <a:t>Cell Culture Samples (OBI)</a:t>
+              <a:t>‘Active’ </a:t>
+            </a:r>
+            <a:r>
+              <a:rPr lang="en-US" sz="3600" b="1" dirty="0"/>
+              <a:t>C</a:t>
+            </a:r>
+            <a:r>
+              <a:rPr lang="en-US" sz="3600" b="1" dirty="0" smtClean="0"/>
+              <a:t>ulture Classes for CLO</a:t>
             </a:r>
             <a:endParaRPr lang="en-US" sz="3600" b="1" dirty="0"/>
           </a:p>
         </p:txBody>
       </p:sp>
-      <p:pic>
-        <p:nvPicPr>
-          <p:cNvPr id="2062" name="Picture 14" descr="C:\Users\brushm\AppData\Roaming\PixelMetrics\CaptureWiz\Temp\21.jpg"/>
-          <p:cNvPicPr>
-            <a:picLocks noChangeAspect="1" noChangeArrowheads="1"/>
-          </p:cNvPicPr>
-          <p:nvPr/>
-        </p:nvPicPr>
-        <p:blipFill>
-          <a:blip r:embed="rId3">
-            <a:extLst>
-              <a:ext uri="{28A0092B-C50C-407E-A947-70E740481C1C}">
-                <a14:useLocalDpi xmlns:a14="http://schemas.microsoft.com/office/drawing/2010/main" val="0"/>
-              </a:ext>
-            </a:extLst>
-          </a:blip>
-          <a:srcRect/>
-          <a:stretch>
-            <a:fillRect/>
-          </a:stretch>
-        </p:blipFill>
-        <p:spPr bwMode="auto">
-          <a:xfrm>
-            <a:off x="1067467" y="2514600"/>
-            <a:ext cx="6781133" cy="1318952"/>
-          </a:xfrm>
-          <a:prstGeom prst="rect">
-            <a:avLst/>
-          </a:prstGeom>
-          <a:noFill/>
-          <a:extLst>
-            <a:ext uri="{909E8E84-426E-40DD-AFC4-6F175D3DCCD1}">
-              <a14:hiddenFill xmlns:a14="http://schemas.microsoft.com/office/drawing/2010/main">
-                <a:solidFill>
-                  <a:srgbClr val="FFFFFF"/>
-                </a:solidFill>
-              </a14:hiddenFill>
-            </a:ext>
-          </a:extLst>
-        </p:spPr>
-      </p:pic>
     </p:spTree>
     <p:extLst>
       <p:ext uri="{BB962C8B-B14F-4D97-AF65-F5344CB8AC3E}">
-        <p14:creationId xmlns:p14="http://schemas.microsoft.com/office/powerpoint/2010/main" val="986679011"/>
+        <p14:creationId xmlns:p14="http://schemas.microsoft.com/office/powerpoint/2010/main" val="518236520"/>
       </p:ext>
     </p:extLst>
   </p:cSld>
@@ -5491,224 +5653,14 @@
       </p:grpSpPr>
       <p:sp>
         <p:nvSpPr>
-          <p:cNvPr id="2" name="Rectangle 1"/>
-          <p:cNvSpPr/>
+          <p:cNvPr id="2" name="TextBox 1"/>
+          <p:cNvSpPr txBox="1"/>
           <p:nvPr/>
         </p:nvSpPr>
         <p:spPr>
           <a:xfrm>
-            <a:off x="304800" y="1617851"/>
-            <a:ext cx="8382000" cy="4108817"/>
-          </a:xfrm>
-          <a:prstGeom prst="rect">
-            <a:avLst/>
-          </a:prstGeom>
-        </p:spPr>
-        <p:txBody>
-          <a:bodyPr wrap="square">
-            <a:spAutoFit/>
-          </a:bodyPr>
-          <a:lstStyle/>
-          <a:p>
-            <a:pPr marL="457200" lvl="2">
-              <a:spcBef>
-                <a:spcPts val="600"/>
-              </a:spcBef>
-            </a:pPr>
-            <a:r>
-              <a:rPr lang="en-US" sz="2000" b="1" dirty="0" smtClean="0"/>
-              <a:t>1.    </a:t>
-            </a:r>
-            <a:r>
-              <a:rPr lang="en-US" sz="2000" b="1" dirty="0" err="1" smtClean="0"/>
-              <a:t>OBI:‘</a:t>
-            </a:r>
-            <a:r>
-              <a:rPr lang="en-US" sz="2000" b="1" dirty="0" err="1" smtClean="0"/>
-              <a:t>establishing</a:t>
-            </a:r>
-            <a:r>
-              <a:rPr lang="en-US" sz="2000" b="1" dirty="0"/>
-              <a:t> </a:t>
-            </a:r>
-            <a:r>
-              <a:rPr lang="en-US" sz="2000" b="1" dirty="0" smtClean="0"/>
-              <a:t>cell line’ </a:t>
-            </a:r>
-            <a:r>
-              <a:rPr lang="en-US" sz="2000" dirty="0" smtClean="0"/>
-              <a:t>processes</a:t>
-            </a:r>
-            <a:endParaRPr lang="en-US" sz="2000" dirty="0" smtClean="0"/>
-          </a:p>
-          <a:p>
-            <a:pPr marL="1257300" lvl="3" indent="-342900">
-              <a:spcBef>
-                <a:spcPts val="600"/>
-              </a:spcBef>
-              <a:buFont typeface="Arial" pitchFamily="34" charset="0"/>
-              <a:buChar char="•"/>
-            </a:pPr>
-            <a:r>
-              <a:rPr lang="en-US" sz="1600" dirty="0" smtClean="0"/>
-              <a:t>OBI has an ‘establishing cell line’ class that should meet CLO needs for a ‘cell line generation/development’ class.</a:t>
-            </a:r>
-            <a:endParaRPr lang="en-US" sz="1600" dirty="0"/>
-          </a:p>
-          <a:p>
-            <a:pPr marL="1257300" lvl="3" indent="-342900">
-              <a:spcBef>
-                <a:spcPts val="600"/>
-              </a:spcBef>
-              <a:buFont typeface="Arial" pitchFamily="34" charset="0"/>
-              <a:buChar char="•"/>
-            </a:pPr>
-            <a:r>
-              <a:rPr lang="en-US" sz="1600" dirty="0"/>
-              <a:t>a process whereby a cell line is </a:t>
-            </a:r>
-            <a:r>
-              <a:rPr lang="en-US" sz="1600" dirty="0" smtClean="0"/>
-              <a:t>created through </a:t>
-            </a:r>
-            <a:r>
-              <a:rPr lang="en-US" sz="1600" dirty="0"/>
-              <a:t>passaging of a primary cell culture to relative homogenous and stable composition, or through </a:t>
-            </a:r>
-            <a:r>
-              <a:rPr lang="en-US" sz="1600" dirty="0" smtClean="0"/>
-              <a:t>the experimental </a:t>
-            </a:r>
-            <a:r>
-              <a:rPr lang="en-US" sz="1600" dirty="0"/>
-              <a:t>modification of an existing cell line to produce a new line with novel characteristics.</a:t>
-            </a:r>
-            <a:endParaRPr lang="en-US" sz="1600" dirty="0" smtClean="0"/>
-          </a:p>
-          <a:p>
-            <a:pPr marL="1714500" lvl="4" indent="-342900">
-              <a:spcBef>
-                <a:spcPts val="600"/>
-              </a:spcBef>
-              <a:buFont typeface="Arial" pitchFamily="34" charset="0"/>
-              <a:buChar char="•"/>
-            </a:pPr>
-            <a:r>
-              <a:rPr lang="en-US" sz="1600" dirty="0" smtClean="0"/>
-              <a:t>e.g</a:t>
-            </a:r>
-            <a:r>
-              <a:rPr lang="en-US" sz="1600" dirty="0"/>
-              <a:t>. immortalization, genetic modification, selection of some defined </a:t>
-            </a:r>
-            <a:r>
-              <a:rPr lang="en-US" sz="1600" dirty="0" smtClean="0"/>
-              <a:t>subset</a:t>
-            </a:r>
-            <a:br>
-              <a:rPr lang="en-US" sz="1600" dirty="0" smtClean="0"/>
-            </a:br>
-            <a:endParaRPr lang="en-US" sz="800" dirty="0" smtClean="0"/>
-          </a:p>
-          <a:p>
-            <a:pPr lvl="2" indent="-457200">
-              <a:spcBef>
-                <a:spcPts val="600"/>
-              </a:spcBef>
-              <a:buFontTx/>
-              <a:buAutoNum type="arabicPeriod" startAt="2"/>
-            </a:pPr>
-            <a:r>
-              <a:rPr lang="en-US" sz="2000" b="1" dirty="0" err="1" smtClean="0"/>
-              <a:t>CLO:‘cell</a:t>
-            </a:r>
-            <a:r>
-              <a:rPr lang="en-US" sz="2000" b="1" dirty="0" smtClean="0"/>
-              <a:t> culturing’ hierarchy </a:t>
-            </a:r>
-            <a:r>
-              <a:rPr lang="en-US" sz="2000" dirty="0" smtClean="0"/>
-              <a:t>– to be aligned with </a:t>
-            </a:r>
-            <a:r>
-              <a:rPr lang="en-US" sz="2000" b="1" dirty="0" smtClean="0"/>
-              <a:t>OBI: ‘maintaining cell culture’ </a:t>
-            </a:r>
-            <a:endParaRPr lang="en-US" sz="2000" dirty="0" smtClean="0"/>
-          </a:p>
-          <a:p>
-            <a:pPr lvl="2" indent="-457200">
-              <a:spcBef>
-                <a:spcPts val="600"/>
-              </a:spcBef>
-              <a:buAutoNum type="arabicPeriod" startAt="2"/>
-            </a:pPr>
-            <a:endParaRPr lang="en-US" sz="800" dirty="0" smtClean="0"/>
-          </a:p>
-          <a:p>
-            <a:pPr lvl="2" indent="-457200">
-              <a:spcBef>
-                <a:spcPts val="600"/>
-              </a:spcBef>
-              <a:buAutoNum type="arabicPeriod" startAt="2"/>
-            </a:pPr>
-            <a:endParaRPr lang="en-US" sz="800" dirty="0"/>
-          </a:p>
-          <a:p>
-            <a:pPr lvl="2" indent="-457200">
-              <a:spcBef>
-                <a:spcPts val="600"/>
-              </a:spcBef>
-              <a:buAutoNum type="arabicPeriod" startAt="2"/>
-            </a:pPr>
-            <a:endParaRPr lang="en-US" sz="800" dirty="0" smtClean="0"/>
-          </a:p>
-          <a:p>
-            <a:pPr lvl="2" indent="-457200">
-              <a:spcBef>
-                <a:spcPts val="600"/>
-              </a:spcBef>
-              <a:buAutoNum type="arabicPeriod" startAt="2"/>
-            </a:pPr>
-            <a:endParaRPr lang="en-US" sz="800" dirty="0"/>
-          </a:p>
-          <a:p>
-            <a:pPr lvl="2" indent="-457200">
-              <a:spcBef>
-                <a:spcPts val="600"/>
-              </a:spcBef>
-              <a:buFontTx/>
-              <a:buAutoNum type="arabicPeriod" startAt="2"/>
-            </a:pPr>
-            <a:r>
-              <a:rPr lang="en-US" sz="2000" b="1" dirty="0" err="1" smtClean="0"/>
-              <a:t>CLO</a:t>
-            </a:r>
-            <a:r>
-              <a:rPr lang="en-US" sz="2000" b="1" dirty="0" err="1" smtClean="0"/>
-              <a:t>:‘cell</a:t>
-            </a:r>
-            <a:r>
-              <a:rPr lang="en-US" sz="2000" b="1" dirty="0" smtClean="0"/>
-              <a:t> line modification’ </a:t>
-            </a:r>
-            <a:r>
-              <a:rPr lang="en-US" sz="2000" dirty="0" smtClean="0"/>
-              <a:t>classes – to be modeled in OBI as well</a:t>
-            </a:r>
-          </a:p>
-        </p:txBody>
-      </p:sp>
-      <p:sp>
-        <p:nvSpPr>
-          <p:cNvPr id="3" name="TextBox 2"/>
-          <p:cNvSpPr txBox="1"/>
-          <p:nvPr/>
-        </p:nvSpPr>
-        <p:spPr>
-          <a:xfrm>
-            <a:off x="1066800" y="115956"/>
-            <a:ext cx="7014805" cy="646331"/>
+            <a:off x="1895383" y="191869"/>
+            <a:ext cx="5419817" cy="646331"/>
           </a:xfrm>
           <a:prstGeom prst="rect">
             <a:avLst/>
@@ -5723,123 +5675,191 @@
           <a:p>
             <a:r>
               <a:rPr lang="en-US" sz="3600" b="1" dirty="0" smtClean="0"/>
-              <a:t>Cell Culture Related Processes (OBI)</a:t>
+              <a:t>Recap and Moving Forward</a:t>
             </a:r>
             <a:endParaRPr lang="en-US" sz="3600" b="1" dirty="0"/>
           </a:p>
         </p:txBody>
       </p:sp>
-      <p:pic>
-        <p:nvPicPr>
-          <p:cNvPr id="19462" name="Picture 6" descr="C:\Users\brushm\AppData\Roaming\PixelMetrics\CaptureWiz\Temp\26.jpg"/>
-          <p:cNvPicPr>
-            <a:picLocks noChangeAspect="1" noChangeArrowheads="1"/>
-          </p:cNvPicPr>
+      <p:sp>
+        <p:nvSpPr>
+          <p:cNvPr id="4" name="TextBox 3"/>
+          <p:cNvSpPr txBox="1"/>
           <p:nvPr/>
-        </p:nvPicPr>
-        <p:blipFill>
-          <a:blip r:embed="rId3">
-            <a:extLst>
-              <a:ext uri="{28A0092B-C50C-407E-A947-70E740481C1C}">
-                <a14:useLocalDpi xmlns:a14="http://schemas.microsoft.com/office/drawing/2010/main" val="0"/>
-              </a:ext>
-            </a:extLst>
-          </a:blip>
-          <a:srcRect/>
-          <a:stretch>
-            <a:fillRect/>
-          </a:stretch>
-        </p:blipFill>
-        <p:spPr bwMode="auto">
+        </p:nvSpPr>
+        <p:spPr>
           <a:xfrm>
-            <a:off x="2667000" y="5791200"/>
-            <a:ext cx="3352800" cy="730047"/>
+            <a:off x="284018" y="914400"/>
+            <a:ext cx="8555182" cy="5940088"/>
           </a:xfrm>
           <a:prstGeom prst="rect">
             <a:avLst/>
           </a:prstGeom>
           <a:noFill/>
-          <a:extLst>
-            <a:ext uri="{909E8E84-426E-40DD-AFC4-6F175D3DCCD1}">
-              <a14:hiddenFill xmlns:a14="http://schemas.microsoft.com/office/drawing/2010/main">
-                <a:solidFill>
-                  <a:srgbClr val="FFFFFF"/>
-                </a:solidFill>
-              </a14:hiddenFill>
-            </a:ext>
-          </a:extLst>
         </p:spPr>
-      </p:pic>
-      <p:pic>
-        <p:nvPicPr>
-          <p:cNvPr id="19464" name="Picture 8" descr="C:\Users\brushm\AppData\Roaming\PixelMetrics\CaptureWiz\Temp\27.jpg"/>
-          <p:cNvPicPr>
-            <a:picLocks noChangeAspect="1" noChangeArrowheads="1"/>
-          </p:cNvPicPr>
-          <p:nvPr/>
-        </p:nvPicPr>
-        <p:blipFill>
-          <a:blip r:embed="rId4">
-            <a:extLst>
-              <a:ext uri="{28A0092B-C50C-407E-A947-70E740481C1C}">
-                <a14:useLocalDpi xmlns:a14="http://schemas.microsoft.com/office/drawing/2010/main" val="0"/>
-              </a:ext>
-            </a:extLst>
-          </a:blip>
-          <a:srcRect/>
-          <a:stretch>
-            <a:fillRect/>
-          </a:stretch>
-        </p:blipFill>
-        <p:spPr bwMode="auto">
-          <a:xfrm>
-            <a:off x="2656562" y="4343400"/>
-            <a:ext cx="5649238" cy="914400"/>
-          </a:xfrm>
-          <a:prstGeom prst="rect">
-            <a:avLst/>
-          </a:prstGeom>
-          <a:noFill/>
-          <a:extLst>
-            <a:ext uri="{909E8E84-426E-40DD-AFC4-6F175D3DCCD1}">
-              <a14:hiddenFill xmlns:a14="http://schemas.microsoft.com/office/drawing/2010/main">
-                <a:solidFill>
-                  <a:srgbClr val="FFFFFF"/>
-                </a:solidFill>
-              </a14:hiddenFill>
-            </a:ext>
-          </a:extLst>
-        </p:spPr>
-      </p:pic>
-      <p:sp>
-        <p:nvSpPr>
-          <p:cNvPr id="4" name="Rectangle 3"/>
-          <p:cNvSpPr/>
-          <p:nvPr/>
-        </p:nvSpPr>
-        <p:spPr>
-          <a:xfrm>
-            <a:off x="594360" y="662523"/>
-            <a:ext cx="7924800" cy="892552"/>
-          </a:xfrm>
-          <a:prstGeom prst="rect">
-            <a:avLst/>
-          </a:prstGeom>
-        </p:spPr>
-        <p:txBody>
-          <a:bodyPr wrap="square">
+        <p:txBody>
+          <a:bodyPr wrap="square" rtlCol="0">
             <a:spAutoFit/>
           </a:bodyPr>
           <a:lstStyle/>
           <a:p>
-            <a:pPr algn="ctr">
-              <a:spcBef>
-                <a:spcPts val="1200"/>
-              </a:spcBef>
+            <a:pPr marL="342900" indent="-342900">
+              <a:buFont typeface="Courier New" pitchFamily="49" charset="0"/>
+              <a:buChar char="o"/>
             </a:pPr>
             <a:r>
-              <a:rPr lang="en-US" sz="2600" dirty="0" smtClean="0"/>
-              <a:t>Modeling of processes related to culturing cells and establishing / modifying cell lines</a:t>
+              <a:rPr lang="en-US" sz="2400" dirty="0" smtClean="0"/>
+              <a:t>Does ‘cultured cell’ model meet CLO requirements?</a:t>
+            </a:r>
+          </a:p>
+          <a:p>
+            <a:pPr marL="854075" indent="-274638">
+              <a:buFont typeface="Arial" pitchFamily="34" charset="0"/>
+              <a:buChar char="•"/>
+            </a:pPr>
+            <a:r>
+              <a:rPr lang="en-US" sz="2000" dirty="0"/>
+              <a:t>I</a:t>
+            </a:r>
+            <a:r>
+              <a:rPr lang="en-US" sz="2000" dirty="0" smtClean="0"/>
+              <a:t>mplement in CLO (or CL?) and OBI will MIREOT back</a:t>
+            </a:r>
+          </a:p>
+          <a:p>
+            <a:endParaRPr lang="en-US" sz="1600" dirty="0"/>
+          </a:p>
+          <a:p>
+            <a:pPr marL="342900" indent="-342900">
+              <a:buFont typeface="Courier New" pitchFamily="49" charset="0"/>
+              <a:buChar char="o"/>
+            </a:pPr>
+            <a:r>
+              <a:rPr lang="en-US" sz="2400" dirty="0" smtClean="0"/>
+              <a:t>Does ‘cell culture’ and ‘cell culture sample’ modeling work for all?</a:t>
+            </a:r>
+          </a:p>
+          <a:p>
+            <a:pPr marL="854075" indent="-274638">
+              <a:buFont typeface="Arial" pitchFamily="34" charset="0"/>
+              <a:buChar char="•"/>
+            </a:pPr>
+            <a:r>
+              <a:rPr lang="en-US" sz="2000" dirty="0" smtClean="0"/>
+              <a:t>Will live in OBI and CLO can import what it needs.</a:t>
+            </a:r>
+          </a:p>
+          <a:p>
+            <a:pPr marL="854075" indent="-274638">
+              <a:buFont typeface="Arial" pitchFamily="34" charset="0"/>
+              <a:buChar char="•"/>
+            </a:pPr>
+            <a:r>
+              <a:rPr lang="en-US" sz="2000" dirty="0" smtClean="0"/>
+              <a:t>How fit with Oliver’s </a:t>
+            </a:r>
+            <a:r>
+              <a:rPr lang="en-US" sz="2000" dirty="0" smtClean="0"/>
+              <a:t>‘</a:t>
+            </a:r>
+            <a:r>
+              <a:rPr lang="en-US" sz="2000" dirty="0" smtClean="0"/>
+              <a:t>cell line cell population’</a:t>
+            </a:r>
+          </a:p>
+          <a:p>
+            <a:pPr marL="854075" indent="-274638">
+              <a:buFont typeface="Arial" pitchFamily="34" charset="0"/>
+              <a:buChar char="•"/>
+            </a:pPr>
+            <a:r>
+              <a:rPr lang="en-US" sz="2000" dirty="0" smtClean="0"/>
+              <a:t>Utility of ‘cell culture/line’ representation in addition to samples?</a:t>
+            </a:r>
+          </a:p>
+          <a:p>
+            <a:endParaRPr lang="en-US" sz="1600" dirty="0"/>
+          </a:p>
+          <a:p>
+            <a:pPr marL="342900" lvl="1" indent="-342900">
+              <a:buFont typeface="Courier New" pitchFamily="49" charset="0"/>
+              <a:buChar char="o"/>
+            </a:pPr>
+            <a:r>
+              <a:rPr lang="en-US" sz="2400" dirty="0" smtClean="0"/>
+              <a:t>Are ‘actively cultured cell’/’active cell culture’ classes good for CLO? </a:t>
+            </a:r>
+          </a:p>
+          <a:p>
+            <a:pPr marL="854075" lvl="2" indent="-274638">
+              <a:buFont typeface="Arial" pitchFamily="34" charset="0"/>
+              <a:buChar char="•"/>
+            </a:pPr>
+            <a:r>
+              <a:rPr lang="en-US" sz="2000" dirty="0" smtClean="0"/>
+              <a:t>Need for a class representing cells plus media?</a:t>
+            </a:r>
+          </a:p>
+          <a:p>
+            <a:pPr marL="800100" lvl="2" indent="-342900">
+              <a:buFont typeface="Courier New" pitchFamily="49" charset="0"/>
+              <a:buChar char="o"/>
+            </a:pPr>
+            <a:endParaRPr lang="en-US" sz="1400" dirty="0"/>
+          </a:p>
+          <a:p>
+            <a:pPr marL="342900" indent="-342900">
+              <a:buFont typeface="Courier New" pitchFamily="49" charset="0"/>
+              <a:buChar char="o"/>
+            </a:pPr>
+            <a:r>
+              <a:rPr lang="en-US" sz="2400" dirty="0" smtClean="0"/>
+              <a:t>Are cultured cells ‘experimentally modified’? </a:t>
+            </a:r>
+          </a:p>
+          <a:p>
+            <a:pPr marL="854075" lvl="1" indent="-274638">
+              <a:buFont typeface="Arial" pitchFamily="34" charset="0"/>
+              <a:buChar char="•"/>
+            </a:pPr>
+            <a:r>
+              <a:rPr lang="en-US" sz="2000" dirty="0" smtClean="0"/>
+              <a:t>Punt for now and assert as types of </a:t>
+            </a:r>
+            <a:r>
+              <a:rPr lang="en-US" sz="2000" dirty="0" err="1" smtClean="0"/>
+              <a:t>CL:’cell</a:t>
+            </a:r>
+            <a:r>
+              <a:rPr lang="en-US" sz="2000" dirty="0" smtClean="0"/>
+              <a:t> in vitro’</a:t>
+            </a:r>
+          </a:p>
+          <a:p>
+            <a:pPr marL="800100" lvl="2" indent="-342900">
+              <a:buFont typeface="Courier New" pitchFamily="49" charset="0"/>
+              <a:buChar char="o"/>
+            </a:pPr>
+            <a:endParaRPr lang="en-US" sz="1400" dirty="0" smtClean="0"/>
+          </a:p>
+          <a:p>
+            <a:pPr marL="342900" lvl="1" indent="-342900">
+              <a:buFont typeface="Courier New" pitchFamily="49" charset="0"/>
+              <a:buChar char="o"/>
+            </a:pPr>
+            <a:r>
+              <a:rPr lang="en-US" sz="2400" dirty="0" smtClean="0"/>
+              <a:t>Culturing processes also to live in OBI and be imported by CLO</a:t>
+            </a:r>
+          </a:p>
+          <a:p>
+            <a:pPr marL="908050" lvl="1" indent="-342900">
+              <a:buFont typeface="Arial" pitchFamily="34" charset="0"/>
+              <a:buChar char="•"/>
+            </a:pPr>
+            <a:r>
+              <a:rPr lang="en-US" sz="2000" dirty="0" smtClean="0"/>
+              <a:t>more work needed here</a:t>
             </a:r>
           </a:p>
         </p:txBody>
@@ -5847,13 +5867,20 @@
     </p:spTree>
     <p:extLst>
       <p:ext uri="{BB962C8B-B14F-4D97-AF65-F5344CB8AC3E}">
-        <p14:creationId xmlns:p14="http://schemas.microsoft.com/office/powerpoint/2010/main" val="2889183094"/>
+        <p14:creationId xmlns:p14="http://schemas.microsoft.com/office/powerpoint/2010/main" val="2012510866"/>
       </p:ext>
     </p:extLst>
   </p:cSld>
   <p:clrMapOvr>
     <a:masterClrMapping/>
   </p:clrMapOvr>
+  <p:timing>
+    <p:tnLst>
+      <p:par>
+        <p:cTn id="1" dur="indefinite" restart="never" nodeType="tmRoot"/>
+      </p:par>
+    </p:tnLst>
+  </p:timing>
 </p:sld>
 </file>
 
@@ -5874,422 +5901,27 @@
           <a:chExt cx="0" cy="0"/>
         </a:xfrm>
       </p:grpSpPr>
-      <p:sp>
-        <p:nvSpPr>
-          <p:cNvPr id="2" name="Rectangle 1"/>
-          <p:cNvSpPr/>
-          <p:nvPr/>
-        </p:nvSpPr>
-        <p:spPr>
-          <a:xfrm>
-            <a:off x="609600" y="1249740"/>
-            <a:ext cx="7696200" cy="5139869"/>
-          </a:xfrm>
-          <a:prstGeom prst="rect">
-            <a:avLst/>
-          </a:prstGeom>
-        </p:spPr>
-        <p:txBody>
-          <a:bodyPr wrap="square">
-            <a:spAutoFit/>
-          </a:bodyPr>
-          <a:lstStyle/>
-          <a:p>
-            <a:pPr lvl="1" indent="-457200">
-              <a:buFont typeface="Courier New" pitchFamily="49" charset="0"/>
-              <a:buChar char="o"/>
-            </a:pPr>
-            <a:r>
-              <a:rPr lang="en-US" sz="2800" dirty="0" smtClean="0"/>
-              <a:t>Are ‘actively cultured cell’/’active cell culture’ defined classes sufficient for what CLO needs? </a:t>
-            </a:r>
-          </a:p>
-          <a:p>
-            <a:pPr marL="0" lvl="1"/>
-            <a:endParaRPr lang="en-US" sz="2400" dirty="0" smtClean="0"/>
-          </a:p>
-          <a:p>
-            <a:pPr marL="685800" lvl="1"/>
-            <a:r>
-              <a:rPr lang="en-US" sz="2400" b="1" dirty="0" smtClean="0"/>
-              <a:t>‘actively cultured cell’ </a:t>
-            </a:r>
-            <a:r>
-              <a:rPr lang="en-US" sz="2400" dirty="0" smtClean="0"/>
-              <a:t>= a cultured cell that is actively being propagated or maintained in culture medium</a:t>
-            </a:r>
-          </a:p>
-          <a:p>
-            <a:pPr marL="685800" lvl="1"/>
-            <a:endParaRPr lang="en-US" sz="2400" dirty="0"/>
-          </a:p>
-          <a:p>
-            <a:pPr marL="685800" lvl="1"/>
-            <a:r>
-              <a:rPr lang="en-US" sz="2400" b="1" dirty="0" smtClean="0"/>
-              <a:t>’active cell culture sample’ </a:t>
-            </a:r>
-            <a:r>
-              <a:rPr lang="en-US" sz="2400" dirty="0" smtClean="0"/>
-              <a:t>= a cell culture sample that is actively being maintained or propagated in vitro</a:t>
-            </a:r>
-          </a:p>
-          <a:p>
-            <a:pPr marL="685800" lvl="1"/>
-            <a:r>
-              <a:rPr lang="en-US" sz="2400" dirty="0" smtClean="0"/>
-              <a:t>(does not include media)</a:t>
-            </a:r>
-          </a:p>
-          <a:p>
-            <a:pPr marL="0" lvl="1"/>
-            <a:endParaRPr lang="en-US" sz="2400" dirty="0" smtClean="0"/>
-          </a:p>
-          <a:p>
-            <a:pPr marL="0" lvl="1"/>
-            <a:endParaRPr lang="en-US" sz="2400" dirty="0"/>
-          </a:p>
-          <a:p>
-            <a:pPr lvl="1" indent="-457200">
-              <a:buFont typeface="Courier New" pitchFamily="49" charset="0"/>
-              <a:buChar char="o"/>
-            </a:pPr>
-            <a:r>
-              <a:rPr lang="en-US" sz="2800" dirty="0"/>
-              <a:t>D</a:t>
-            </a:r>
-            <a:r>
-              <a:rPr lang="en-US" sz="2800" dirty="0" smtClean="0"/>
-              <a:t>oes CLO need a class representing cells plus media?</a:t>
-            </a:r>
-          </a:p>
-        </p:txBody>
-      </p:sp>
-      <p:sp>
-        <p:nvSpPr>
-          <p:cNvPr id="3" name="TextBox 2"/>
-          <p:cNvSpPr txBox="1"/>
-          <p:nvPr/>
-        </p:nvSpPr>
-        <p:spPr>
-          <a:xfrm>
-            <a:off x="1527242" y="228600"/>
-            <a:ext cx="6092758" cy="646331"/>
-          </a:xfrm>
-          <a:prstGeom prst="rect">
-            <a:avLst/>
-          </a:prstGeom>
-          <a:noFill/>
-        </p:spPr>
-        <p:txBody>
-          <a:bodyPr wrap="none" rtlCol="0">
-            <a:spAutoFit/>
-          </a:bodyPr>
-          <a:lstStyle/>
-          <a:p>
-            <a:r>
-              <a:rPr lang="en-US" sz="3600" b="1" dirty="0" smtClean="0"/>
-              <a:t>‘Active’ </a:t>
-            </a:r>
-            <a:r>
-              <a:rPr lang="en-US" sz="3600" b="1" dirty="0"/>
-              <a:t>C</a:t>
-            </a:r>
-            <a:r>
-              <a:rPr lang="en-US" sz="3600" b="1" dirty="0" smtClean="0"/>
-              <a:t>ulture Classes for CLO</a:t>
-            </a:r>
-            <a:endParaRPr lang="en-US" sz="3600" b="1" dirty="0"/>
-          </a:p>
-        </p:txBody>
-      </p:sp>
     </p:spTree>
     <p:extLst>
       <p:ext uri="{BB962C8B-B14F-4D97-AF65-F5344CB8AC3E}">
-        <p14:creationId xmlns:p14="http://schemas.microsoft.com/office/powerpoint/2010/main" val="2688088182"/>
+        <p14:creationId xmlns:p14="http://schemas.microsoft.com/office/powerpoint/2010/main" val="916883513"/>
       </p:ext>
     </p:extLst>
   </p:cSld>
   <p:clrMapOvr>
     <a:masterClrMapping/>
   </p:clrMapOvr>
+  <p:timing>
+    <p:tnLst>
+      <p:par>
+        <p:cTn id="1" dur="indefinite" restart="never" nodeType="tmRoot"/>
+      </p:par>
+    </p:tnLst>
+  </p:timing>
 </p:sld>
 </file>
 
 <file path=ppt/slides/slide13.xml><?xml version="1.0" encoding="utf-8"?>
-<p:sld xmlns:a="http://schemas.openxmlformats.org/drawingml/2006/main" xmlns:r="http://schemas.openxmlformats.org/officeDocument/2006/relationships" xmlns:p="http://schemas.openxmlformats.org/presentationml/2006/main">
-  <p:cSld>
-    <p:spTree>
-      <p:nvGrpSpPr>
-        <p:cNvPr id="1" name=""/>
-        <p:cNvGrpSpPr/>
-        <p:nvPr/>
-      </p:nvGrpSpPr>
-      <p:grpSpPr>
-        <a:xfrm>
-          <a:off x="0" y="0"/>
-          <a:ext cx="0" cy="0"/>
-          <a:chOff x="0" y="0"/>
-          <a:chExt cx="0" cy="0"/>
-        </a:xfrm>
-      </p:grpSpPr>
-      <p:sp>
-        <p:nvSpPr>
-          <p:cNvPr id="2" name="TextBox 1"/>
-          <p:cNvSpPr txBox="1"/>
-          <p:nvPr/>
-        </p:nvSpPr>
-        <p:spPr>
-          <a:xfrm>
-            <a:off x="1895383" y="191869"/>
-            <a:ext cx="5419817" cy="646331"/>
-          </a:xfrm>
-          <a:prstGeom prst="rect">
-            <a:avLst/>
-          </a:prstGeom>
-          <a:noFill/>
-        </p:spPr>
-        <p:txBody>
-          <a:bodyPr wrap="none" rtlCol="0">
-            <a:spAutoFit/>
-          </a:bodyPr>
-          <a:lstStyle/>
-          <a:p>
-            <a:r>
-              <a:rPr lang="en-US" sz="3600" b="1" dirty="0" smtClean="0"/>
-              <a:t>Recap and Moving Forward</a:t>
-            </a:r>
-            <a:endParaRPr lang="en-US" sz="3600" b="1" dirty="0"/>
-          </a:p>
-        </p:txBody>
-      </p:sp>
-      <p:sp>
-        <p:nvSpPr>
-          <p:cNvPr id="4" name="TextBox 3"/>
-          <p:cNvSpPr txBox="1"/>
-          <p:nvPr/>
-        </p:nvSpPr>
-        <p:spPr>
-          <a:xfrm>
-            <a:off x="284018" y="914400"/>
-            <a:ext cx="8555182" cy="5940088"/>
-          </a:xfrm>
-          <a:prstGeom prst="rect">
-            <a:avLst/>
-          </a:prstGeom>
-          <a:noFill/>
-        </p:spPr>
-        <p:txBody>
-          <a:bodyPr wrap="square" rtlCol="0">
-            <a:spAutoFit/>
-          </a:bodyPr>
-          <a:lstStyle/>
-          <a:p>
-            <a:pPr marL="342900" indent="-342900">
-              <a:buFont typeface="Courier New" pitchFamily="49" charset="0"/>
-              <a:buChar char="o"/>
-            </a:pPr>
-            <a:r>
-              <a:rPr lang="en-US" sz="2400" dirty="0" smtClean="0"/>
-              <a:t>Does ‘cultured cell’ model meet CLO requirements?</a:t>
-            </a:r>
-          </a:p>
-          <a:p>
-            <a:pPr marL="854075" indent="-274638">
-              <a:buFont typeface="Arial" pitchFamily="34" charset="0"/>
-              <a:buChar char="•"/>
-            </a:pPr>
-            <a:r>
-              <a:rPr lang="en-US" sz="2000" dirty="0"/>
-              <a:t>I</a:t>
-            </a:r>
-            <a:r>
-              <a:rPr lang="en-US" sz="2000" dirty="0" smtClean="0"/>
-              <a:t>mplement in CLO (or CL?) and OBI will MIREOT back</a:t>
-            </a:r>
-          </a:p>
-          <a:p>
-            <a:endParaRPr lang="en-US" sz="1600" dirty="0"/>
-          </a:p>
-          <a:p>
-            <a:pPr marL="342900" indent="-342900">
-              <a:buFont typeface="Courier New" pitchFamily="49" charset="0"/>
-              <a:buChar char="o"/>
-            </a:pPr>
-            <a:r>
-              <a:rPr lang="en-US" sz="2400" dirty="0" smtClean="0"/>
-              <a:t>Does ‘cell culture’ and ‘cell culture sample’ modeling work for all?</a:t>
-            </a:r>
-          </a:p>
-          <a:p>
-            <a:pPr marL="854075" indent="-274638">
-              <a:buFont typeface="Arial" pitchFamily="34" charset="0"/>
-              <a:buChar char="•"/>
-            </a:pPr>
-            <a:r>
-              <a:rPr lang="en-US" sz="2000" dirty="0" smtClean="0"/>
-              <a:t>Will live in OBI and CLO can import what it needs.</a:t>
-            </a:r>
-          </a:p>
-          <a:p>
-            <a:pPr marL="854075" indent="-274638">
-              <a:buFont typeface="Arial" pitchFamily="34" charset="0"/>
-              <a:buChar char="•"/>
-            </a:pPr>
-            <a:r>
-              <a:rPr lang="en-US" sz="2000" dirty="0" smtClean="0"/>
-              <a:t>How fit with Oliver’s </a:t>
-            </a:r>
-            <a:r>
-              <a:rPr lang="en-US" sz="2000" dirty="0" smtClean="0"/>
-              <a:t>‘</a:t>
-            </a:r>
-            <a:r>
-              <a:rPr lang="en-US" sz="2000" dirty="0" smtClean="0"/>
-              <a:t>cell line cell population’</a:t>
-            </a:r>
-          </a:p>
-          <a:p>
-            <a:pPr marL="854075" indent="-274638">
-              <a:buFont typeface="Arial" pitchFamily="34" charset="0"/>
-              <a:buChar char="•"/>
-            </a:pPr>
-            <a:r>
-              <a:rPr lang="en-US" sz="2000" dirty="0" smtClean="0"/>
-              <a:t>Utility of ‘cell culture/line’ representation in addition to samples?</a:t>
-            </a:r>
-          </a:p>
-          <a:p>
-            <a:endParaRPr lang="en-US" sz="1600" dirty="0"/>
-          </a:p>
-          <a:p>
-            <a:pPr marL="342900" lvl="1" indent="-342900">
-              <a:buFont typeface="Courier New" pitchFamily="49" charset="0"/>
-              <a:buChar char="o"/>
-            </a:pPr>
-            <a:r>
-              <a:rPr lang="en-US" sz="2400" dirty="0" smtClean="0"/>
-              <a:t>Are ‘actively cultured cell’/’active cell culture’ classes good for CLO? </a:t>
-            </a:r>
-          </a:p>
-          <a:p>
-            <a:pPr marL="854075" lvl="2" indent="-274638">
-              <a:buFont typeface="Arial" pitchFamily="34" charset="0"/>
-              <a:buChar char="•"/>
-            </a:pPr>
-            <a:r>
-              <a:rPr lang="en-US" sz="2000" dirty="0" smtClean="0"/>
-              <a:t>Need for a class representing cells plus media?</a:t>
-            </a:r>
-          </a:p>
-          <a:p>
-            <a:pPr marL="800100" lvl="2" indent="-342900">
-              <a:buFont typeface="Courier New" pitchFamily="49" charset="0"/>
-              <a:buChar char="o"/>
-            </a:pPr>
-            <a:endParaRPr lang="en-US" sz="1400" dirty="0"/>
-          </a:p>
-          <a:p>
-            <a:pPr marL="342900" indent="-342900">
-              <a:buFont typeface="Courier New" pitchFamily="49" charset="0"/>
-              <a:buChar char="o"/>
-            </a:pPr>
-            <a:r>
-              <a:rPr lang="en-US" sz="2400" dirty="0" smtClean="0"/>
-              <a:t>Are cultured cells ‘experimentally modified’? </a:t>
-            </a:r>
-          </a:p>
-          <a:p>
-            <a:pPr marL="854075" lvl="1" indent="-274638">
-              <a:buFont typeface="Arial" pitchFamily="34" charset="0"/>
-              <a:buChar char="•"/>
-            </a:pPr>
-            <a:r>
-              <a:rPr lang="en-US" sz="2000" dirty="0" smtClean="0"/>
-              <a:t>Punt for now and assert as types of </a:t>
-            </a:r>
-            <a:r>
-              <a:rPr lang="en-US" sz="2000" dirty="0" err="1" smtClean="0"/>
-              <a:t>CL:’cell</a:t>
-            </a:r>
-            <a:r>
-              <a:rPr lang="en-US" sz="2000" dirty="0" smtClean="0"/>
-              <a:t> in vitro’</a:t>
-            </a:r>
-          </a:p>
-          <a:p>
-            <a:pPr marL="800100" lvl="2" indent="-342900">
-              <a:buFont typeface="Courier New" pitchFamily="49" charset="0"/>
-              <a:buChar char="o"/>
-            </a:pPr>
-            <a:endParaRPr lang="en-US" sz="1400" dirty="0" smtClean="0"/>
-          </a:p>
-          <a:p>
-            <a:pPr marL="342900" lvl="1" indent="-342900">
-              <a:buFont typeface="Courier New" pitchFamily="49" charset="0"/>
-              <a:buChar char="o"/>
-            </a:pPr>
-            <a:r>
-              <a:rPr lang="en-US" sz="2400" dirty="0" smtClean="0"/>
-              <a:t>Culturing processes also to live in OBI and be imported by CLO</a:t>
-            </a:r>
-          </a:p>
-          <a:p>
-            <a:pPr marL="908050" lvl="1" indent="-342900">
-              <a:buFont typeface="Arial" pitchFamily="34" charset="0"/>
-              <a:buChar char="•"/>
-            </a:pPr>
-            <a:r>
-              <a:rPr lang="en-US" sz="2000" dirty="0" smtClean="0"/>
-              <a:t>more work needed here</a:t>
-            </a:r>
-          </a:p>
-        </p:txBody>
-      </p:sp>
-    </p:spTree>
-    <p:extLst>
-      <p:ext uri="{BB962C8B-B14F-4D97-AF65-F5344CB8AC3E}">
-        <p14:creationId xmlns:p14="http://schemas.microsoft.com/office/powerpoint/2010/main" val="3741809562"/>
-      </p:ext>
-    </p:extLst>
-  </p:cSld>
-  <p:clrMapOvr>
-    <a:masterClrMapping/>
-  </p:clrMapOvr>
-</p:sld>
-</file>
-
-<file path=ppt/slides/slide14.xml><?xml version="1.0" encoding="utf-8"?>
-<p:sld xmlns:a="http://schemas.openxmlformats.org/drawingml/2006/main" xmlns:r="http://schemas.openxmlformats.org/officeDocument/2006/relationships" xmlns:p="http://schemas.openxmlformats.org/presentationml/2006/main">
-  <p:cSld>
-    <p:spTree>
-      <p:nvGrpSpPr>
-        <p:cNvPr id="1" name=""/>
-        <p:cNvGrpSpPr/>
-        <p:nvPr/>
-      </p:nvGrpSpPr>
-      <p:grpSpPr>
-        <a:xfrm>
-          <a:off x="0" y="0"/>
-          <a:ext cx="0" cy="0"/>
-          <a:chOff x="0" y="0"/>
-          <a:chExt cx="0" cy="0"/>
-        </a:xfrm>
-      </p:grpSpPr>
-    </p:spTree>
-    <p:extLst>
-      <p:ext uri="{BB962C8B-B14F-4D97-AF65-F5344CB8AC3E}">
-        <p14:creationId xmlns:p14="http://schemas.microsoft.com/office/powerpoint/2010/main" val="3726844534"/>
-      </p:ext>
-    </p:extLst>
-  </p:cSld>
-  <p:clrMapOvr>
-    <a:masterClrMapping/>
-  </p:clrMapOvr>
-</p:sld>
-</file>
-
-<file path=ppt/slides/slide15.xml><?xml version="1.0" encoding="utf-8"?>
 <p:sld xmlns:a="http://schemas.openxmlformats.org/drawingml/2006/main" xmlns:r="http://schemas.openxmlformats.org/officeDocument/2006/relationships" xmlns:p="http://schemas.openxmlformats.org/presentationml/2006/main">
   <p:cSld>
     <p:spTree>
@@ -6620,17 +6252,24 @@
     </p:spTree>
     <p:extLst>
       <p:ext uri="{BB962C8B-B14F-4D97-AF65-F5344CB8AC3E}">
-        <p14:creationId xmlns:p14="http://schemas.microsoft.com/office/powerpoint/2010/main" val="1273449590"/>
+        <p14:creationId xmlns:p14="http://schemas.microsoft.com/office/powerpoint/2010/main" val="4015642989"/>
       </p:ext>
     </p:extLst>
   </p:cSld>
   <p:clrMapOvr>
     <a:masterClrMapping/>
   </p:clrMapOvr>
+  <p:timing>
+    <p:tnLst>
+      <p:par>
+        <p:cTn id="1" dur="indefinite" restart="never" nodeType="tmRoot"/>
+      </p:par>
+    </p:tnLst>
+  </p:timing>
 </p:sld>
 </file>
 
-<file path=ppt/slides/slide16.xml><?xml version="1.0" encoding="utf-8"?>
+<file path=ppt/slides/slide14.xml><?xml version="1.0" encoding="utf-8"?>
 <p:sld xmlns:a="http://schemas.openxmlformats.org/drawingml/2006/main" xmlns:r="http://schemas.openxmlformats.org/officeDocument/2006/relationships" xmlns:p="http://schemas.openxmlformats.org/presentationml/2006/main">
   <p:cSld>
     <p:spTree>
@@ -7090,17 +6729,24 @@
     </p:spTree>
     <p:extLst>
       <p:ext uri="{BB962C8B-B14F-4D97-AF65-F5344CB8AC3E}">
-        <p14:creationId xmlns:p14="http://schemas.microsoft.com/office/powerpoint/2010/main" val="2854950136"/>
+        <p14:creationId xmlns:p14="http://schemas.microsoft.com/office/powerpoint/2010/main" val="145145566"/>
       </p:ext>
     </p:extLst>
   </p:cSld>
   <p:clrMapOvr>
     <a:masterClrMapping/>
   </p:clrMapOvr>
+  <p:timing>
+    <p:tnLst>
+      <p:par>
+        <p:cTn id="1" dur="indefinite" restart="never" nodeType="tmRoot"/>
+      </p:par>
+    </p:tnLst>
+  </p:timing>
 </p:sld>
 </file>
 
-<file path=ppt/slides/slide17.xml><?xml version="1.0" encoding="utf-8"?>
+<file path=ppt/slides/slide15.xml><?xml version="1.0" encoding="utf-8"?>
 <p:sld xmlns:a="http://schemas.openxmlformats.org/drawingml/2006/main" xmlns:r="http://schemas.openxmlformats.org/officeDocument/2006/relationships" xmlns:p="http://schemas.openxmlformats.org/presentationml/2006/main">
   <p:cSld>
     <p:spTree>
@@ -7370,133 +7016,24 @@
     </p:spTree>
     <p:extLst>
       <p:ext uri="{BB962C8B-B14F-4D97-AF65-F5344CB8AC3E}">
-        <p14:creationId xmlns:p14="http://schemas.microsoft.com/office/powerpoint/2010/main" val="2663939817"/>
+        <p14:creationId xmlns:p14="http://schemas.microsoft.com/office/powerpoint/2010/main" val="1378530924"/>
       </p:ext>
     </p:extLst>
   </p:cSld>
   <p:clrMapOvr>
     <a:masterClrMapping/>
   </p:clrMapOvr>
+  <p:timing>
+    <p:tnLst>
+      <p:par>
+        <p:cTn id="1" dur="indefinite" restart="never" nodeType="tmRoot"/>
+      </p:par>
+    </p:tnLst>
+  </p:timing>
 </p:sld>
 </file>
 
 <file path=ppt/slides/slide2.xml><?xml version="1.0" encoding="utf-8"?>
-<p:sld xmlns:a="http://schemas.openxmlformats.org/drawingml/2006/main" xmlns:r="http://schemas.openxmlformats.org/officeDocument/2006/relationships" xmlns:p="http://schemas.openxmlformats.org/presentationml/2006/main">
-  <p:cSld>
-    <p:spTree>
-      <p:nvGrpSpPr>
-        <p:cNvPr id="1" name=""/>
-        <p:cNvGrpSpPr/>
-        <p:nvPr/>
-      </p:nvGrpSpPr>
-      <p:grpSpPr>
-        <a:xfrm>
-          <a:off x="0" y="0"/>
-          <a:ext cx="0" cy="0"/>
-          <a:chOff x="0" y="0"/>
-          <a:chExt cx="0" cy="0"/>
-        </a:xfrm>
-      </p:grpSpPr>
-      <p:sp>
-        <p:nvSpPr>
-          <p:cNvPr id="2" name="TextBox 1"/>
-          <p:cNvSpPr txBox="1"/>
-          <p:nvPr/>
-        </p:nvSpPr>
-        <p:spPr>
-          <a:xfrm>
-            <a:off x="1834341" y="115669"/>
-            <a:ext cx="5480859" cy="646331"/>
-          </a:xfrm>
-          <a:prstGeom prst="rect">
-            <a:avLst/>
-          </a:prstGeom>
-          <a:noFill/>
-        </p:spPr>
-        <p:txBody>
-          <a:bodyPr wrap="none" rtlCol="0">
-            <a:spAutoFit/>
-          </a:bodyPr>
-          <a:lstStyle/>
-          <a:p>
-            <a:r>
-              <a:rPr lang="en-US" sz="3600" b="1" dirty="0" smtClean="0"/>
-              <a:t>CLO Use Cases/Applications</a:t>
-            </a:r>
-            <a:endParaRPr lang="en-US" sz="3600" b="1" dirty="0"/>
-          </a:p>
-        </p:txBody>
-      </p:sp>
-      <p:sp>
-        <p:nvSpPr>
-          <p:cNvPr id="3" name="TextBox 2"/>
-          <p:cNvSpPr txBox="1"/>
-          <p:nvPr/>
-        </p:nvSpPr>
-        <p:spPr>
-          <a:xfrm>
-            <a:off x="838200" y="1566208"/>
-            <a:ext cx="7620000" cy="1938992"/>
-          </a:xfrm>
-          <a:prstGeom prst="rect">
-            <a:avLst/>
-          </a:prstGeom>
-          <a:noFill/>
-        </p:spPr>
-        <p:txBody>
-          <a:bodyPr wrap="square" rtlCol="0">
-            <a:spAutoFit/>
-          </a:bodyPr>
-          <a:lstStyle/>
-          <a:p>
-            <a:pPr algn="ctr"/>
-            <a:r>
-              <a:rPr lang="en-US" sz="2400" dirty="0" smtClean="0"/>
-              <a:t>(Oliver, </a:t>
-            </a:r>
-            <a:r>
-              <a:rPr lang="en-US" sz="2400" dirty="0" err="1" smtClean="0"/>
-              <a:t>Sira</a:t>
-            </a:r>
-            <a:r>
-              <a:rPr lang="en-US" sz="2400" dirty="0" smtClean="0"/>
-              <a:t>, Asiyah)</a:t>
-            </a:r>
-          </a:p>
-          <a:p>
-            <a:pPr algn="ctr"/>
-            <a:endParaRPr lang="en-US" sz="2400" dirty="0" smtClean="0"/>
-          </a:p>
-          <a:p>
-            <a:pPr algn="ctr"/>
-            <a:r>
-              <a:rPr lang="en-US" sz="2400" dirty="0" smtClean="0"/>
-              <a:t>Who is using CLO?   What kind of data is being applied to?  </a:t>
-            </a:r>
-          </a:p>
-          <a:p>
-            <a:pPr algn="ctr"/>
-            <a:r>
-              <a:rPr lang="en-US" sz="2400" dirty="0" smtClean="0"/>
-              <a:t>What is the motivation to switch to a representation of single cells rather than lines?</a:t>
-            </a:r>
-          </a:p>
-        </p:txBody>
-      </p:sp>
-    </p:spTree>
-    <p:extLst>
-      <p:ext uri="{BB962C8B-B14F-4D97-AF65-F5344CB8AC3E}">
-        <p14:creationId xmlns:p14="http://schemas.microsoft.com/office/powerpoint/2010/main" val="2162746408"/>
-      </p:ext>
-    </p:extLst>
-  </p:cSld>
-  <p:clrMapOvr>
-    <a:masterClrMapping/>
-  </p:clrMapOvr>
-</p:sld>
-</file>
-
-<file path=ppt/slides/slide3.xml><?xml version="1.0" encoding="utf-8"?>
 <p:sld xmlns:a="http://schemas.openxmlformats.org/drawingml/2006/main" xmlns:r="http://schemas.openxmlformats.org/officeDocument/2006/relationships" xmlns:p="http://schemas.openxmlformats.org/presentationml/2006/main">
   <p:cSld>
     <p:spTree>
@@ -7963,17 +7500,24 @@
     </p:spTree>
     <p:extLst>
       <p:ext uri="{BB962C8B-B14F-4D97-AF65-F5344CB8AC3E}">
-        <p14:creationId xmlns:p14="http://schemas.microsoft.com/office/powerpoint/2010/main" val="1044508432"/>
+        <p14:creationId xmlns:p14="http://schemas.microsoft.com/office/powerpoint/2010/main" val="3772997212"/>
       </p:ext>
     </p:extLst>
   </p:cSld>
   <p:clrMapOvr>
     <a:masterClrMapping/>
   </p:clrMapOvr>
+  <p:timing>
+    <p:tnLst>
+      <p:par>
+        <p:cTn id="1" dur="indefinite" restart="never" nodeType="tmRoot"/>
+      </p:par>
+    </p:tnLst>
+  </p:timing>
 </p:sld>
 </file>
 
-<file path=ppt/slides/slide4.xml><?xml version="1.0" encoding="utf-8"?>
+<file path=ppt/slides/slide3.xml><?xml version="1.0" encoding="utf-8"?>
 <p:sld xmlns:a="http://schemas.openxmlformats.org/drawingml/2006/main" xmlns:r="http://schemas.openxmlformats.org/officeDocument/2006/relationships" xmlns:p="http://schemas.openxmlformats.org/presentationml/2006/main">
   <p:cSld>
     <p:spTree>
@@ -8409,13 +7953,123 @@
     </p:spTree>
     <p:extLst>
       <p:ext uri="{BB962C8B-B14F-4D97-AF65-F5344CB8AC3E}">
-        <p14:creationId xmlns:p14="http://schemas.microsoft.com/office/powerpoint/2010/main" val="3027254374"/>
+        <p14:creationId xmlns:p14="http://schemas.microsoft.com/office/powerpoint/2010/main" val="3640657984"/>
       </p:ext>
     </p:extLst>
   </p:cSld>
   <p:clrMapOvr>
     <a:masterClrMapping/>
   </p:clrMapOvr>
+  <p:timing>
+    <p:tnLst>
+      <p:par>
+        <p:cTn id="1" dur="indefinite" restart="never" nodeType="tmRoot"/>
+      </p:par>
+    </p:tnLst>
+  </p:timing>
+</p:sld>
+</file>
+
+<file path=ppt/slides/slide4.xml><?xml version="1.0" encoding="utf-8"?>
+<p:sld xmlns:a="http://schemas.openxmlformats.org/drawingml/2006/main" xmlns:r="http://schemas.openxmlformats.org/officeDocument/2006/relationships" xmlns:p="http://schemas.openxmlformats.org/presentationml/2006/main">
+  <p:cSld>
+    <p:spTree>
+      <p:nvGrpSpPr>
+        <p:cNvPr id="1" name=""/>
+        <p:cNvGrpSpPr/>
+        <p:nvPr/>
+      </p:nvGrpSpPr>
+      <p:grpSpPr>
+        <a:xfrm>
+          <a:off x="0" y="0"/>
+          <a:ext cx="0" cy="0"/>
+          <a:chOff x="0" y="0"/>
+          <a:chExt cx="0" cy="0"/>
+        </a:xfrm>
+      </p:grpSpPr>
+      <p:sp>
+        <p:nvSpPr>
+          <p:cNvPr id="4" name="TextBox 3"/>
+          <p:cNvSpPr txBox="1"/>
+          <p:nvPr/>
+        </p:nvSpPr>
+        <p:spPr>
+          <a:xfrm>
+            <a:off x="1066800" y="268069"/>
+            <a:ext cx="6969985" cy="646331"/>
+          </a:xfrm>
+          <a:prstGeom prst="rect">
+            <a:avLst/>
+          </a:prstGeom>
+          <a:noFill/>
+        </p:spPr>
+        <p:txBody>
+          <a:bodyPr wrap="none" rtlCol="0">
+            <a:spAutoFit/>
+          </a:bodyPr>
+          <a:lstStyle/>
+          <a:p>
+            <a:r>
+              <a:rPr lang="en-US" sz="3600" b="1" dirty="0" smtClean="0"/>
+              <a:t>Review Class Definitions and Labels</a:t>
+            </a:r>
+            <a:endParaRPr lang="en-US" sz="3600" b="1" dirty="0"/>
+          </a:p>
+        </p:txBody>
+      </p:sp>
+      <p:sp>
+        <p:nvSpPr>
+          <p:cNvPr id="5" name="Rectangle 4"/>
+          <p:cNvSpPr/>
+          <p:nvPr/>
+        </p:nvSpPr>
+        <p:spPr>
+          <a:xfrm>
+            <a:off x="914400" y="1085671"/>
+            <a:ext cx="7051794" cy="1200329"/>
+          </a:xfrm>
+          <a:prstGeom prst="rect">
+            <a:avLst/>
+          </a:prstGeom>
+        </p:spPr>
+        <p:txBody>
+          <a:bodyPr wrap="square">
+            <a:spAutoFit/>
+          </a:bodyPr>
+          <a:lstStyle/>
+          <a:p>
+            <a:pPr algn="ctr"/>
+            <a:r>
+              <a:rPr lang="en-US" sz="2400" dirty="0" smtClean="0">
+                <a:hlinkClick r:id="rId2"/>
+              </a:rPr>
+              <a:t>https://docs.google.com/spreadsheet/ccc?key=0AiKzIoedGeqJdEkwd2Q1aFJPTHR5d0U5VUpkekJ3b1E#gid=0</a:t>
+            </a:r>
+            <a:endParaRPr lang="en-US" sz="2400" dirty="0" smtClean="0"/>
+          </a:p>
+          <a:p>
+            <a:pPr algn="ctr"/>
+            <a:endParaRPr lang="en-US" sz="2400" dirty="0"/>
+          </a:p>
+        </p:txBody>
+      </p:sp>
+    </p:spTree>
+    <p:extLst>
+      <p:ext uri="{BB962C8B-B14F-4D97-AF65-F5344CB8AC3E}">
+        <p14:creationId xmlns:p14="http://schemas.microsoft.com/office/powerpoint/2010/main" val="1065597087"/>
+      </p:ext>
+    </p:extLst>
+  </p:cSld>
+  <p:clrMapOvr>
+    <a:masterClrMapping/>
+  </p:clrMapOvr>
+  <p:timing>
+    <p:tnLst>
+      <p:par>
+        <p:cTn id="1" dur="indefinite" restart="never" nodeType="tmRoot"/>
+      </p:par>
+    </p:tnLst>
+  </p:timing>
 </p:sld>
 </file>
 
@@ -8438,102 +8092,6 @@
       </p:grpSpPr>
       <p:sp>
         <p:nvSpPr>
-          <p:cNvPr id="4" name="TextBox 3"/>
-          <p:cNvSpPr txBox="1"/>
-          <p:nvPr/>
-        </p:nvSpPr>
-        <p:spPr>
-          <a:xfrm>
-            <a:off x="1066800" y="268069"/>
-            <a:ext cx="6969985" cy="646331"/>
-          </a:xfrm>
-          <a:prstGeom prst="rect">
-            <a:avLst/>
-          </a:prstGeom>
-          <a:noFill/>
-        </p:spPr>
-        <p:txBody>
-          <a:bodyPr wrap="none" rtlCol="0">
-            <a:spAutoFit/>
-          </a:bodyPr>
-          <a:lstStyle/>
-          <a:p>
-            <a:r>
-              <a:rPr lang="en-US" sz="3600" b="1" dirty="0" smtClean="0"/>
-              <a:t>Review Class Definitions and Labels</a:t>
-            </a:r>
-            <a:endParaRPr lang="en-US" sz="3600" b="1" dirty="0"/>
-          </a:p>
-        </p:txBody>
-      </p:sp>
-      <p:sp>
-        <p:nvSpPr>
-          <p:cNvPr id="5" name="Rectangle 4"/>
-          <p:cNvSpPr/>
-          <p:nvPr/>
-        </p:nvSpPr>
-        <p:spPr>
-          <a:xfrm>
-            <a:off x="914400" y="1085671"/>
-            <a:ext cx="7051794" cy="1200329"/>
-          </a:xfrm>
-          <a:prstGeom prst="rect">
-            <a:avLst/>
-          </a:prstGeom>
-        </p:spPr>
-        <p:txBody>
-          <a:bodyPr wrap="square">
-            <a:spAutoFit/>
-          </a:bodyPr>
-          <a:lstStyle/>
-          <a:p>
-            <a:pPr algn="ctr"/>
-            <a:r>
-              <a:rPr lang="en-US" sz="2400" dirty="0" smtClean="0">
-                <a:hlinkClick r:id="rId2"/>
-              </a:rPr>
-              <a:t>https://docs.google.com/spreadsheet/ccc?key=0AiKzIoedGeqJdEkwd2Q1aFJPTHR5d0U5VUpkekJ3b1E#gid=0</a:t>
-            </a:r>
-            <a:endParaRPr lang="en-US" sz="2400" dirty="0" smtClean="0"/>
-          </a:p>
-          <a:p>
-            <a:pPr algn="ctr"/>
-            <a:endParaRPr lang="en-US" sz="2400" dirty="0"/>
-          </a:p>
-        </p:txBody>
-      </p:sp>
-    </p:spTree>
-    <p:extLst>
-      <p:ext uri="{BB962C8B-B14F-4D97-AF65-F5344CB8AC3E}">
-        <p14:creationId xmlns:p14="http://schemas.microsoft.com/office/powerpoint/2010/main" val="3825783781"/>
-      </p:ext>
-    </p:extLst>
-  </p:cSld>
-  <p:clrMapOvr>
-    <a:masterClrMapping/>
-  </p:clrMapOvr>
-</p:sld>
-</file>
-
-<file path=ppt/slides/slide6.xml><?xml version="1.0" encoding="utf-8"?>
-<p:sld xmlns:a="http://schemas.openxmlformats.org/drawingml/2006/main" xmlns:r="http://schemas.openxmlformats.org/officeDocument/2006/relationships" xmlns:p="http://schemas.openxmlformats.org/presentationml/2006/main">
-  <p:cSld>
-    <p:spTree>
-      <p:nvGrpSpPr>
-        <p:cNvPr id="1" name=""/>
-        <p:cNvGrpSpPr/>
-        <p:nvPr/>
-      </p:nvGrpSpPr>
-      <p:grpSpPr>
-        <a:xfrm>
-          <a:off x="0" y="0"/>
-          <a:ext cx="0" cy="0"/>
-          <a:chOff x="0" y="0"/>
-          <a:chExt cx="0" cy="0"/>
-        </a:xfrm>
-      </p:grpSpPr>
-      <p:sp>
-        <p:nvSpPr>
           <p:cNvPr id="2" name="Rectangle 1"/>
           <p:cNvSpPr/>
           <p:nvPr/>
@@ -8702,185 +8260,24 @@
     </p:spTree>
     <p:extLst>
       <p:ext uri="{BB962C8B-B14F-4D97-AF65-F5344CB8AC3E}">
-        <p14:creationId xmlns:p14="http://schemas.microsoft.com/office/powerpoint/2010/main" val="2481958944"/>
+        <p14:creationId xmlns:p14="http://schemas.microsoft.com/office/powerpoint/2010/main" val="593826117"/>
       </p:ext>
     </p:extLst>
   </p:cSld>
   <p:clrMapOvr>
     <a:masterClrMapping/>
   </p:clrMapOvr>
+  <p:timing>
+    <p:tnLst>
+      <p:par>
+        <p:cTn id="1" dur="indefinite" restart="never" nodeType="tmRoot"/>
+      </p:par>
+    </p:tnLst>
+  </p:timing>
 </p:sld>
 </file>
 
-<file path=ppt/slides/slide7.xml><?xml version="1.0" encoding="utf-8"?>
-<p:sld xmlns:a="http://schemas.openxmlformats.org/drawingml/2006/main" xmlns:r="http://schemas.openxmlformats.org/officeDocument/2006/relationships" xmlns:p="http://schemas.openxmlformats.org/presentationml/2006/main">
-  <p:cSld>
-    <p:spTree>
-      <p:nvGrpSpPr>
-        <p:cNvPr id="1" name=""/>
-        <p:cNvGrpSpPr/>
-        <p:nvPr/>
-      </p:nvGrpSpPr>
-      <p:grpSpPr>
-        <a:xfrm>
-          <a:off x="0" y="0"/>
-          <a:ext cx="0" cy="0"/>
-          <a:chOff x="0" y="0"/>
-          <a:chExt cx="0" cy="0"/>
-        </a:xfrm>
-      </p:grpSpPr>
-      <p:sp>
-        <p:nvSpPr>
-          <p:cNvPr id="2" name="Rectangle 1"/>
-          <p:cNvSpPr/>
-          <p:nvPr/>
-        </p:nvSpPr>
-        <p:spPr>
-          <a:xfrm>
-            <a:off x="228600" y="2216527"/>
-            <a:ext cx="8686800" cy="4647426"/>
-          </a:xfrm>
-          <a:prstGeom prst="rect">
-            <a:avLst/>
-          </a:prstGeom>
-        </p:spPr>
-        <p:txBody>
-          <a:bodyPr wrap="square">
-            <a:spAutoFit/>
-          </a:bodyPr>
-          <a:lstStyle/>
-          <a:p>
-            <a:pPr fontAlgn="ctr"/>
-            <a:r>
-              <a:rPr lang="en-US" sz="3200" dirty="0" smtClean="0"/>
-              <a:t>2. Can a single founding cell qualify as a cell culture or line?</a:t>
-            </a:r>
-          </a:p>
-          <a:p>
-            <a:pPr marL="511175" indent="-222250" fontAlgn="ctr">
-              <a:buFont typeface="Arial" pitchFamily="34" charset="0"/>
-              <a:buChar char="•"/>
-            </a:pPr>
-            <a:r>
-              <a:rPr lang="en-US" sz="2400" dirty="0" smtClean="0"/>
-              <a:t>If yes, this single cell, once cultured, </a:t>
-            </a:r>
-            <a:r>
-              <a:rPr lang="en-US" sz="2400" dirty="0"/>
-              <a:t> </a:t>
-            </a:r>
-            <a:r>
-              <a:rPr lang="en-US" sz="2400" dirty="0" smtClean="0"/>
-              <a:t>would be considered a cell culture or line.</a:t>
-            </a:r>
-          </a:p>
-          <a:p>
-            <a:pPr marL="511175" indent="-222250" fontAlgn="ctr">
-              <a:buFont typeface="Arial" pitchFamily="34" charset="0"/>
-              <a:buChar char="•"/>
-            </a:pPr>
-            <a:r>
-              <a:rPr lang="en-US" sz="2400" dirty="0" smtClean="0"/>
-              <a:t>If no, when is a new culture or line established?  At first division? </a:t>
-            </a:r>
-          </a:p>
-          <a:p>
-            <a:pPr marL="168275" fontAlgn="ctr"/>
-            <a:endParaRPr lang="en-US" sz="2400" dirty="0"/>
-          </a:p>
-          <a:p>
-            <a:pPr marL="168275" algn="ctr" fontAlgn="ctr"/>
-            <a:r>
-              <a:rPr lang="en-US" sz="2800" dirty="0" smtClean="0"/>
-              <a:t>Emerging consensus is yes. Consequences of this include assertion of ‘cell culture’ and ‘cell line’ as material entities (vs object aggregates), and their single cell parts being defined using ‘has grain’ rather than ‘has member’</a:t>
-            </a:r>
-          </a:p>
-          <a:p>
-            <a:pPr marL="168275" fontAlgn="ctr"/>
-            <a:endParaRPr lang="en-US" sz="2400" dirty="0"/>
-          </a:p>
-        </p:txBody>
-      </p:sp>
-      <p:sp>
-        <p:nvSpPr>
-          <p:cNvPr id="5" name="Rectangle 4"/>
-          <p:cNvSpPr/>
-          <p:nvPr/>
-        </p:nvSpPr>
-        <p:spPr>
-          <a:xfrm>
-            <a:off x="914400" y="1085671"/>
-            <a:ext cx="7051794" cy="1200329"/>
-          </a:xfrm>
-          <a:prstGeom prst="rect">
-            <a:avLst/>
-          </a:prstGeom>
-        </p:spPr>
-        <p:txBody>
-          <a:bodyPr wrap="square">
-            <a:spAutoFit/>
-          </a:bodyPr>
-          <a:lstStyle/>
-          <a:p>
-            <a:pPr algn="ctr"/>
-            <a:r>
-              <a:rPr lang="en-US" sz="2400" dirty="0" smtClean="0">
-                <a:hlinkClick r:id="rId2"/>
-              </a:rPr>
-              <a:t>https://docs.google.com/spreadsheet/ccc?key=0AiKzIoedGeqJdEkwd2Q1aFJPTHR5d0U5VUpkekJ3b1E#gid=0</a:t>
-            </a:r>
-            <a:endParaRPr lang="en-US" sz="2400" dirty="0" smtClean="0"/>
-          </a:p>
-          <a:p>
-            <a:pPr algn="ctr"/>
-            <a:endParaRPr lang="en-US" sz="2400" dirty="0"/>
-          </a:p>
-        </p:txBody>
-      </p:sp>
-      <p:sp>
-        <p:nvSpPr>
-          <p:cNvPr id="9" name="TextBox 8"/>
-          <p:cNvSpPr txBox="1"/>
-          <p:nvPr/>
-        </p:nvSpPr>
-        <p:spPr>
-          <a:xfrm>
-            <a:off x="1732056" y="268069"/>
-            <a:ext cx="5735544" cy="646331"/>
-          </a:xfrm>
-          <a:prstGeom prst="rect">
-            <a:avLst/>
-          </a:prstGeom>
-          <a:noFill/>
-        </p:spPr>
-        <p:txBody>
-          <a:bodyPr wrap="none" rtlCol="0">
-            <a:spAutoFit/>
-          </a:bodyPr>
-          <a:lstStyle/>
-          <a:p>
-            <a:r>
-              <a:rPr lang="en-US" sz="3600" b="1" dirty="0" smtClean="0"/>
-              <a:t>Class Definitions: Challenges</a:t>
-            </a:r>
-            <a:endParaRPr lang="en-US" sz="3600" b="1" dirty="0"/>
-          </a:p>
-        </p:txBody>
-      </p:sp>
-    </p:spTree>
-    <p:extLst>
-      <p:ext uri="{BB962C8B-B14F-4D97-AF65-F5344CB8AC3E}">
-        <p14:creationId xmlns:p14="http://schemas.microsoft.com/office/powerpoint/2010/main" val="1619955122"/>
-      </p:ext>
-    </p:extLst>
-  </p:cSld>
-  <p:clrMapOvr>
-    <a:masterClrMapping/>
-  </p:clrMapOvr>
-</p:sld>
-</file>
-
-<file path=ppt/slides/slide8.xml><?xml version="1.0" encoding="utf-8"?>
+<file path=ppt/slides/slide6.xml><?xml version="1.0" encoding="utf-8"?>
 <p:sld xmlns:a="http://schemas.openxmlformats.org/drawingml/2006/main" xmlns:r="http://schemas.openxmlformats.org/officeDocument/2006/relationships" xmlns:p="http://schemas.openxmlformats.org/presentationml/2006/main">
   <p:cSld>
     <p:spTree>
@@ -9258,17 +8655,24 @@
     </p:spTree>
     <p:extLst>
       <p:ext uri="{BB962C8B-B14F-4D97-AF65-F5344CB8AC3E}">
-        <p14:creationId xmlns:p14="http://schemas.microsoft.com/office/powerpoint/2010/main" val="2022556729"/>
+        <p14:creationId xmlns:p14="http://schemas.microsoft.com/office/powerpoint/2010/main" val="1521140617"/>
       </p:ext>
     </p:extLst>
   </p:cSld>
   <p:clrMapOvr>
     <a:masterClrMapping/>
   </p:clrMapOvr>
+  <p:timing>
+    <p:tnLst>
+      <p:par>
+        <p:cTn id="1" dur="indefinite" restart="never" nodeType="tmRoot"/>
+      </p:par>
+    </p:tnLst>
+  </p:timing>
 </p:sld>
 </file>
 
-<file path=ppt/slides/slide9.xml><?xml version="1.0" encoding="utf-8"?>
+<file path=ppt/slides/slide7.xml><?xml version="1.0" encoding="utf-8"?>
 <p:sld xmlns:a="http://schemas.openxmlformats.org/drawingml/2006/main" xmlns:r="http://schemas.openxmlformats.org/officeDocument/2006/relationships" xmlns:p="http://schemas.openxmlformats.org/presentationml/2006/main">
   <p:cSld>
     <p:spTree>
@@ -9697,7 +9101,646 @@
     </p:spTree>
     <p:extLst>
       <p:ext uri="{BB962C8B-B14F-4D97-AF65-F5344CB8AC3E}">
-        <p14:creationId xmlns:p14="http://schemas.microsoft.com/office/powerpoint/2010/main" val="4150275373"/>
+        <p14:creationId xmlns:p14="http://schemas.microsoft.com/office/powerpoint/2010/main" val="4007186649"/>
+      </p:ext>
+    </p:extLst>
+  </p:cSld>
+  <p:clrMapOvr>
+    <a:masterClrMapping/>
+  </p:clrMapOvr>
+</p:sld>
+</file>
+
+<file path=ppt/slides/slide8.xml><?xml version="1.0" encoding="utf-8"?>
+<p:sld xmlns:a="http://schemas.openxmlformats.org/drawingml/2006/main" xmlns:r="http://schemas.openxmlformats.org/officeDocument/2006/relationships" xmlns:p="http://schemas.openxmlformats.org/presentationml/2006/main">
+  <p:cSld>
+    <p:spTree>
+      <p:nvGrpSpPr>
+        <p:cNvPr id="1" name=""/>
+        <p:cNvGrpSpPr/>
+        <p:nvPr/>
+      </p:nvGrpSpPr>
+      <p:grpSpPr>
+        <a:xfrm>
+          <a:off x="0" y="0"/>
+          <a:ext cx="0" cy="0"/>
+          <a:chOff x="0" y="0"/>
+          <a:chExt cx="0" cy="0"/>
+        </a:xfrm>
+      </p:grpSpPr>
+      <p:sp>
+        <p:nvSpPr>
+          <p:cNvPr id="2" name="TextBox 1"/>
+          <p:cNvSpPr txBox="1"/>
+          <p:nvPr/>
+        </p:nvSpPr>
+        <p:spPr>
+          <a:xfrm>
+            <a:off x="137159" y="3962400"/>
+            <a:ext cx="8900591" cy="2693045"/>
+          </a:xfrm>
+          <a:prstGeom prst="rect">
+            <a:avLst/>
+          </a:prstGeom>
+          <a:noFill/>
+        </p:spPr>
+        <p:txBody>
+          <a:bodyPr wrap="square" rtlCol="0">
+            <a:spAutoFit/>
+          </a:bodyPr>
+          <a:lstStyle/>
+          <a:p>
+            <a:r>
+              <a:rPr lang="en-US" sz="2400" b="1" dirty="0"/>
+              <a:t>D</a:t>
+            </a:r>
+            <a:r>
+              <a:rPr lang="en-US" sz="2400" b="1" dirty="0" smtClean="0"/>
+              <a:t>efinitional criteria clearly demarcate a useful collection of cells in a sample</a:t>
+            </a:r>
+            <a:r>
+              <a:rPr lang="en-US" sz="2400" b="1" dirty="0"/>
+              <a:t>, </a:t>
+            </a:r>
+            <a:r>
+              <a:rPr lang="en-US" sz="2400" b="1" dirty="0" smtClean="0"/>
+              <a:t>which </a:t>
+            </a:r>
+            <a:r>
+              <a:rPr lang="en-US" sz="2400" b="1" baseline="0" dirty="0" smtClean="0"/>
+              <a:t>represents what researchers actually culture, experiment on, and share.</a:t>
+            </a:r>
+          </a:p>
+          <a:p>
+            <a:endParaRPr lang="en-US" sz="800" b="1" baseline="0" dirty="0" smtClean="0"/>
+          </a:p>
+          <a:p>
+            <a:pPr marL="565150" indent="-279400">
+              <a:buFont typeface="Arial" pitchFamily="34" charset="0"/>
+              <a:buChar char="•"/>
+              <a:defRPr/>
+            </a:pPr>
+            <a:r>
+              <a:rPr lang="en-US" sz="2200" dirty="0" smtClean="0"/>
+              <a:t>Will be a relatively </a:t>
+            </a:r>
+            <a:r>
+              <a:rPr lang="en-US" sz="2200" dirty="0"/>
+              <a:t>uniform population </a:t>
+            </a:r>
+            <a:r>
+              <a:rPr lang="en-US" sz="2200" dirty="0" smtClean="0"/>
+              <a:t>(similar </a:t>
+            </a:r>
+            <a:r>
+              <a:rPr lang="en-US" sz="2200" dirty="0"/>
+              <a:t>evolution/genetic drifts due to continuous co-culture)</a:t>
+            </a:r>
+          </a:p>
+          <a:p>
+            <a:pPr marL="565150" indent="-279400">
+              <a:buFont typeface="Arial" pitchFamily="34" charset="0"/>
+              <a:buChar char="•"/>
+              <a:defRPr/>
+            </a:pPr>
+            <a:r>
+              <a:rPr lang="en-US" sz="2200" dirty="0" smtClean="0"/>
+              <a:t>All cells necessarily </a:t>
+            </a:r>
+            <a:r>
+              <a:rPr lang="en-US" sz="2200" dirty="0"/>
+              <a:t>output from a single subculture or storage </a:t>
+            </a:r>
+            <a:r>
+              <a:rPr lang="en-US" sz="2200" dirty="0" smtClean="0"/>
+              <a:t>split . . . </a:t>
+            </a:r>
+            <a:endParaRPr lang="en-US" sz="2200" b="1" dirty="0"/>
+          </a:p>
+          <a:p>
+            <a:pPr marL="565150" indent="-279400">
+              <a:buFont typeface="Arial" pitchFamily="34" charset="0"/>
+              <a:buChar char="•"/>
+              <a:defRPr/>
+            </a:pPr>
+            <a:r>
+              <a:rPr lang="en-US" sz="2200" dirty="0" smtClean="0"/>
+              <a:t>and necessarily </a:t>
+            </a:r>
+            <a:r>
+              <a:rPr lang="en-US" sz="2200" dirty="0"/>
+              <a:t>have the same passage </a:t>
+            </a:r>
+            <a:r>
+              <a:rPr lang="en-US" sz="2200" dirty="0" smtClean="0"/>
+              <a:t>number</a:t>
+            </a:r>
+            <a:endParaRPr lang="en-US" sz="2200" dirty="0"/>
+          </a:p>
+        </p:txBody>
+      </p:sp>
+      <p:sp>
+        <p:nvSpPr>
+          <p:cNvPr id="4" name="TextBox 3"/>
+          <p:cNvSpPr txBox="1"/>
+          <p:nvPr/>
+        </p:nvSpPr>
+        <p:spPr>
+          <a:xfrm>
+            <a:off x="335280" y="762000"/>
+            <a:ext cx="8309610" cy="1569660"/>
+          </a:xfrm>
+          <a:prstGeom prst="rect">
+            <a:avLst/>
+          </a:prstGeom>
+          <a:solidFill>
+            <a:schemeClr val="bg1">
+              <a:lumMod val="85000"/>
+            </a:schemeClr>
+          </a:solidFill>
+        </p:spPr>
+        <p:txBody>
+          <a:bodyPr wrap="square" rtlCol="0">
+            <a:spAutoFit/>
+          </a:bodyPr>
+          <a:lstStyle/>
+          <a:p>
+            <a:pPr algn="ctr"/>
+            <a:r>
+              <a:rPr lang="en-US" sz="2400" b="1" dirty="0"/>
+              <a:t>C</a:t>
+            </a:r>
+            <a:r>
+              <a:rPr lang="en-US" sz="2400" b="1" dirty="0" smtClean="0"/>
+              <a:t>ell culture samples </a:t>
+            </a:r>
+            <a:r>
+              <a:rPr lang="en-US" sz="2400" dirty="0" smtClean="0"/>
+              <a:t>are collections of cells that represent a defined portion of a cell culture that has been continuously maintained together in culture (or has been removed from such a culture for storage or experimental application)</a:t>
+            </a:r>
+          </a:p>
+        </p:txBody>
+      </p:sp>
+      <p:sp>
+        <p:nvSpPr>
+          <p:cNvPr id="3" name="TextBox 2"/>
+          <p:cNvSpPr txBox="1"/>
+          <p:nvPr/>
+        </p:nvSpPr>
+        <p:spPr>
+          <a:xfrm>
+            <a:off x="1981200" y="115956"/>
+            <a:ext cx="5188856" cy="646331"/>
+          </a:xfrm>
+          <a:prstGeom prst="rect">
+            <a:avLst/>
+          </a:prstGeom>
+          <a:noFill/>
+        </p:spPr>
+        <p:txBody>
+          <a:bodyPr wrap="none" rtlCol="0">
+            <a:spAutoFit/>
+          </a:bodyPr>
+          <a:lstStyle/>
+          <a:p>
+            <a:r>
+              <a:rPr lang="en-US" sz="3600" b="1" dirty="0" smtClean="0"/>
+              <a:t>Cell Culture Samples (OBI)</a:t>
+            </a:r>
+            <a:endParaRPr lang="en-US" sz="3600" b="1" dirty="0"/>
+          </a:p>
+        </p:txBody>
+      </p:sp>
+      <p:pic>
+        <p:nvPicPr>
+          <p:cNvPr id="2062" name="Picture 14" descr="C:\Users\brushm\AppData\Roaming\PixelMetrics\CaptureWiz\Temp\21.jpg"/>
+          <p:cNvPicPr>
+            <a:picLocks noChangeAspect="1" noChangeArrowheads="1"/>
+          </p:cNvPicPr>
+          <p:nvPr/>
+        </p:nvPicPr>
+        <p:blipFill>
+          <a:blip r:embed="rId3">
+            <a:extLst>
+              <a:ext uri="{28A0092B-C50C-407E-A947-70E740481C1C}">
+                <a14:useLocalDpi xmlns:a14="http://schemas.microsoft.com/office/drawing/2010/main" val="0"/>
+              </a:ext>
+            </a:extLst>
+          </a:blip>
+          <a:srcRect/>
+          <a:stretch>
+            <a:fillRect/>
+          </a:stretch>
+        </p:blipFill>
+        <p:spPr bwMode="auto">
+          <a:xfrm>
+            <a:off x="1067467" y="2514600"/>
+            <a:ext cx="6781133" cy="1318952"/>
+          </a:xfrm>
+          <a:prstGeom prst="rect">
+            <a:avLst/>
+          </a:prstGeom>
+          <a:noFill/>
+          <a:extLst>
+            <a:ext uri="{909E8E84-426E-40DD-AFC4-6F175D3DCCD1}">
+              <a14:hiddenFill xmlns:a14="http://schemas.microsoft.com/office/drawing/2010/main">
+                <a:solidFill>
+                  <a:srgbClr val="FFFFFF"/>
+                </a:solidFill>
+              </a14:hiddenFill>
+            </a:ext>
+          </a:extLst>
+        </p:spPr>
+      </p:pic>
+    </p:spTree>
+    <p:extLst>
+      <p:ext uri="{BB962C8B-B14F-4D97-AF65-F5344CB8AC3E}">
+        <p14:creationId xmlns:p14="http://schemas.microsoft.com/office/powerpoint/2010/main" val="1097184712"/>
+      </p:ext>
+    </p:extLst>
+  </p:cSld>
+  <p:clrMapOvr>
+    <a:masterClrMapping/>
+  </p:clrMapOvr>
+</p:sld>
+</file>
+
+<file path=ppt/slides/slide9.xml><?xml version="1.0" encoding="utf-8"?>
+<p:sld xmlns:a="http://schemas.openxmlformats.org/drawingml/2006/main" xmlns:r="http://schemas.openxmlformats.org/officeDocument/2006/relationships" xmlns:p="http://schemas.openxmlformats.org/presentationml/2006/main">
+  <p:cSld>
+    <p:spTree>
+      <p:nvGrpSpPr>
+        <p:cNvPr id="1" name=""/>
+        <p:cNvGrpSpPr/>
+        <p:nvPr/>
+      </p:nvGrpSpPr>
+      <p:grpSpPr>
+        <a:xfrm>
+          <a:off x="0" y="0"/>
+          <a:ext cx="0" cy="0"/>
+          <a:chOff x="0" y="0"/>
+          <a:chExt cx="0" cy="0"/>
+        </a:xfrm>
+      </p:grpSpPr>
+      <p:sp>
+        <p:nvSpPr>
+          <p:cNvPr id="2" name="Rectangle 1"/>
+          <p:cNvSpPr/>
+          <p:nvPr/>
+        </p:nvSpPr>
+        <p:spPr>
+          <a:xfrm>
+            <a:off x="304800" y="1617851"/>
+            <a:ext cx="8382000" cy="4108817"/>
+          </a:xfrm>
+          <a:prstGeom prst="rect">
+            <a:avLst/>
+          </a:prstGeom>
+        </p:spPr>
+        <p:txBody>
+          <a:bodyPr wrap="square">
+            <a:spAutoFit/>
+          </a:bodyPr>
+          <a:lstStyle/>
+          <a:p>
+            <a:pPr marL="457200" lvl="2">
+              <a:spcBef>
+                <a:spcPts val="600"/>
+              </a:spcBef>
+            </a:pPr>
+            <a:r>
+              <a:rPr lang="en-US" sz="2000" b="1" dirty="0" smtClean="0"/>
+              <a:t>1.    </a:t>
+            </a:r>
+            <a:r>
+              <a:rPr lang="en-US" sz="2000" b="1" dirty="0" err="1" smtClean="0"/>
+              <a:t>OBI:‘</a:t>
+            </a:r>
+            <a:r>
+              <a:rPr lang="en-US" sz="2000" b="1" dirty="0" err="1" smtClean="0"/>
+              <a:t>establishing</a:t>
+            </a:r>
+            <a:r>
+              <a:rPr lang="en-US" sz="2000" b="1" dirty="0"/>
+              <a:t> </a:t>
+            </a:r>
+            <a:r>
+              <a:rPr lang="en-US" sz="2000" b="1" dirty="0" smtClean="0"/>
+              <a:t>cell line’ </a:t>
+            </a:r>
+            <a:r>
+              <a:rPr lang="en-US" sz="2000" dirty="0" smtClean="0"/>
+              <a:t>processes</a:t>
+            </a:r>
+            <a:endParaRPr lang="en-US" sz="2000" dirty="0" smtClean="0"/>
+          </a:p>
+          <a:p>
+            <a:pPr marL="1257300" lvl="3" indent="-342900">
+              <a:spcBef>
+                <a:spcPts val="600"/>
+              </a:spcBef>
+              <a:buFont typeface="Arial" pitchFamily="34" charset="0"/>
+              <a:buChar char="•"/>
+            </a:pPr>
+            <a:r>
+              <a:rPr lang="en-US" sz="1600" dirty="0" smtClean="0"/>
+              <a:t>OBI has an ‘establishing cell line’ class that should meet CLO needs for a ‘cell line generation/development’ class.</a:t>
+            </a:r>
+            <a:endParaRPr lang="en-US" sz="1600" dirty="0"/>
+          </a:p>
+          <a:p>
+            <a:pPr marL="1257300" lvl="3" indent="-342900">
+              <a:spcBef>
+                <a:spcPts val="600"/>
+              </a:spcBef>
+              <a:buFont typeface="Arial" pitchFamily="34" charset="0"/>
+              <a:buChar char="•"/>
+            </a:pPr>
+            <a:r>
+              <a:rPr lang="en-US" sz="1600" dirty="0"/>
+              <a:t>a process whereby a cell line is </a:t>
+            </a:r>
+            <a:r>
+              <a:rPr lang="en-US" sz="1600" dirty="0" smtClean="0"/>
+              <a:t>created through </a:t>
+            </a:r>
+            <a:r>
+              <a:rPr lang="en-US" sz="1600" dirty="0"/>
+              <a:t>passaging of a primary cell culture to relative homogenous and stable composition, or through </a:t>
+            </a:r>
+            <a:r>
+              <a:rPr lang="en-US" sz="1600" dirty="0" smtClean="0"/>
+              <a:t>the experimental </a:t>
+            </a:r>
+            <a:r>
+              <a:rPr lang="en-US" sz="1600" dirty="0"/>
+              <a:t>modification of an existing cell line to produce a new line with novel characteristics.</a:t>
+            </a:r>
+            <a:endParaRPr lang="en-US" sz="1600" dirty="0" smtClean="0"/>
+          </a:p>
+          <a:p>
+            <a:pPr marL="1714500" lvl="4" indent="-342900">
+              <a:spcBef>
+                <a:spcPts val="600"/>
+              </a:spcBef>
+              <a:buFont typeface="Arial" pitchFamily="34" charset="0"/>
+              <a:buChar char="•"/>
+            </a:pPr>
+            <a:r>
+              <a:rPr lang="en-US" sz="1600" dirty="0" smtClean="0"/>
+              <a:t>e.g</a:t>
+            </a:r>
+            <a:r>
+              <a:rPr lang="en-US" sz="1600" dirty="0"/>
+              <a:t>. immortalization, genetic modification, selection of some defined </a:t>
+            </a:r>
+            <a:r>
+              <a:rPr lang="en-US" sz="1600" dirty="0" smtClean="0"/>
+              <a:t>subset</a:t>
+            </a:r>
+            <a:br>
+              <a:rPr lang="en-US" sz="1600" dirty="0" smtClean="0"/>
+            </a:br>
+            <a:endParaRPr lang="en-US" sz="800" dirty="0" smtClean="0"/>
+          </a:p>
+          <a:p>
+            <a:pPr lvl="2" indent="-457200">
+              <a:spcBef>
+                <a:spcPts val="600"/>
+              </a:spcBef>
+              <a:buFontTx/>
+              <a:buAutoNum type="arabicPeriod" startAt="2"/>
+            </a:pPr>
+            <a:r>
+              <a:rPr lang="en-US" sz="2000" b="1" dirty="0" err="1" smtClean="0"/>
+              <a:t>CLO:‘cell</a:t>
+            </a:r>
+            <a:r>
+              <a:rPr lang="en-US" sz="2000" b="1" dirty="0" smtClean="0"/>
+              <a:t> culturing’ hierarchy </a:t>
+            </a:r>
+            <a:r>
+              <a:rPr lang="en-US" sz="2000" dirty="0" smtClean="0"/>
+              <a:t>– to be aligned with </a:t>
+            </a:r>
+            <a:r>
+              <a:rPr lang="en-US" sz="2000" b="1" dirty="0" smtClean="0"/>
+              <a:t>OBI: ‘maintaining cell culture’ </a:t>
+            </a:r>
+            <a:endParaRPr lang="en-US" sz="2000" dirty="0" smtClean="0"/>
+          </a:p>
+          <a:p>
+            <a:pPr lvl="2" indent="-457200">
+              <a:spcBef>
+                <a:spcPts val="600"/>
+              </a:spcBef>
+              <a:buAutoNum type="arabicPeriod" startAt="2"/>
+            </a:pPr>
+            <a:endParaRPr lang="en-US" sz="800" dirty="0" smtClean="0"/>
+          </a:p>
+          <a:p>
+            <a:pPr lvl="2" indent="-457200">
+              <a:spcBef>
+                <a:spcPts val="600"/>
+              </a:spcBef>
+              <a:buAutoNum type="arabicPeriod" startAt="2"/>
+            </a:pPr>
+            <a:endParaRPr lang="en-US" sz="800" dirty="0"/>
+          </a:p>
+          <a:p>
+            <a:pPr lvl="2" indent="-457200">
+              <a:spcBef>
+                <a:spcPts val="600"/>
+              </a:spcBef>
+              <a:buAutoNum type="arabicPeriod" startAt="2"/>
+            </a:pPr>
+            <a:endParaRPr lang="en-US" sz="800" dirty="0" smtClean="0"/>
+          </a:p>
+          <a:p>
+            <a:pPr lvl="2" indent="-457200">
+              <a:spcBef>
+                <a:spcPts val="600"/>
+              </a:spcBef>
+              <a:buAutoNum type="arabicPeriod" startAt="2"/>
+            </a:pPr>
+            <a:endParaRPr lang="en-US" sz="800" dirty="0"/>
+          </a:p>
+          <a:p>
+            <a:pPr lvl="2" indent="-457200">
+              <a:spcBef>
+                <a:spcPts val="600"/>
+              </a:spcBef>
+              <a:buFontTx/>
+              <a:buAutoNum type="arabicPeriod" startAt="2"/>
+            </a:pPr>
+            <a:r>
+              <a:rPr lang="en-US" sz="2000" b="1" dirty="0" err="1" smtClean="0"/>
+              <a:t>CLO</a:t>
+            </a:r>
+            <a:r>
+              <a:rPr lang="en-US" sz="2000" b="1" dirty="0" err="1" smtClean="0"/>
+              <a:t>:‘cell</a:t>
+            </a:r>
+            <a:r>
+              <a:rPr lang="en-US" sz="2000" b="1" dirty="0" smtClean="0"/>
+              <a:t> line modification’ </a:t>
+            </a:r>
+            <a:r>
+              <a:rPr lang="en-US" sz="2000" dirty="0" smtClean="0"/>
+              <a:t>classes – to be modeled in OBI as well</a:t>
+            </a:r>
+          </a:p>
+        </p:txBody>
+      </p:sp>
+      <p:sp>
+        <p:nvSpPr>
+          <p:cNvPr id="3" name="TextBox 2"/>
+          <p:cNvSpPr txBox="1"/>
+          <p:nvPr/>
+        </p:nvSpPr>
+        <p:spPr>
+          <a:xfrm>
+            <a:off x="1066800" y="115956"/>
+            <a:ext cx="7014805" cy="646331"/>
+          </a:xfrm>
+          <a:prstGeom prst="rect">
+            <a:avLst/>
+          </a:prstGeom>
+          <a:noFill/>
+        </p:spPr>
+        <p:txBody>
+          <a:bodyPr wrap="none" rtlCol="0">
+            <a:spAutoFit/>
+          </a:bodyPr>
+          <a:lstStyle/>
+          <a:p>
+            <a:r>
+              <a:rPr lang="en-US" sz="3600" b="1" dirty="0" smtClean="0"/>
+              <a:t>Cell Culture Related Processes (OBI)</a:t>
+            </a:r>
+            <a:endParaRPr lang="en-US" sz="3600" b="1" dirty="0"/>
+          </a:p>
+        </p:txBody>
+      </p:sp>
+      <p:pic>
+        <p:nvPicPr>
+          <p:cNvPr id="19462" name="Picture 6" descr="C:\Users\brushm\AppData\Roaming\PixelMetrics\CaptureWiz\Temp\26.jpg"/>
+          <p:cNvPicPr>
+            <a:picLocks noChangeAspect="1" noChangeArrowheads="1"/>
+          </p:cNvPicPr>
+          <p:nvPr/>
+        </p:nvPicPr>
+        <p:blipFill>
+          <a:blip r:embed="rId3">
+            <a:extLst>
+              <a:ext uri="{28A0092B-C50C-407E-A947-70E740481C1C}">
+                <a14:useLocalDpi xmlns:a14="http://schemas.microsoft.com/office/drawing/2010/main" val="0"/>
+              </a:ext>
+            </a:extLst>
+          </a:blip>
+          <a:srcRect/>
+          <a:stretch>
+            <a:fillRect/>
+          </a:stretch>
+        </p:blipFill>
+        <p:spPr bwMode="auto">
+          <a:xfrm>
+            <a:off x="2667000" y="5791200"/>
+            <a:ext cx="3352800" cy="730047"/>
+          </a:xfrm>
+          <a:prstGeom prst="rect">
+            <a:avLst/>
+          </a:prstGeom>
+          <a:noFill/>
+          <a:extLst>
+            <a:ext uri="{909E8E84-426E-40DD-AFC4-6F175D3DCCD1}">
+              <a14:hiddenFill xmlns:a14="http://schemas.microsoft.com/office/drawing/2010/main">
+                <a:solidFill>
+                  <a:srgbClr val="FFFFFF"/>
+                </a:solidFill>
+              </a14:hiddenFill>
+            </a:ext>
+          </a:extLst>
+        </p:spPr>
+      </p:pic>
+      <p:pic>
+        <p:nvPicPr>
+          <p:cNvPr id="19464" name="Picture 8" descr="C:\Users\brushm\AppData\Roaming\PixelMetrics\CaptureWiz\Temp\27.jpg"/>
+          <p:cNvPicPr>
+            <a:picLocks noChangeAspect="1" noChangeArrowheads="1"/>
+          </p:cNvPicPr>
+          <p:nvPr/>
+        </p:nvPicPr>
+        <p:blipFill>
+          <a:blip r:embed="rId4">
+            <a:extLst>
+              <a:ext uri="{28A0092B-C50C-407E-A947-70E740481C1C}">
+                <a14:useLocalDpi xmlns:a14="http://schemas.microsoft.com/office/drawing/2010/main" val="0"/>
+              </a:ext>
+            </a:extLst>
+          </a:blip>
+          <a:srcRect/>
+          <a:stretch>
+            <a:fillRect/>
+          </a:stretch>
+        </p:blipFill>
+        <p:spPr bwMode="auto">
+          <a:xfrm>
+            <a:off x="2656562" y="4343400"/>
+            <a:ext cx="5649238" cy="914400"/>
+          </a:xfrm>
+          <a:prstGeom prst="rect">
+            <a:avLst/>
+          </a:prstGeom>
+          <a:noFill/>
+          <a:extLst>
+            <a:ext uri="{909E8E84-426E-40DD-AFC4-6F175D3DCCD1}">
+              <a14:hiddenFill xmlns:a14="http://schemas.microsoft.com/office/drawing/2010/main">
+                <a:solidFill>
+                  <a:srgbClr val="FFFFFF"/>
+                </a:solidFill>
+              </a14:hiddenFill>
+            </a:ext>
+          </a:extLst>
+        </p:spPr>
+      </p:pic>
+      <p:sp>
+        <p:nvSpPr>
+          <p:cNvPr id="4" name="Rectangle 3"/>
+          <p:cNvSpPr/>
+          <p:nvPr/>
+        </p:nvSpPr>
+        <p:spPr>
+          <a:xfrm>
+            <a:off x="594360" y="662523"/>
+            <a:ext cx="7924800" cy="892552"/>
+          </a:xfrm>
+          <a:prstGeom prst="rect">
+            <a:avLst/>
+          </a:prstGeom>
+        </p:spPr>
+        <p:txBody>
+          <a:bodyPr wrap="square">
+            <a:spAutoFit/>
+          </a:bodyPr>
+          <a:lstStyle/>
+          <a:p>
+            <a:pPr algn="ctr">
+              <a:spcBef>
+                <a:spcPts val="1200"/>
+              </a:spcBef>
+            </a:pPr>
+            <a:r>
+              <a:rPr lang="en-US" sz="2600" dirty="0" smtClean="0"/>
+              <a:t>Modeling of processes related to culturing cells and establishing / modifying cell lines</a:t>
+            </a:r>
+          </a:p>
+        </p:txBody>
+      </p:sp>
+    </p:spTree>
+    <p:extLst>
+      <p:ext uri="{BB962C8B-B14F-4D97-AF65-F5344CB8AC3E}">
+        <p14:creationId xmlns:p14="http://schemas.microsoft.com/office/powerpoint/2010/main" val="3176552215"/>
       </p:ext>
     </p:extLst>
   </p:cSld>
